--- a/presentation.pptx
+++ b/presentation.pptx
@@ -13,11 +13,15 @@
     <p:sldId id="264" r:id="rId7"/>
     <p:sldId id="258" r:id="rId8"/>
     <p:sldId id="259" r:id="rId9"/>
-    <p:sldId id="267" r:id="rId10"/>
-    <p:sldId id="260" r:id="rId11"/>
-    <p:sldId id="261" r:id="rId12"/>
-    <p:sldId id="269" r:id="rId13"/>
-    <p:sldId id="262" r:id="rId14"/>
+    <p:sldId id="271" r:id="rId10"/>
+    <p:sldId id="272" r:id="rId11"/>
+    <p:sldId id="273" r:id="rId12"/>
+    <p:sldId id="260" r:id="rId13"/>
+    <p:sldId id="261" r:id="rId14"/>
+    <p:sldId id="270" r:id="rId15"/>
+    <p:sldId id="274" r:id="rId16"/>
+    <p:sldId id="269" r:id="rId17"/>
+    <p:sldId id="262" r:id="rId18"/>
   </p:sldIdLst>
   <p:sldSz cx="12192000" cy="6858000"/>
   <p:notesSz cx="6858000" cy="9144000"/>
@@ -341,7 +345,7 @@
           <a:p>
             <a:fld id="{BA34DE39-8910-D246-A417-9A1ACFC10643}" type="datetimeFigureOut">
               <a:rPr lang="en-US" smtClean="0"/>
-              <a:t>7/23/22</a:t>
+              <a:t>7/27/22</a:t>
             </a:fld>
             <a:endParaRPr lang="en-US"/>
           </a:p>
@@ -635,7 +639,7 @@
           <a:p>
             <a:fld id="{BA34DE39-8910-D246-A417-9A1ACFC10643}" type="datetimeFigureOut">
               <a:rPr lang="en-US" smtClean="0"/>
-              <a:t>7/23/22</a:t>
+              <a:t>7/27/22</a:t>
             </a:fld>
             <a:endParaRPr lang="en-US"/>
           </a:p>
@@ -938,7 +942,7 @@
           <a:p>
             <a:fld id="{BA34DE39-8910-D246-A417-9A1ACFC10643}" type="datetimeFigureOut">
               <a:rPr lang="en-US" smtClean="0"/>
-              <a:t>7/23/22</a:t>
+              <a:t>7/27/22</a:t>
             </a:fld>
             <a:endParaRPr lang="en-US"/>
           </a:p>
@@ -1199,7 +1203,7 @@
           <a:p>
             <a:fld id="{BA34DE39-8910-D246-A417-9A1ACFC10643}" type="datetimeFigureOut">
               <a:rPr lang="en-US" smtClean="0"/>
-              <a:t>7/23/22</a:t>
+              <a:t>7/27/22</a:t>
             </a:fld>
             <a:endParaRPr lang="en-US"/>
           </a:p>
@@ -1566,7 +1570,7 @@
           <a:p>
             <a:fld id="{BA34DE39-8910-D246-A417-9A1ACFC10643}" type="datetimeFigureOut">
               <a:rPr lang="en-US" smtClean="0"/>
-              <a:t>7/23/22</a:t>
+              <a:t>7/27/22</a:t>
             </a:fld>
             <a:endParaRPr lang="en-US"/>
           </a:p>
@@ -1881,7 +1885,7 @@
           <a:p>
             <a:fld id="{BA34DE39-8910-D246-A417-9A1ACFC10643}" type="datetimeFigureOut">
               <a:rPr lang="en-US" smtClean="0"/>
-              <a:t>7/23/22</a:t>
+              <a:t>7/27/22</a:t>
             </a:fld>
             <a:endParaRPr lang="en-US"/>
           </a:p>
@@ -2426,7 +2430,7 @@
           <a:p>
             <a:fld id="{BA34DE39-8910-D246-A417-9A1ACFC10643}" type="datetimeFigureOut">
               <a:rPr lang="en-US" smtClean="0"/>
-              <a:t>7/23/22</a:t>
+              <a:t>7/27/22</a:t>
             </a:fld>
             <a:endParaRPr lang="en-US"/>
           </a:p>
@@ -2622,7 +2626,7 @@
           <a:p>
             <a:fld id="{BA34DE39-8910-D246-A417-9A1ACFC10643}" type="datetimeFigureOut">
               <a:rPr lang="en-US" smtClean="0"/>
-              <a:t>7/23/22</a:t>
+              <a:t>7/27/22</a:t>
             </a:fld>
             <a:endParaRPr lang="en-US"/>
           </a:p>
@@ -2836,7 +2840,7 @@
           <a:p>
             <a:fld id="{BA34DE39-8910-D246-A417-9A1ACFC10643}" type="datetimeFigureOut">
               <a:rPr lang="en-US" smtClean="0"/>
-              <a:t>7/23/22</a:t>
+              <a:t>7/27/22</a:t>
             </a:fld>
             <a:endParaRPr lang="en-US"/>
           </a:p>
@@ -3206,7 +3210,7 @@
           <a:p>
             <a:fld id="{BA34DE39-8910-D246-A417-9A1ACFC10643}" type="datetimeFigureOut">
               <a:rPr lang="en-US" smtClean="0"/>
-              <a:t>7/23/22</a:t>
+              <a:t>7/27/22</a:t>
             </a:fld>
             <a:endParaRPr lang="en-US"/>
           </a:p>
@@ -3610,7 +3614,7 @@
           <a:p>
             <a:fld id="{BA34DE39-8910-D246-A417-9A1ACFC10643}" type="datetimeFigureOut">
               <a:rPr lang="en-US" smtClean="0"/>
-              <a:t>7/23/22</a:t>
+              <a:t>7/27/22</a:t>
             </a:fld>
             <a:endParaRPr lang="en-US"/>
           </a:p>
@@ -3922,7 +3926,7 @@
           <a:p>
             <a:fld id="{BA34DE39-8910-D246-A417-9A1ACFC10643}" type="datetimeFigureOut">
               <a:rPr lang="en-US" smtClean="0"/>
-              <a:t>7/23/22</a:t>
+              <a:t>7/27/22</a:t>
             </a:fld>
             <a:endParaRPr lang="en-US"/>
           </a:p>
@@ -4574,56 +4578,24 @@
           <a:p>
             <a:r>
               <a:rPr lang="en-US" dirty="0"/>
-              <a:t>Conclusions</a:t>
-            </a:r>
-          </a:p>
-        </p:txBody>
-      </p:sp>
-      <p:sp>
-        <p:nvSpPr>
-          <p:cNvPr id="3" name="Content Placeholder 2">
+              <a:t>Results | ERD</a:t>
+            </a:r>
+            <a:br>
+              <a:rPr lang="en-US" dirty="0"/>
+            </a:br>
+            <a:r>
+              <a:rPr lang="en-US" sz="2400" dirty="0"/>
+              <a:t>S1 Hand, Electrode 27</a:t>
+            </a:r>
+          </a:p>
+        </p:txBody>
+      </p:sp>
+      <p:sp>
+        <p:nvSpPr>
+          <p:cNvPr id="7" name="TextBox 6">
             <a:extLst>
               <a:ext uri="{FF2B5EF4-FFF2-40B4-BE49-F238E27FC236}">
-                <a16:creationId xmlns:a16="http://schemas.microsoft.com/office/drawing/2014/main" id="{AA6B1422-D7D4-F653-7016-761FE0442ADA}"/>
-              </a:ext>
-            </a:extLst>
-          </p:cNvPr>
-          <p:cNvSpPr>
-            <a:spLocks noGrp="1"/>
-          </p:cNvSpPr>
-          <p:nvPr>
-            <p:ph idx="1"/>
-          </p:nvPr>
-        </p:nvSpPr>
-        <p:spPr/>
-        <p:txBody>
-          <a:bodyPr/>
-          <a:lstStyle/>
-          <a:p>
-            <a:r>
-              <a:rPr lang="en-US" dirty="0"/>
-              <a:t>which stats to demonstrate similarity between conditions?</a:t>
-            </a:r>
-          </a:p>
-          <a:p>
-            <a:r>
-              <a:rPr lang="en-US" dirty="0"/>
-              <a:t>motor planning? </a:t>
-            </a:r>
-            <a:r>
-              <a:rPr lang="en-US" dirty="0" err="1"/>
-              <a:t>Nakayashiki</a:t>
-            </a:r>
-            <a:endParaRPr lang="en-US" dirty="0"/>
-          </a:p>
-        </p:txBody>
-      </p:sp>
-      <p:sp>
-        <p:nvSpPr>
-          <p:cNvPr id="4" name="TextBox 3">
-            <a:extLst>
-              <a:ext uri="{FF2B5EF4-FFF2-40B4-BE49-F238E27FC236}">
-                <a16:creationId xmlns:a16="http://schemas.microsoft.com/office/drawing/2014/main" id="{83E40CE4-0C54-66F3-10EA-A0B36D205FC8}"/>
+                <a16:creationId xmlns:a16="http://schemas.microsoft.com/office/drawing/2014/main" id="{491C672F-5F1C-145B-D2AA-0489F3EE2464}"/>
               </a:ext>
             </a:extLst>
           </p:cNvPr>
@@ -4631,9 +4603,9 @@
           <p:nvPr/>
         </p:nvSpPr>
         <p:spPr>
-          <a:xfrm rot="19966124">
-            <a:off x="2197611" y="2969708"/>
-            <a:ext cx="7465326" cy="1446550"/>
+          <a:xfrm>
+            <a:off x="1145434" y="5809955"/>
+            <a:ext cx="9901131" cy="923330"/>
           </a:xfrm>
           <a:prstGeom prst="rect">
             <a:avLst/>
@@ -4648,16 +4620,73 @@
           <a:p>
             <a:pPr algn="ctr"/>
             <a:r>
-              <a:rPr lang="en-US" sz="8800" dirty="0"/>
-              <a:t>to be updated</a:t>
-            </a:r>
-          </a:p>
-        </p:txBody>
-      </p:sp>
+              <a:rPr lang="en-US" dirty="0"/>
+              <a:t>color (light -&gt; dark) indicates time course over epoch windows (-1000 to 3000 </a:t>
+            </a:r>
+            <a:r>
+              <a:rPr lang="en-US" dirty="0" err="1"/>
+              <a:t>ms</a:t>
+            </a:r>
+            <a:r>
+              <a:rPr lang="en-US" dirty="0"/>
+              <a:t>)</a:t>
+            </a:r>
+          </a:p>
+          <a:p>
+            <a:pPr algn="ctr"/>
+            <a:endParaRPr lang="en-US" dirty="0"/>
+          </a:p>
+          <a:p>
+            <a:pPr algn="ctr"/>
+            <a:r>
+              <a:rPr lang="en-US" dirty="0"/>
+              <a:t>vertical marker indicates 250 </a:t>
+            </a:r>
+            <a:r>
+              <a:rPr lang="en-US" dirty="0" err="1"/>
+              <a:t>ms</a:t>
+            </a:r>
+            <a:r>
+              <a:rPr lang="en-US" dirty="0"/>
+              <a:t> after onset of visual stimulus</a:t>
+            </a:r>
+          </a:p>
+        </p:txBody>
+      </p:sp>
+      <p:pic>
+        <p:nvPicPr>
+          <p:cNvPr id="4" name="Picture 3">
+            <a:extLst>
+              <a:ext uri="{FF2B5EF4-FFF2-40B4-BE49-F238E27FC236}">
+                <a16:creationId xmlns:a16="http://schemas.microsoft.com/office/drawing/2014/main" id="{57926E81-4CE1-0E31-149E-C8B96238E5E8}"/>
+              </a:ext>
+            </a:extLst>
+          </p:cNvPr>
+          <p:cNvPicPr>
+            <a:picLocks noChangeAspect="1"/>
+          </p:cNvPicPr>
+          <p:nvPr/>
+        </p:nvPicPr>
+        <p:blipFill>
+          <a:blip r:embed="rId2"/>
+          <a:stretch>
+            <a:fillRect/>
+          </a:stretch>
+        </p:blipFill>
+        <p:spPr>
+          <a:xfrm>
+            <a:off x="3352800" y="1600200"/>
+            <a:ext cx="5486400" cy="3657600"/>
+          </a:xfrm>
+          <a:prstGeom prst="rect">
+            <a:avLst/>
+          </a:prstGeom>
+        </p:spPr>
+      </p:pic>
     </p:spTree>
     <p:extLst>
       <p:ext uri="{BB962C8B-B14F-4D97-AF65-F5344CB8AC3E}">
-        <p14:creationId xmlns:p14="http://schemas.microsoft.com/office/powerpoint/2010/main" val="1981167294"/>
+        <p14:creationId xmlns:p14="http://schemas.microsoft.com/office/powerpoint/2010/main" val="1549780105"/>
       </p:ext>
     </p:extLst>
   </p:cSld>
@@ -4707,56 +4736,24 @@
           <a:p>
             <a:r>
               <a:rPr lang="en-US" dirty="0"/>
-              <a:t>Limitations</a:t>
-            </a:r>
-          </a:p>
-        </p:txBody>
-      </p:sp>
-      <p:sp>
-        <p:nvSpPr>
-          <p:cNvPr id="3" name="Content Placeholder 2">
+              <a:t>Results | ERD</a:t>
+            </a:r>
+            <a:br>
+              <a:rPr lang="en-US" dirty="0"/>
+            </a:br>
+            <a:r>
+              <a:rPr lang="en-US" sz="2400" dirty="0"/>
+              <a:t>S1 Hand, Electrode 27</a:t>
+            </a:r>
+          </a:p>
+        </p:txBody>
+      </p:sp>
+      <p:sp>
+        <p:nvSpPr>
+          <p:cNvPr id="7" name="TextBox 6">
             <a:extLst>
               <a:ext uri="{FF2B5EF4-FFF2-40B4-BE49-F238E27FC236}">
-                <a16:creationId xmlns:a16="http://schemas.microsoft.com/office/drawing/2014/main" id="{AA6B1422-D7D4-F653-7016-761FE0442ADA}"/>
-              </a:ext>
-            </a:extLst>
-          </p:cNvPr>
-          <p:cNvSpPr>
-            <a:spLocks noGrp="1"/>
-          </p:cNvSpPr>
-          <p:nvPr>
-            <p:ph idx="1"/>
-          </p:nvPr>
-        </p:nvSpPr>
-        <p:spPr/>
-        <p:txBody>
-          <a:bodyPr>
-            <a:normAutofit/>
-          </a:bodyPr>
-          <a:lstStyle/>
-          <a:p>
-            <a:r>
-              <a:rPr lang="en-US" dirty="0"/>
-              <a:t>time constraints (other analyses to perform? data cleaning?)</a:t>
-            </a:r>
-          </a:p>
-          <a:p>
-            <a:r>
-              <a:rPr lang="en-US" dirty="0"/>
-              <a:t>specific subject population reduces generalizability</a:t>
-            </a:r>
-          </a:p>
-          <a:p>
-            <a:endParaRPr lang="en-US" dirty="0"/>
-          </a:p>
-        </p:txBody>
-      </p:sp>
-      <p:sp>
-        <p:nvSpPr>
-          <p:cNvPr id="6" name="TextBox 5">
-            <a:extLst>
-              <a:ext uri="{FF2B5EF4-FFF2-40B4-BE49-F238E27FC236}">
-                <a16:creationId xmlns:a16="http://schemas.microsoft.com/office/drawing/2014/main" id="{22D2FEBB-3E31-C40C-84C5-59555F1970B4}"/>
+                <a16:creationId xmlns:a16="http://schemas.microsoft.com/office/drawing/2014/main" id="{491C672F-5F1C-145B-D2AA-0489F3EE2464}"/>
               </a:ext>
             </a:extLst>
           </p:cNvPr>
@@ -4764,9 +4761,9 @@
           <p:nvPr/>
         </p:nvSpPr>
         <p:spPr>
-          <a:xfrm rot="19966124">
-            <a:off x="2197611" y="2969708"/>
-            <a:ext cx="7465326" cy="1446550"/>
+          <a:xfrm>
+            <a:off x="1145434" y="5809955"/>
+            <a:ext cx="9901131" cy="923330"/>
           </a:xfrm>
           <a:prstGeom prst="rect">
             <a:avLst/>
@@ -4781,16 +4778,73 @@
           <a:p>
             <a:pPr algn="ctr"/>
             <a:r>
-              <a:rPr lang="en-US" sz="8800" dirty="0"/>
-              <a:t>to be updated</a:t>
-            </a:r>
-          </a:p>
-        </p:txBody>
-      </p:sp>
+              <a:rPr lang="en-US" dirty="0"/>
+              <a:t>color (light -&gt; dark) indicates time course over epoch windows (-1000 to 3000 </a:t>
+            </a:r>
+            <a:r>
+              <a:rPr lang="en-US" dirty="0" err="1"/>
+              <a:t>ms</a:t>
+            </a:r>
+            <a:r>
+              <a:rPr lang="en-US" dirty="0"/>
+              <a:t>)</a:t>
+            </a:r>
+          </a:p>
+          <a:p>
+            <a:pPr algn="ctr"/>
+            <a:endParaRPr lang="en-US" dirty="0"/>
+          </a:p>
+          <a:p>
+            <a:pPr algn="ctr"/>
+            <a:r>
+              <a:rPr lang="en-US" dirty="0"/>
+              <a:t>vertical marker indicates 250 </a:t>
+            </a:r>
+            <a:r>
+              <a:rPr lang="en-US" dirty="0" err="1"/>
+              <a:t>ms</a:t>
+            </a:r>
+            <a:r>
+              <a:rPr lang="en-US" dirty="0"/>
+              <a:t> after onset of visual stimulus</a:t>
+            </a:r>
+          </a:p>
+        </p:txBody>
+      </p:sp>
+      <p:pic>
+        <p:nvPicPr>
+          <p:cNvPr id="5" name="Picture 4">
+            <a:extLst>
+              <a:ext uri="{FF2B5EF4-FFF2-40B4-BE49-F238E27FC236}">
+                <a16:creationId xmlns:a16="http://schemas.microsoft.com/office/drawing/2014/main" id="{BF3CB207-3173-5F02-F7A8-C4CD65ACD695}"/>
+              </a:ext>
+            </a:extLst>
+          </p:cNvPr>
+          <p:cNvPicPr>
+            <a:picLocks noChangeAspect="1"/>
+          </p:cNvPicPr>
+          <p:nvPr/>
+        </p:nvPicPr>
+        <p:blipFill>
+          <a:blip r:embed="rId2"/>
+          <a:stretch>
+            <a:fillRect/>
+          </a:stretch>
+        </p:blipFill>
+        <p:spPr>
+          <a:xfrm>
+            <a:off x="3352800" y="1600200"/>
+            <a:ext cx="5486400" cy="3657600"/>
+          </a:xfrm>
+          <a:prstGeom prst="rect">
+            <a:avLst/>
+          </a:prstGeom>
+        </p:spPr>
+      </p:pic>
     </p:spTree>
     <p:extLst>
       <p:ext uri="{BB962C8B-B14F-4D97-AF65-F5344CB8AC3E}">
-        <p14:creationId xmlns:p14="http://schemas.microsoft.com/office/powerpoint/2010/main" val="116570967"/>
+        <p14:creationId xmlns:p14="http://schemas.microsoft.com/office/powerpoint/2010/main" val="3787470690"/>
       </p:ext>
     </p:extLst>
   </p:cSld>
@@ -4840,7 +4894,7 @@
           <a:p>
             <a:r>
               <a:rPr lang="en-US" dirty="0"/>
-              <a:t>References</a:t>
+              <a:t>Conclusions</a:t>
             </a:r>
           </a:p>
         </p:txBody>
@@ -4861,12 +4915,271 @@
             <p:ph idx="1"/>
           </p:nvPr>
         </p:nvSpPr>
-        <p:spPr>
-          <a:xfrm>
-            <a:off x="1498981" y="1751818"/>
-            <a:ext cx="9071158" cy="3997828"/>
-          </a:xfrm>
-        </p:spPr>
+        <p:spPr/>
+        <p:txBody>
+          <a:bodyPr/>
+          <a:lstStyle/>
+          <a:p>
+            <a:r>
+              <a:rPr lang="en-US" dirty="0"/>
+              <a:t>which stats to demonstrate similarity between conditions?</a:t>
+            </a:r>
+          </a:p>
+          <a:p>
+            <a:r>
+              <a:rPr lang="en-US" dirty="0"/>
+              <a:t>motor planning? </a:t>
+            </a:r>
+            <a:r>
+              <a:rPr lang="en-US" dirty="0" err="1"/>
+              <a:t>Nakayashiki</a:t>
+            </a:r>
+            <a:endParaRPr lang="en-US" dirty="0"/>
+          </a:p>
+        </p:txBody>
+      </p:sp>
+      <p:sp>
+        <p:nvSpPr>
+          <p:cNvPr id="4" name="TextBox 3">
+            <a:extLst>
+              <a:ext uri="{FF2B5EF4-FFF2-40B4-BE49-F238E27FC236}">
+                <a16:creationId xmlns:a16="http://schemas.microsoft.com/office/drawing/2014/main" id="{83E40CE4-0C54-66F3-10EA-A0B36D205FC8}"/>
+              </a:ext>
+            </a:extLst>
+          </p:cNvPr>
+          <p:cNvSpPr txBox="1"/>
+          <p:nvPr/>
+        </p:nvSpPr>
+        <p:spPr>
+          <a:xfrm rot="19966124">
+            <a:off x="2197611" y="2969708"/>
+            <a:ext cx="7465326" cy="1446550"/>
+          </a:xfrm>
+          <a:prstGeom prst="rect">
+            <a:avLst/>
+          </a:prstGeom>
+          <a:noFill/>
+        </p:spPr>
+        <p:txBody>
+          <a:bodyPr wrap="square" rtlCol="0">
+            <a:spAutoFit/>
+          </a:bodyPr>
+          <a:lstStyle/>
+          <a:p>
+            <a:pPr algn="ctr"/>
+            <a:r>
+              <a:rPr lang="en-US" sz="8800" dirty="0"/>
+              <a:t>to be updated</a:t>
+            </a:r>
+          </a:p>
+        </p:txBody>
+      </p:sp>
+    </p:spTree>
+    <p:extLst>
+      <p:ext uri="{BB962C8B-B14F-4D97-AF65-F5344CB8AC3E}">
+        <p14:creationId xmlns:p14="http://schemas.microsoft.com/office/powerpoint/2010/main" val="1981167294"/>
+      </p:ext>
+    </p:extLst>
+  </p:cSld>
+  <p:clrMapOvr>
+    <a:masterClrMapping/>
+  </p:clrMapOvr>
+</p:sld>
+</file>
+
+<file path=ppt/slides/slide13.xml><?xml version="1.0" encoding="utf-8"?>
+<p:sld xmlns:a="http://schemas.openxmlformats.org/drawingml/2006/main" xmlns:r="http://schemas.openxmlformats.org/officeDocument/2006/relationships" xmlns:p="http://schemas.openxmlformats.org/presentationml/2006/main">
+  <p:cSld>
+    <p:spTree>
+      <p:nvGrpSpPr>
+        <p:cNvPr id="1" name=""/>
+        <p:cNvGrpSpPr/>
+        <p:nvPr/>
+      </p:nvGrpSpPr>
+      <p:grpSpPr>
+        <a:xfrm>
+          <a:off x="0" y="0"/>
+          <a:ext cx="0" cy="0"/>
+          <a:chOff x="0" y="0"/>
+          <a:chExt cx="0" cy="0"/>
+        </a:xfrm>
+      </p:grpSpPr>
+      <p:sp>
+        <p:nvSpPr>
+          <p:cNvPr id="2" name="Title 1">
+            <a:extLst>
+              <a:ext uri="{FF2B5EF4-FFF2-40B4-BE49-F238E27FC236}">
+                <a16:creationId xmlns:a16="http://schemas.microsoft.com/office/drawing/2014/main" id="{AB229146-3FFE-7BBC-BD99-EA8A1D03F50B}"/>
+              </a:ext>
+            </a:extLst>
+          </p:cNvPr>
+          <p:cNvSpPr>
+            <a:spLocks noGrp="1"/>
+          </p:cNvSpPr>
+          <p:nvPr>
+            <p:ph type="title"/>
+          </p:nvPr>
+        </p:nvSpPr>
+        <p:spPr/>
+        <p:txBody>
+          <a:bodyPr/>
+          <a:lstStyle/>
+          <a:p>
+            <a:r>
+              <a:rPr lang="en-US" dirty="0"/>
+              <a:t>Limitations</a:t>
+            </a:r>
+          </a:p>
+        </p:txBody>
+      </p:sp>
+      <p:sp>
+        <p:nvSpPr>
+          <p:cNvPr id="3" name="Content Placeholder 2">
+            <a:extLst>
+              <a:ext uri="{FF2B5EF4-FFF2-40B4-BE49-F238E27FC236}">
+                <a16:creationId xmlns:a16="http://schemas.microsoft.com/office/drawing/2014/main" id="{AA6B1422-D7D4-F653-7016-761FE0442ADA}"/>
+              </a:ext>
+            </a:extLst>
+          </p:cNvPr>
+          <p:cNvSpPr>
+            <a:spLocks noGrp="1"/>
+          </p:cNvSpPr>
+          <p:nvPr>
+            <p:ph idx="1"/>
+          </p:nvPr>
+        </p:nvSpPr>
+        <p:spPr/>
+        <p:txBody>
+          <a:bodyPr>
+            <a:normAutofit lnSpcReduction="10000"/>
+          </a:bodyPr>
+          <a:lstStyle/>
+          <a:p>
+            <a:r>
+              <a:rPr lang="en-US" dirty="0"/>
+              <a:t>specific subject population reduces generalizability of findings</a:t>
+            </a:r>
+          </a:p>
+          <a:p>
+            <a:r>
+              <a:rPr lang="en-US" dirty="0"/>
+              <a:t>project time constraints led us to simplify our preprocessing:</a:t>
+            </a:r>
+          </a:p>
+          <a:p>
+            <a:pPr lvl="1"/>
+            <a:r>
+              <a:rPr lang="en-US" dirty="0"/>
+              <a:t>did not re-reference data to the average</a:t>
+            </a:r>
+          </a:p>
+          <a:p>
+            <a:pPr lvl="1"/>
+            <a:r>
+              <a:rPr lang="en-US" dirty="0"/>
+              <a:t>did not perform ICA or other methods to identify and remove noisy (or epileptic) epochs in the channels we analyzed</a:t>
+            </a:r>
+          </a:p>
+          <a:p>
+            <a:r>
+              <a:rPr lang="en-US" dirty="0"/>
+              <a:t>project time constraints led us to simplify our analyses:</a:t>
+            </a:r>
+          </a:p>
+          <a:p>
+            <a:pPr lvl="1"/>
+            <a:r>
+              <a:rPr lang="en-US" dirty="0"/>
+              <a:t>did not z-score across subjects before classification</a:t>
+            </a:r>
+          </a:p>
+          <a:p>
+            <a:pPr lvl="1"/>
+            <a:r>
+              <a:rPr lang="en-US" dirty="0"/>
+              <a:t>single randomized split for training/test (no thorough cross-validation)</a:t>
+            </a:r>
+          </a:p>
+          <a:p>
+            <a:endParaRPr lang="en-US" dirty="0"/>
+          </a:p>
+        </p:txBody>
+      </p:sp>
+    </p:spTree>
+    <p:extLst>
+      <p:ext uri="{BB962C8B-B14F-4D97-AF65-F5344CB8AC3E}">
+        <p14:creationId xmlns:p14="http://schemas.microsoft.com/office/powerpoint/2010/main" val="116570967"/>
+      </p:ext>
+    </p:extLst>
+  </p:cSld>
+  <p:clrMapOvr>
+    <a:masterClrMapping/>
+  </p:clrMapOvr>
+</p:sld>
+</file>
+
+<file path=ppt/slides/slide14.xml><?xml version="1.0" encoding="utf-8"?>
+<p:sld xmlns:a="http://schemas.openxmlformats.org/drawingml/2006/main" xmlns:r="http://schemas.openxmlformats.org/officeDocument/2006/relationships" xmlns:p="http://schemas.openxmlformats.org/presentationml/2006/main">
+  <p:cSld>
+    <p:spTree>
+      <p:nvGrpSpPr>
+        <p:cNvPr id="1" name=""/>
+        <p:cNvGrpSpPr/>
+        <p:nvPr/>
+      </p:nvGrpSpPr>
+      <p:grpSpPr>
+        <a:xfrm>
+          <a:off x="0" y="0"/>
+          <a:ext cx="0" cy="0"/>
+          <a:chOff x="0" y="0"/>
+          <a:chExt cx="0" cy="0"/>
+        </a:xfrm>
+      </p:grpSpPr>
+      <p:sp>
+        <p:nvSpPr>
+          <p:cNvPr id="2" name="Title 1">
+            <a:extLst>
+              <a:ext uri="{FF2B5EF4-FFF2-40B4-BE49-F238E27FC236}">
+                <a16:creationId xmlns:a16="http://schemas.microsoft.com/office/drawing/2014/main" id="{AB229146-3FFE-7BBC-BD99-EA8A1D03F50B}"/>
+              </a:ext>
+            </a:extLst>
+          </p:cNvPr>
+          <p:cNvSpPr>
+            <a:spLocks noGrp="1"/>
+          </p:cNvSpPr>
+          <p:nvPr>
+            <p:ph type="title"/>
+          </p:nvPr>
+        </p:nvSpPr>
+        <p:spPr/>
+        <p:txBody>
+          <a:bodyPr/>
+          <a:lstStyle/>
+          <a:p>
+            <a:r>
+              <a:rPr lang="en-US" dirty="0"/>
+              <a:t>Future Directions</a:t>
+            </a:r>
+          </a:p>
+        </p:txBody>
+      </p:sp>
+      <p:sp>
+        <p:nvSpPr>
+          <p:cNvPr id="3" name="Content Placeholder 2">
+            <a:extLst>
+              <a:ext uri="{FF2B5EF4-FFF2-40B4-BE49-F238E27FC236}">
+                <a16:creationId xmlns:a16="http://schemas.microsoft.com/office/drawing/2014/main" id="{AA6B1422-D7D4-F653-7016-761FE0442ADA}"/>
+              </a:ext>
+            </a:extLst>
+          </p:cNvPr>
+          <p:cNvSpPr>
+            <a:spLocks noGrp="1"/>
+          </p:cNvSpPr>
+          <p:nvPr>
+            <p:ph idx="1"/>
+          </p:nvPr>
+        </p:nvSpPr>
+        <p:spPr/>
         <p:txBody>
           <a:bodyPr>
             <a:normAutofit/>
@@ -4875,123 +5188,537 @@
           <a:p>
             <a:r>
               <a:rPr lang="en-US" dirty="0"/>
+              <a:t>what else would we do if we had more time?</a:t>
+            </a:r>
+          </a:p>
+          <a:p>
+            <a:endParaRPr lang="en-US" dirty="0"/>
+          </a:p>
+        </p:txBody>
+      </p:sp>
+    </p:spTree>
+    <p:extLst>
+      <p:ext uri="{BB962C8B-B14F-4D97-AF65-F5344CB8AC3E}">
+        <p14:creationId xmlns:p14="http://schemas.microsoft.com/office/powerpoint/2010/main" val="283554576"/>
+      </p:ext>
+    </p:extLst>
+  </p:cSld>
+  <p:clrMapOvr>
+    <a:masterClrMapping/>
+  </p:clrMapOvr>
+</p:sld>
+</file>
+
+<file path=ppt/slides/slide15.xml><?xml version="1.0" encoding="utf-8"?>
+<p:sld xmlns:a="http://schemas.openxmlformats.org/drawingml/2006/main" xmlns:r="http://schemas.openxmlformats.org/officeDocument/2006/relationships" xmlns:p="http://schemas.openxmlformats.org/presentationml/2006/main">
+  <p:cSld>
+    <p:spTree>
+      <p:nvGrpSpPr>
+        <p:cNvPr id="1" name=""/>
+        <p:cNvGrpSpPr/>
+        <p:nvPr/>
+      </p:nvGrpSpPr>
+      <p:grpSpPr>
+        <a:xfrm>
+          <a:off x="0" y="0"/>
+          <a:ext cx="0" cy="0"/>
+          <a:chOff x="0" y="0"/>
+          <a:chExt cx="0" cy="0"/>
+        </a:xfrm>
+      </p:grpSpPr>
+      <p:sp>
+        <p:nvSpPr>
+          <p:cNvPr id="2" name="Title 1">
+            <a:extLst>
+              <a:ext uri="{FF2B5EF4-FFF2-40B4-BE49-F238E27FC236}">
+                <a16:creationId xmlns:a16="http://schemas.microsoft.com/office/drawing/2014/main" id="{AB229146-3FFE-7BBC-BD99-EA8A1D03F50B}"/>
+              </a:ext>
+            </a:extLst>
+          </p:cNvPr>
+          <p:cNvSpPr>
+            <a:spLocks noGrp="1"/>
+          </p:cNvSpPr>
+          <p:nvPr>
+            <p:ph type="title"/>
+          </p:nvPr>
+        </p:nvSpPr>
+        <p:spPr/>
+        <p:txBody>
+          <a:bodyPr/>
+          <a:lstStyle/>
+          <a:p>
+            <a:r>
+              <a:rPr lang="en-US" dirty="0"/>
+              <a:t>Code Availability</a:t>
+            </a:r>
+          </a:p>
+        </p:txBody>
+      </p:sp>
+      <p:sp>
+        <p:nvSpPr>
+          <p:cNvPr id="3" name="Content Placeholder 2">
+            <a:extLst>
+              <a:ext uri="{FF2B5EF4-FFF2-40B4-BE49-F238E27FC236}">
+                <a16:creationId xmlns:a16="http://schemas.microsoft.com/office/drawing/2014/main" id="{AA6B1422-D7D4-F653-7016-761FE0442ADA}"/>
+              </a:ext>
+            </a:extLst>
+          </p:cNvPr>
+          <p:cNvSpPr>
+            <a:spLocks noGrp="1"/>
+          </p:cNvSpPr>
+          <p:nvPr>
+            <p:ph idx="1"/>
+          </p:nvPr>
+        </p:nvSpPr>
+        <p:spPr>
+          <a:xfrm>
+            <a:off x="1498980" y="1751818"/>
+            <a:ext cx="9487467" cy="3997828"/>
+          </a:xfrm>
+        </p:spPr>
+        <p:txBody>
+          <a:bodyPr>
+            <a:normAutofit/>
+          </a:bodyPr>
+          <a:lstStyle/>
+          <a:p>
+            <a:pPr marL="0" indent="0" algn="ctr">
+              <a:buNone/>
+            </a:pPr>
+            <a:r>
+              <a:rPr lang="en-US" sz="4000" dirty="0"/>
+              <a:t>https://</a:t>
+            </a:r>
+            <a:r>
+              <a:rPr lang="en-US" sz="4000" dirty="0" err="1"/>
+              <a:t>github.com</a:t>
+            </a:r>
+            <a:r>
+              <a:rPr lang="en-US" sz="4000" dirty="0"/>
+              <a:t>/jessb0t/</a:t>
+            </a:r>
+            <a:r>
+              <a:rPr lang="en-US" sz="4000" dirty="0" err="1"/>
+              <a:t>motorImagery</a:t>
+            </a:r>
+            <a:endParaRPr lang="en-US" sz="4000" dirty="0"/>
+          </a:p>
+        </p:txBody>
+      </p:sp>
+    </p:spTree>
+    <p:extLst>
+      <p:ext uri="{BB962C8B-B14F-4D97-AF65-F5344CB8AC3E}">
+        <p14:creationId xmlns:p14="http://schemas.microsoft.com/office/powerpoint/2010/main" val="279706596"/>
+      </p:ext>
+    </p:extLst>
+  </p:cSld>
+  <p:clrMapOvr>
+    <a:masterClrMapping/>
+  </p:clrMapOvr>
+</p:sld>
+</file>
+
+<file path=ppt/slides/slide16.xml><?xml version="1.0" encoding="utf-8"?>
+<p:sld xmlns:a="http://schemas.openxmlformats.org/drawingml/2006/main" xmlns:r="http://schemas.openxmlformats.org/officeDocument/2006/relationships" xmlns:p="http://schemas.openxmlformats.org/presentationml/2006/main">
+  <p:cSld>
+    <p:spTree>
+      <p:nvGrpSpPr>
+        <p:cNvPr id="1" name=""/>
+        <p:cNvGrpSpPr/>
+        <p:nvPr/>
+      </p:nvGrpSpPr>
+      <p:grpSpPr>
+        <a:xfrm>
+          <a:off x="0" y="0"/>
+          <a:ext cx="0" cy="0"/>
+          <a:chOff x="0" y="0"/>
+          <a:chExt cx="0" cy="0"/>
+        </a:xfrm>
+      </p:grpSpPr>
+      <p:sp>
+        <p:nvSpPr>
+          <p:cNvPr id="2" name="Title 1">
+            <a:extLst>
+              <a:ext uri="{FF2B5EF4-FFF2-40B4-BE49-F238E27FC236}">
+                <a16:creationId xmlns:a16="http://schemas.microsoft.com/office/drawing/2014/main" id="{AB229146-3FFE-7BBC-BD99-EA8A1D03F50B}"/>
+              </a:ext>
+            </a:extLst>
+          </p:cNvPr>
+          <p:cNvSpPr>
+            <a:spLocks noGrp="1"/>
+          </p:cNvSpPr>
+          <p:nvPr>
+            <p:ph type="title"/>
+          </p:nvPr>
+        </p:nvSpPr>
+        <p:spPr/>
+        <p:txBody>
+          <a:bodyPr/>
+          <a:lstStyle/>
+          <a:p>
+            <a:r>
+              <a:rPr lang="en-US" dirty="0"/>
+              <a:t>References</a:t>
+            </a:r>
+          </a:p>
+        </p:txBody>
+      </p:sp>
+      <p:sp>
+        <p:nvSpPr>
+          <p:cNvPr id="3" name="Content Placeholder 2">
+            <a:extLst>
+              <a:ext uri="{FF2B5EF4-FFF2-40B4-BE49-F238E27FC236}">
+                <a16:creationId xmlns:a16="http://schemas.microsoft.com/office/drawing/2014/main" id="{AA6B1422-D7D4-F653-7016-761FE0442ADA}"/>
+              </a:ext>
+            </a:extLst>
+          </p:cNvPr>
+          <p:cNvSpPr>
+            <a:spLocks noGrp="1"/>
+          </p:cNvSpPr>
+          <p:nvPr>
+            <p:ph idx="1"/>
+          </p:nvPr>
+        </p:nvSpPr>
+        <p:spPr>
+          <a:xfrm>
+            <a:off x="1498980" y="1751818"/>
+            <a:ext cx="9378285" cy="4519802"/>
+          </a:xfrm>
+        </p:spPr>
+        <p:txBody>
+          <a:bodyPr>
+            <a:noAutofit/>
+          </a:bodyPr>
+          <a:lstStyle/>
+          <a:p>
+            <a:pPr>
+              <a:spcBef>
+                <a:spcPts val="400"/>
+              </a:spcBef>
+              <a:spcAft>
+                <a:spcPts val="400"/>
+              </a:spcAft>
+            </a:pPr>
+            <a:r>
+              <a:rPr lang="en-US" sz="1400" dirty="0" err="1"/>
+              <a:t>Gramfort</a:t>
+            </a:r>
+            <a:r>
+              <a:rPr lang="en-US" sz="1400" dirty="0"/>
+              <a:t>, A., </a:t>
+            </a:r>
+            <a:r>
+              <a:rPr lang="en-US" sz="1400" dirty="0" err="1"/>
+              <a:t>Luessi</a:t>
+            </a:r>
+            <a:r>
+              <a:rPr lang="en-US" sz="1400" dirty="0"/>
+              <a:t>, M., Larson, E., </a:t>
+            </a:r>
+            <a:r>
+              <a:rPr lang="en-US" sz="1400" dirty="0" err="1"/>
+              <a:t>Engemann</a:t>
+            </a:r>
+            <a:r>
+              <a:rPr lang="en-US" sz="1400" dirty="0"/>
+              <a:t>, D. A., </a:t>
+            </a:r>
+            <a:r>
+              <a:rPr lang="en-US" sz="1400" dirty="0" err="1"/>
+              <a:t>Strohmeier</a:t>
+            </a:r>
+            <a:r>
+              <a:rPr lang="en-US" sz="1400" dirty="0"/>
+              <a:t>, D., </a:t>
+            </a:r>
+            <a:r>
+              <a:rPr lang="en-US" sz="1400" dirty="0" err="1"/>
+              <a:t>Brodbeck</a:t>
+            </a:r>
+            <a:r>
+              <a:rPr lang="en-US" sz="1400" dirty="0"/>
+              <a:t>, C., </a:t>
+            </a:r>
+            <a:r>
+              <a:rPr lang="en-US" sz="1400" dirty="0" err="1"/>
+              <a:t>Goj</a:t>
+            </a:r>
+            <a:r>
+              <a:rPr lang="en-US" sz="1400" dirty="0"/>
+              <a:t>, R., Jas, M., Brooks, T., </a:t>
+            </a:r>
+            <a:r>
+              <a:rPr lang="en-US" sz="1400" dirty="0" err="1"/>
+              <a:t>Parkkonen</a:t>
+            </a:r>
+            <a:r>
+              <a:rPr lang="en-US" sz="1400" dirty="0"/>
+              <a:t>, L., &amp; </a:t>
+            </a:r>
+            <a:r>
+              <a:rPr lang="en-US" sz="1400" dirty="0" err="1"/>
+              <a:t>Hämäläinen</a:t>
+            </a:r>
+            <a:r>
+              <a:rPr lang="en-US" sz="1400" dirty="0"/>
+              <a:t>, M. S. (2013). MEG and EEG data analysis with MNE-Python. </a:t>
+            </a:r>
+            <a:r>
+              <a:rPr lang="en-US" sz="1400" i="1" dirty="0"/>
+              <a:t>Frontiers in Neuroscience</a:t>
+            </a:r>
+            <a:r>
+              <a:rPr lang="en-US" sz="1400" dirty="0"/>
+              <a:t>, 7(267):1–13.</a:t>
+            </a:r>
+          </a:p>
+          <a:p>
+            <a:pPr>
+              <a:spcBef>
+                <a:spcPts val="400"/>
+              </a:spcBef>
+              <a:spcAft>
+                <a:spcPts val="400"/>
+              </a:spcAft>
+            </a:pPr>
+            <a:r>
+              <a:rPr lang="en-US" sz="1400" dirty="0"/>
+              <a:t>Harris, C.R., Millman, K.J., van der Walt, S.J. et al. (2020). Array programming with NumPy. </a:t>
+            </a:r>
+            <a:r>
+              <a:rPr lang="en-US" sz="1400" i="1" dirty="0"/>
+              <a:t>Nature</a:t>
+            </a:r>
+            <a:r>
+              <a:rPr lang="en-US" sz="1400" dirty="0"/>
+              <a:t> 585, 357–362.</a:t>
+            </a:r>
+          </a:p>
+          <a:p>
+            <a:pPr>
+              <a:spcBef>
+                <a:spcPts val="400"/>
+              </a:spcBef>
+              <a:spcAft>
+                <a:spcPts val="400"/>
+              </a:spcAft>
+            </a:pPr>
+            <a:r>
+              <a:rPr lang="en-US" sz="1400" dirty="0"/>
+              <a:t>Hunter, J.D. (2007). Matplotlib: A 2D Graphics Environment, </a:t>
+            </a:r>
+            <a:r>
+              <a:rPr lang="en-US" sz="1400" i="1" dirty="0"/>
+              <a:t>Computing in Science &amp; Engineering</a:t>
+            </a:r>
+            <a:r>
+              <a:rPr lang="en-US" sz="1400" dirty="0"/>
+              <a:t>, 9(3):90-95.</a:t>
+            </a:r>
+          </a:p>
+          <a:p>
+            <a:pPr>
+              <a:spcBef>
+                <a:spcPts val="400"/>
+              </a:spcBef>
+              <a:spcAft>
+                <a:spcPts val="400"/>
+              </a:spcAft>
+            </a:pPr>
+            <a:r>
+              <a:rPr lang="en-US" sz="1400" dirty="0"/>
               <a:t>Miller, K. J., Schalk, G., </a:t>
             </a:r>
             <a:r>
-              <a:rPr lang="en-US" dirty="0" err="1"/>
+              <a:rPr lang="en-US" sz="1400" dirty="0" err="1"/>
               <a:t>Fetz</a:t>
             </a:r>
             <a:r>
-              <a:rPr lang="en-US" dirty="0"/>
+              <a:rPr lang="en-US" sz="1400" dirty="0"/>
               <a:t>, E. E., den </a:t>
             </a:r>
             <a:r>
-              <a:rPr lang="en-US" dirty="0" err="1"/>
+              <a:rPr lang="en-US" sz="1400" dirty="0" err="1"/>
               <a:t>Nijs</a:t>
             </a:r>
             <a:r>
-              <a:rPr lang="en-US" dirty="0"/>
+              <a:rPr lang="en-US" sz="1400" dirty="0"/>
               <a:t>, M., </a:t>
             </a:r>
             <a:r>
-              <a:rPr lang="en-US" dirty="0" err="1"/>
+              <a:rPr lang="en-US" sz="1400" dirty="0" err="1"/>
               <a:t>Ojemann</a:t>
             </a:r>
             <a:r>
-              <a:rPr lang="en-US" dirty="0"/>
+              <a:rPr lang="en-US" sz="1400" dirty="0"/>
               <a:t>, J. G., &amp; Rao, R. P. N. (2010). Cortical activity during motor execution, motor imagery, and imagery-based online feedback. </a:t>
             </a:r>
             <a:r>
-              <a:rPr lang="en-US" i="1" dirty="0"/>
+              <a:rPr lang="en-US" sz="1400" i="1" dirty="0"/>
               <a:t>PNAS</a:t>
             </a:r>
             <a:r>
-              <a:rPr lang="en-US" dirty="0"/>
+              <a:rPr lang="en-US" sz="1400" dirty="0"/>
               <a:t>, </a:t>
             </a:r>
             <a:r>
-              <a:rPr lang="en-US" i="1" dirty="0"/>
+              <a:rPr lang="en-US" sz="1400" i="1" dirty="0"/>
               <a:t>107</a:t>
             </a:r>
             <a:r>
-              <a:rPr lang="en-US" dirty="0"/>
+              <a:rPr lang="en-US" sz="1400" dirty="0"/>
               <a:t>(9), 4430–4435.</a:t>
             </a:r>
           </a:p>
           <a:p>
-            <a:r>
-              <a:rPr lang="en-US" dirty="0"/>
+            <a:pPr>
+              <a:spcBef>
+                <a:spcPts val="400"/>
+              </a:spcBef>
+              <a:spcAft>
+                <a:spcPts val="400"/>
+              </a:spcAft>
+            </a:pPr>
+            <a:r>
+              <a:rPr lang="en-US" sz="1400" dirty="0"/>
               <a:t>Miller KJ. A library of human electrocorticographic data and analyses. </a:t>
             </a:r>
             <a:r>
-              <a:rPr lang="en-US" i="1" dirty="0"/>
+              <a:rPr lang="en-US" sz="1400" i="1" dirty="0"/>
               <a:t>Nat Hum </a:t>
             </a:r>
             <a:r>
-              <a:rPr lang="en-US" i="1" dirty="0" err="1"/>
+              <a:rPr lang="en-US" sz="1400" i="1" dirty="0" err="1"/>
               <a:t>Behav</a:t>
             </a:r>
             <a:r>
-              <a:rPr lang="en-US" dirty="0"/>
+              <a:rPr lang="en-US" sz="1400" dirty="0"/>
               <a:t>. 2019 Nov;3(11):1225-1235.</a:t>
             </a:r>
           </a:p>
           <a:p>
-            <a:r>
-              <a:rPr lang="en-US" dirty="0"/>
+            <a:pPr>
+              <a:spcBef>
+                <a:spcPts val="400"/>
+              </a:spcBef>
+              <a:spcAft>
+                <a:spcPts val="400"/>
+              </a:spcAft>
+            </a:pPr>
+            <a:r>
+              <a:rPr lang="en-US" sz="1400" dirty="0"/>
               <a:t>Unterweger, J., </a:t>
             </a:r>
             <a:r>
-              <a:rPr lang="en-US" dirty="0" err="1"/>
+              <a:rPr lang="en-US" sz="1400" dirty="0" err="1"/>
               <a:t>Seeber</a:t>
             </a:r>
             <a:r>
-              <a:rPr lang="en-US" dirty="0"/>
+              <a:rPr lang="en-US" sz="1400" dirty="0"/>
               <a:t>, M., </a:t>
             </a:r>
             <a:r>
-              <a:rPr lang="en-US" dirty="0" err="1"/>
+              <a:rPr lang="en-US" sz="1400" dirty="0" err="1"/>
               <a:t>Zanos</a:t>
             </a:r>
             <a:r>
-              <a:rPr lang="en-US" dirty="0"/>
+              <a:rPr lang="en-US" sz="1400" dirty="0"/>
               <a:t>, S., </a:t>
             </a:r>
             <a:r>
-              <a:rPr lang="en-US" dirty="0" err="1"/>
+              <a:rPr lang="en-US" sz="1400" dirty="0" err="1"/>
               <a:t>Ojemann</a:t>
             </a:r>
             <a:r>
-              <a:rPr lang="en-US" dirty="0"/>
+              <a:rPr lang="en-US" sz="1400" dirty="0"/>
               <a:t>, J. G., &amp; Scherer, R. (2020). </a:t>
             </a:r>
             <a:r>
-              <a:rPr lang="en-US" dirty="0" err="1"/>
+              <a:rPr lang="en-US" sz="1400" dirty="0" err="1"/>
               <a:t>ECoG</a:t>
             </a:r>
             <a:r>
-              <a:rPr lang="en-US" dirty="0"/>
+              <a:rPr lang="en-US" sz="1400" dirty="0"/>
               <a:t> Beta Suppression and Modulation During Finger Extension and Flexion. </a:t>
             </a:r>
             <a:r>
-              <a:rPr lang="en-US" i="1" dirty="0"/>
+              <a:rPr lang="en-US" sz="1400" i="1" dirty="0"/>
               <a:t>Frontiers in Neuroscience</a:t>
             </a:r>
             <a:r>
-              <a:rPr lang="en-US" dirty="0"/>
+              <a:rPr lang="en-US" sz="1400" dirty="0"/>
               <a:t>, </a:t>
             </a:r>
             <a:r>
-              <a:rPr lang="en-US" i="1" dirty="0"/>
+              <a:rPr lang="en-US" sz="1400" i="1" dirty="0"/>
               <a:t>14</a:t>
             </a:r>
             <a:r>
-              <a:rPr lang="en-US" dirty="0"/>
+              <a:rPr lang="en-US" sz="1400" dirty="0"/>
               <a:t>, 35.</a:t>
             </a:r>
           </a:p>
           <a:p>
-            <a:endParaRPr lang="en-US" dirty="0"/>
+            <a:pPr marL="0" indent="0">
+              <a:spcBef>
+                <a:spcPts val="400"/>
+              </a:spcBef>
+              <a:spcAft>
+                <a:spcPts val="400"/>
+              </a:spcAft>
+              <a:buNone/>
+            </a:pPr>
+            <a:endParaRPr lang="en-US" sz="1400" dirty="0"/>
+          </a:p>
+          <a:p>
+            <a:pPr>
+              <a:spcBef>
+                <a:spcPts val="400"/>
+              </a:spcBef>
+              <a:spcAft>
+                <a:spcPts val="400"/>
+              </a:spcAft>
+            </a:pPr>
+            <a:r>
+              <a:rPr lang="en-US" sz="1400" dirty="0"/>
+              <a:t>Code for creation of the GFP graphics based on the detailed example provided here:</a:t>
+            </a:r>
+            <a:br>
+              <a:rPr lang="en-US" sz="1400" dirty="0"/>
+            </a:br>
+            <a:r>
+              <a:rPr lang="en-US" sz="1400" dirty="0"/>
+              <a:t>https://</a:t>
+            </a:r>
+            <a:r>
+              <a:rPr lang="en-US" sz="1400" dirty="0" err="1"/>
+              <a:t>mne.tools</a:t>
+            </a:r>
+            <a:r>
+              <a:rPr lang="en-US" sz="1400" dirty="0"/>
+              <a:t>/stable/</a:t>
+            </a:r>
+            <a:r>
+              <a:rPr lang="en-US" sz="1400" dirty="0" err="1"/>
+              <a:t>auto_examples</a:t>
+            </a:r>
+            <a:r>
+              <a:rPr lang="en-US" sz="1400" dirty="0"/>
+              <a:t>/</a:t>
+            </a:r>
+            <a:r>
+              <a:rPr lang="en-US" sz="1400" dirty="0" err="1"/>
+              <a:t>time_frequency</a:t>
+            </a:r>
+            <a:r>
+              <a:rPr lang="en-US" sz="1400" dirty="0"/>
+              <a:t>/</a:t>
+            </a:r>
+            <a:r>
+              <a:rPr lang="en-US" sz="1400" dirty="0" err="1"/>
+              <a:t>time_frequency_global_field_power.html</a:t>
+            </a:r>
+            <a:endParaRPr lang="en-US" sz="1400" dirty="0"/>
           </a:p>
         </p:txBody>
       </p:sp>
@@ -5008,7 +5735,7 @@
 </p:sld>
 </file>
 
-<file path=ppt/slides/slide13.xml><?xml version="1.0" encoding="utf-8"?>
+<file path=ppt/slides/slide17.xml><?xml version="1.0" encoding="utf-8"?>
 <p:sld xmlns:a="http://schemas.openxmlformats.org/drawingml/2006/main" xmlns:r="http://schemas.openxmlformats.org/officeDocument/2006/relationships" xmlns:p="http://schemas.openxmlformats.org/presentationml/2006/main">
   <p:cSld>
     <p:spTree>
@@ -6292,7 +7019,7 @@
         </p:blipFill>
         <p:spPr>
           <a:xfrm>
-            <a:off x="4703107" y="3357021"/>
+            <a:off x="5882186" y="3080022"/>
             <a:ext cx="4863974" cy="2914599"/>
           </a:xfrm>
           <a:prstGeom prst="rect">
@@ -6314,7 +7041,7 @@
         </p:nvSpPr>
         <p:spPr>
           <a:xfrm>
-            <a:off x="9567081" y="5994621"/>
+            <a:off x="9482021" y="5994621"/>
             <a:ext cx="1414246" cy="276999"/>
           </a:xfrm>
           <a:prstGeom prst="rect">
@@ -6620,6 +7347,28 @@
               <a:t> within motor cortex during movement (event related desynchronization, ERD)</a:t>
             </a:r>
           </a:p>
+          <a:p>
+            <a:r>
+              <a:rPr lang="en-US" dirty="0"/>
+              <a:t>relative power in </a:t>
+            </a:r>
+            <a:r>
+              <a:rPr lang="en-US" b="1" dirty="0"/>
+              <a:t>high gamma </a:t>
+            </a:r>
+            <a:r>
+              <a:rPr lang="en-US" dirty="0"/>
+              <a:t>frequency </a:t>
+            </a:r>
+            <a:r>
+              <a:rPr lang="en-US" u="sng" dirty="0"/>
+              <a:t>increases</a:t>
+            </a:r>
+            <a:r>
+              <a:rPr lang="en-US" dirty="0"/>
+              <a:t> during movement (event related synchronization, ERS)</a:t>
+            </a:r>
+          </a:p>
         </p:txBody>
       </p:sp>
     </p:spTree>
@@ -6700,8 +7449,8 @@
         </p:nvSpPr>
         <p:spPr>
           <a:xfrm>
-            <a:off x="1272083" y="1571952"/>
-            <a:ext cx="4086118" cy="5120640"/>
+            <a:off x="1272082" y="1571952"/>
+            <a:ext cx="4404817" cy="5120640"/>
           </a:xfrm>
         </p:spPr>
         <p:txBody>
@@ -6712,7 +7461,7 @@
           <a:p>
             <a:r>
               <a:rPr lang="en-US" dirty="0"/>
-              <a:t>relative power </a:t>
+              <a:t>power </a:t>
             </a:r>
             <a:r>
               <a:rPr lang="en-US" u="sng" dirty="0"/>
@@ -6758,7 +7507,7 @@
         </p:blipFill>
         <p:spPr>
           <a:xfrm>
-            <a:off x="4052943" y="3599223"/>
+            <a:off x="5358201" y="3429000"/>
             <a:ext cx="5561716" cy="2329094"/>
           </a:xfrm>
           <a:prstGeom prst="rect">
@@ -6780,7 +7529,7 @@
         </p:nvSpPr>
         <p:spPr>
           <a:xfrm>
-            <a:off x="9614659" y="5678614"/>
+            <a:off x="3537568" y="5481095"/>
             <a:ext cx="1905693" cy="276999"/>
           </a:xfrm>
           <a:prstGeom prst="rect">
@@ -6875,10 +7624,15 @@
             <p:ph idx="1"/>
           </p:nvPr>
         </p:nvSpPr>
-        <p:spPr/>
+        <p:spPr>
+          <a:xfrm>
+            <a:off x="1498981" y="1751818"/>
+            <a:ext cx="8477532" cy="4519802"/>
+          </a:xfrm>
+        </p:spPr>
         <p:txBody>
           <a:bodyPr anchor="t">
-            <a:normAutofit lnSpcReduction="10000"/>
+            <a:normAutofit fontScale="85000" lnSpcReduction="20000"/>
           </a:bodyPr>
           <a:lstStyle/>
           <a:p>
@@ -6888,7 +7642,7 @@
             </a:pPr>
             <a:r>
               <a:rPr lang="en-US" dirty="0"/>
-              <a:t>Replicate prior ERD and MAM findings with the Miller dataset</a:t>
+              <a:t>Replicate prior ERD/ERS findings with the Miller dataset</a:t>
             </a:r>
           </a:p>
           <a:p>
@@ -6898,8 +7652,39 @@
             </a:pPr>
             <a:r>
               <a:rPr lang="en-US" dirty="0"/>
-              <a:t>Investigate how power modulations during imagined movement differ with prior findings in actual movements</a:t>
-            </a:r>
+              <a:t>Investigate how power profiles across frequency bands during </a:t>
+            </a:r>
+            <a:r>
+              <a:rPr lang="en-US" u="sng" dirty="0"/>
+              <a:t>imagined</a:t>
+            </a:r>
+            <a:r>
+              <a:rPr lang="en-US" dirty="0"/>
+              <a:t> movements differ from prior findings in </a:t>
+            </a:r>
+            <a:r>
+              <a:rPr lang="en-US" u="sng" dirty="0"/>
+              <a:t>actual</a:t>
+            </a:r>
+            <a:r>
+              <a:rPr lang="en-US" dirty="0"/>
+              <a:t> movements</a:t>
+            </a:r>
+          </a:p>
+          <a:p>
+            <a:pPr marL="457200" indent="-457200">
+              <a:buFont typeface="+mj-lt"/>
+              <a:buAutoNum type="arabicPeriod"/>
+            </a:pPr>
+            <a:r>
+              <a:rPr lang="en-US" dirty="0"/>
+              <a:t>Compare ability of XXXX classifier to identify actual and imagined movements when trained on beta only, gamma only, and </a:t>
+            </a:r>
+            <a:r>
+              <a:rPr lang="en-US" dirty="0" err="1"/>
+              <a:t>beta+gamma</a:t>
+            </a:r>
+            <a:endParaRPr lang="en-US" dirty="0"/>
           </a:p>
           <a:p>
             <a:pPr marL="457200" indent="-457200">
@@ -6934,7 +7719,17 @@
             </a:pPr>
             <a:r>
               <a:rPr lang="en-US" dirty="0"/>
-              <a:t>Attenuated MAM in high gamma frequency between actual and imagined</a:t>
+              <a:t>Attenuated changes in high gamma frequency for imagined movements in comparison with actual movements</a:t>
+            </a:r>
+          </a:p>
+          <a:p>
+            <a:pPr marL="457200" indent="-457200">
+              <a:buFont typeface="+mj-lt"/>
+              <a:buAutoNum type="alphaUcPeriod"/>
+            </a:pPr>
+            <a:r>
+              <a:rPr lang="en-US" dirty="0"/>
+              <a:t>Beta only models will significantly underperform in the discrimination task</a:t>
             </a:r>
           </a:p>
         </p:txBody>
@@ -7430,17 +8225,89 @@
             </a:br>
             <a:r>
               <a:rPr lang="en-US" sz="2400" dirty="0"/>
-              <a:t>S1 Hand</a:t>
+              <a:t>S1 Hand, Electrode 27</a:t>
+            </a:r>
+          </a:p>
+        </p:txBody>
+      </p:sp>
+      <p:sp>
+        <p:nvSpPr>
+          <p:cNvPr id="6" name="TextBox 5">
+            <a:extLst>
+              <a:ext uri="{FF2B5EF4-FFF2-40B4-BE49-F238E27FC236}">
+                <a16:creationId xmlns:a16="http://schemas.microsoft.com/office/drawing/2014/main" id="{398FD5B5-967C-0842-9C32-2FF021B335AF}"/>
+              </a:ext>
+            </a:extLst>
+          </p:cNvPr>
+          <p:cNvSpPr txBox="1"/>
+          <p:nvPr/>
+        </p:nvSpPr>
+        <p:spPr>
+          <a:xfrm>
+            <a:off x="1708727" y="1898073"/>
+            <a:ext cx="4193309" cy="369332"/>
+          </a:xfrm>
+          <a:prstGeom prst="rect">
+            <a:avLst/>
+          </a:prstGeom>
+          <a:noFill/>
+        </p:spPr>
+        <p:txBody>
+          <a:bodyPr wrap="square" rtlCol="0">
+            <a:spAutoFit/>
+          </a:bodyPr>
+          <a:lstStyle/>
+          <a:p>
+            <a:pPr algn="ctr"/>
+            <a:r>
+              <a:rPr lang="en-US" u="sng" dirty="0"/>
+              <a:t>actual movement</a:t>
+            </a:r>
+          </a:p>
+        </p:txBody>
+      </p:sp>
+      <p:sp>
+        <p:nvSpPr>
+          <p:cNvPr id="7" name="TextBox 6">
+            <a:extLst>
+              <a:ext uri="{FF2B5EF4-FFF2-40B4-BE49-F238E27FC236}">
+                <a16:creationId xmlns:a16="http://schemas.microsoft.com/office/drawing/2014/main" id="{491C672F-5F1C-145B-D2AA-0489F3EE2464}"/>
+              </a:ext>
+            </a:extLst>
+          </p:cNvPr>
+          <p:cNvSpPr txBox="1"/>
+          <p:nvPr/>
+        </p:nvSpPr>
+        <p:spPr>
+          <a:xfrm>
+            <a:off x="6696363" y="1898073"/>
+            <a:ext cx="4193309" cy="369332"/>
+          </a:xfrm>
+          <a:prstGeom prst="rect">
+            <a:avLst/>
+          </a:prstGeom>
+          <a:noFill/>
+        </p:spPr>
+        <p:txBody>
+          <a:bodyPr wrap="square" rtlCol="0">
+            <a:spAutoFit/>
+          </a:bodyPr>
+          <a:lstStyle/>
+          <a:p>
+            <a:pPr algn="ctr"/>
+            <a:r>
+              <a:rPr lang="en-US" u="sng" dirty="0"/>
+              <a:t>imagined movement</a:t>
             </a:r>
           </a:p>
         </p:txBody>
       </p:sp>
       <p:pic>
         <p:nvPicPr>
-          <p:cNvPr id="5" name="Picture 4">
+          <p:cNvPr id="3" name="Picture 2">
             <a:extLst>
               <a:ext uri="{FF2B5EF4-FFF2-40B4-BE49-F238E27FC236}">
-                <a16:creationId xmlns:a16="http://schemas.microsoft.com/office/drawing/2014/main" id="{C05A4A0E-1861-6CA0-3055-988CB5C291EE}"/>
+                <a16:creationId xmlns:a16="http://schemas.microsoft.com/office/drawing/2014/main" id="{7968E5F1-2B9E-2564-DCE2-DDCBF99A481B}"/>
               </a:ext>
             </a:extLst>
           </p:cNvPr>
@@ -7457,128 +8324,20 @@
         </p:blipFill>
         <p:spPr>
           <a:xfrm>
-            <a:off x="1829840" y="2559173"/>
-            <a:ext cx="3951082" cy="2648527"/>
+            <a:off x="1708727" y="2566729"/>
+            <a:ext cx="4357481" cy="2923373"/>
           </a:xfrm>
           <a:prstGeom prst="rect">
             <a:avLst/>
           </a:prstGeom>
         </p:spPr>
       </p:pic>
-      <p:sp>
-        <p:nvSpPr>
-          <p:cNvPr id="6" name="TextBox 5">
+      <p:pic>
+        <p:nvPicPr>
+          <p:cNvPr id="4" name="Picture 3">
             <a:extLst>
               <a:ext uri="{FF2B5EF4-FFF2-40B4-BE49-F238E27FC236}">
-                <a16:creationId xmlns:a16="http://schemas.microsoft.com/office/drawing/2014/main" id="{398FD5B5-967C-0842-9C32-2FF021B335AF}"/>
-              </a:ext>
-            </a:extLst>
-          </p:cNvPr>
-          <p:cNvSpPr txBox="1"/>
-          <p:nvPr/>
-        </p:nvSpPr>
-        <p:spPr>
-          <a:xfrm>
-            <a:off x="1708727" y="1898073"/>
-            <a:ext cx="4193309" cy="369332"/>
-          </a:xfrm>
-          <a:prstGeom prst="rect">
-            <a:avLst/>
-          </a:prstGeom>
-          <a:noFill/>
-        </p:spPr>
-        <p:txBody>
-          <a:bodyPr wrap="square" rtlCol="0">
-            <a:spAutoFit/>
-          </a:bodyPr>
-          <a:lstStyle/>
-          <a:p>
-            <a:pPr algn="ctr"/>
-            <a:r>
-              <a:rPr lang="en-US" u="sng" dirty="0"/>
-              <a:t>actual movement</a:t>
-            </a:r>
-          </a:p>
-        </p:txBody>
-      </p:sp>
-      <p:sp>
-        <p:nvSpPr>
-          <p:cNvPr id="7" name="TextBox 6">
-            <a:extLst>
-              <a:ext uri="{FF2B5EF4-FFF2-40B4-BE49-F238E27FC236}">
-                <a16:creationId xmlns:a16="http://schemas.microsoft.com/office/drawing/2014/main" id="{491C672F-5F1C-145B-D2AA-0489F3EE2464}"/>
-              </a:ext>
-            </a:extLst>
-          </p:cNvPr>
-          <p:cNvSpPr txBox="1"/>
-          <p:nvPr/>
-        </p:nvSpPr>
-        <p:spPr>
-          <a:xfrm>
-            <a:off x="6696363" y="1898073"/>
-            <a:ext cx="4193309" cy="369332"/>
-          </a:xfrm>
-          <a:prstGeom prst="rect">
-            <a:avLst/>
-          </a:prstGeom>
-          <a:noFill/>
-        </p:spPr>
-        <p:txBody>
-          <a:bodyPr wrap="square" rtlCol="0">
-            <a:spAutoFit/>
-          </a:bodyPr>
-          <a:lstStyle/>
-          <a:p>
-            <a:pPr algn="ctr"/>
-            <a:r>
-              <a:rPr lang="en-US" u="sng" dirty="0"/>
-              <a:t>imagined movement</a:t>
-            </a:r>
-          </a:p>
-        </p:txBody>
-      </p:sp>
-      <p:sp>
-        <p:nvSpPr>
-          <p:cNvPr id="8" name="TextBox 7">
-            <a:extLst>
-              <a:ext uri="{FF2B5EF4-FFF2-40B4-BE49-F238E27FC236}">
-                <a16:creationId xmlns:a16="http://schemas.microsoft.com/office/drawing/2014/main" id="{C0683A5F-159B-0C16-795B-47AE26B58808}"/>
-              </a:ext>
-            </a:extLst>
-          </p:cNvPr>
-          <p:cNvSpPr txBox="1"/>
-          <p:nvPr/>
-        </p:nvSpPr>
-        <p:spPr>
-          <a:xfrm>
-            <a:off x="3613744" y="6093898"/>
-            <a:ext cx="5179273" cy="369332"/>
-          </a:xfrm>
-          <a:prstGeom prst="rect">
-            <a:avLst/>
-          </a:prstGeom>
-          <a:noFill/>
-        </p:spPr>
-        <p:txBody>
-          <a:bodyPr wrap="square" rtlCol="0">
-            <a:spAutoFit/>
-          </a:bodyPr>
-          <a:lstStyle/>
-          <a:p>
-            <a:pPr algn="ctr"/>
-            <a:r>
-              <a:rPr lang="en-US" dirty="0"/>
-              <a:t>add slides: S4 hand, S1 tongue, S3 tongue</a:t>
-            </a:r>
-          </a:p>
-        </p:txBody>
-      </p:sp>
-      <p:pic>
-        <p:nvPicPr>
-          <p:cNvPr id="9" name="Picture 8">
-            <a:extLst>
-              <a:ext uri="{FF2B5EF4-FFF2-40B4-BE49-F238E27FC236}">
-                <a16:creationId xmlns:a16="http://schemas.microsoft.com/office/drawing/2014/main" id="{F35620BC-A0DC-E7FE-B03E-C329F9ED1785}"/>
+                <a16:creationId xmlns:a16="http://schemas.microsoft.com/office/drawing/2014/main" id="{D64F9AB2-9563-2816-F34F-F4B0AF056AE5}"/>
               </a:ext>
             </a:extLst>
           </p:cNvPr>
@@ -7588,63 +8347,21 @@
           <p:nvPr/>
         </p:nvPicPr>
         <p:blipFill>
-          <a:blip r:embed="rId2"/>
+          <a:blip r:embed="rId3"/>
           <a:stretch>
             <a:fillRect/>
           </a:stretch>
         </p:blipFill>
         <p:spPr>
           <a:xfrm>
-            <a:off x="6696363" y="2656982"/>
-            <a:ext cx="3951082" cy="2648527"/>
+            <a:off x="6612259" y="2566729"/>
+            <a:ext cx="4361515" cy="2926080"/>
           </a:xfrm>
           <a:prstGeom prst="rect">
             <a:avLst/>
           </a:prstGeom>
         </p:spPr>
       </p:pic>
-      <p:sp>
-        <p:nvSpPr>
-          <p:cNvPr id="10" name="TextBox 9">
-            <a:extLst>
-              <a:ext uri="{FF2B5EF4-FFF2-40B4-BE49-F238E27FC236}">
-                <a16:creationId xmlns:a16="http://schemas.microsoft.com/office/drawing/2014/main" id="{BDFD5389-D7A7-2EC6-5234-5AE362F8CA13}"/>
-              </a:ext>
-            </a:extLst>
-          </p:cNvPr>
-          <p:cNvSpPr txBox="1"/>
-          <p:nvPr/>
-        </p:nvSpPr>
-        <p:spPr>
-          <a:xfrm rot="19966124">
-            <a:off x="2197611" y="2969708"/>
-            <a:ext cx="7465326" cy="1446550"/>
-          </a:xfrm>
-          <a:prstGeom prst="rect">
-            <a:avLst/>
-          </a:prstGeom>
-          <a:noFill/>
-        </p:spPr>
-        <p:txBody>
-          <a:bodyPr wrap="square" rtlCol="0">
-            <a:spAutoFit/>
-          </a:bodyPr>
-          <a:lstStyle/>
-          <a:p>
-            <a:pPr algn="ctr"/>
-            <a:r>
-              <a:rPr lang="en-US" sz="8800" dirty="0">
-                <a:solidFill>
-                  <a:schemeClr val="tx1">
-                    <a:lumMod val="50000"/>
-                  </a:schemeClr>
-                </a:solidFill>
-              </a:rPr>
-              <a:t>to be updated</a:t>
-            </a:r>
-          </a:p>
-        </p:txBody>
-      </p:sp>
     </p:spTree>
     <p:extLst>
       <p:ext uri="{BB962C8B-B14F-4D97-AF65-F5344CB8AC3E}">
@@ -7698,14 +8415,14 @@
           <a:p>
             <a:r>
               <a:rPr lang="en-US" dirty="0"/>
-              <a:t>Results | MAM</a:t>
+              <a:t>Results | ERD</a:t>
             </a:r>
             <a:br>
               <a:rPr lang="en-US" dirty="0"/>
             </a:br>
             <a:r>
               <a:rPr lang="en-US" sz="2400" dirty="0"/>
-              <a:t>S1 Hand</a:t>
+              <a:t>S1 Hand, Electrode 35</a:t>
             </a:r>
           </a:p>
         </p:txBody>
@@ -7782,55 +8499,12 @@
           </a:p>
         </p:txBody>
       </p:sp>
-      <p:sp>
-        <p:nvSpPr>
-          <p:cNvPr id="8" name="TextBox 7">
+      <p:pic>
+        <p:nvPicPr>
+          <p:cNvPr id="5" name="Picture 4">
             <a:extLst>
               <a:ext uri="{FF2B5EF4-FFF2-40B4-BE49-F238E27FC236}">
-                <a16:creationId xmlns:a16="http://schemas.microsoft.com/office/drawing/2014/main" id="{C0683A5F-159B-0C16-795B-47AE26B58808}"/>
-              </a:ext>
-            </a:extLst>
-          </p:cNvPr>
-          <p:cNvSpPr txBox="1"/>
-          <p:nvPr/>
-        </p:nvSpPr>
-        <p:spPr>
-          <a:xfrm>
-            <a:off x="1937982" y="6103265"/>
-            <a:ext cx="7847463" cy="646331"/>
-          </a:xfrm>
-          <a:prstGeom prst="rect">
-            <a:avLst/>
-          </a:prstGeom>
-          <a:noFill/>
-        </p:spPr>
-        <p:txBody>
-          <a:bodyPr wrap="square" rtlCol="0">
-            <a:spAutoFit/>
-          </a:bodyPr>
-          <a:lstStyle/>
-          <a:p>
-            <a:pPr algn="ctr"/>
-            <a:r>
-              <a:rPr lang="en-US" dirty="0"/>
-              <a:t>add slides: S4 hand, S1 tongue, S3 tongue</a:t>
-            </a:r>
-          </a:p>
-          <a:p>
-            <a:pPr algn="ctr"/>
-            <a:r>
-              <a:rPr lang="en-US" dirty="0"/>
-              <a:t>maybe better way to compare between actual and imagined?</a:t>
-            </a:r>
-          </a:p>
-        </p:txBody>
-      </p:sp>
-      <p:pic>
-        <p:nvPicPr>
-          <p:cNvPr id="3" name="Picture 2">
-            <a:extLst>
-              <a:ext uri="{FF2B5EF4-FFF2-40B4-BE49-F238E27FC236}">
-                <a16:creationId xmlns:a16="http://schemas.microsoft.com/office/drawing/2014/main" id="{34AA3763-A7A1-6DC0-ECDE-B84967C9F58D}"/>
+                <a16:creationId xmlns:a16="http://schemas.microsoft.com/office/drawing/2014/main" id="{3A76629F-6595-4D55-1F45-69F3ABF73D5C}"/>
               </a:ext>
             </a:extLst>
           </p:cNvPr>
@@ -7847,8 +8521,8 @@
         </p:blipFill>
         <p:spPr>
           <a:xfrm>
-            <a:off x="1708727" y="2504552"/>
-            <a:ext cx="4350982" cy="2849191"/>
+            <a:off x="1708727" y="2566729"/>
+            <a:ext cx="4416725" cy="2926080"/>
           </a:xfrm>
           <a:prstGeom prst="rect">
             <a:avLst/>
@@ -7857,10 +8531,10 @@
       </p:pic>
       <p:pic>
         <p:nvPicPr>
-          <p:cNvPr id="4" name="Picture 3">
+          <p:cNvPr id="8" name="Picture 7">
             <a:extLst>
               <a:ext uri="{FF2B5EF4-FFF2-40B4-BE49-F238E27FC236}">
-                <a16:creationId xmlns:a16="http://schemas.microsoft.com/office/drawing/2014/main" id="{C83DABD9-7B4F-5744-09A9-8CAB0817548E}"/>
+                <a16:creationId xmlns:a16="http://schemas.microsoft.com/office/drawing/2014/main" id="{50B4234D-3E81-BD8D-05AA-A0399F8A82E2}"/>
               </a:ext>
             </a:extLst>
           </p:cNvPr>
@@ -7870,67 +8544,25 @@
           <p:nvPr/>
         </p:nvPicPr>
         <p:blipFill>
-          <a:blip r:embed="rId2"/>
+          <a:blip r:embed="rId3"/>
           <a:stretch>
             <a:fillRect/>
           </a:stretch>
         </p:blipFill>
         <p:spPr>
           <a:xfrm>
-            <a:off x="6590973" y="2504552"/>
-            <a:ext cx="4350982" cy="2849191"/>
+            <a:off x="6536743" y="2566729"/>
+            <a:ext cx="4416724" cy="2926080"/>
           </a:xfrm>
           <a:prstGeom prst="rect">
             <a:avLst/>
           </a:prstGeom>
         </p:spPr>
       </p:pic>
-      <p:sp>
-        <p:nvSpPr>
-          <p:cNvPr id="10" name="TextBox 9">
-            <a:extLst>
-              <a:ext uri="{FF2B5EF4-FFF2-40B4-BE49-F238E27FC236}">
-                <a16:creationId xmlns:a16="http://schemas.microsoft.com/office/drawing/2014/main" id="{796DAEED-5189-AAC2-01A9-4E898DB176E3}"/>
-              </a:ext>
-            </a:extLst>
-          </p:cNvPr>
-          <p:cNvSpPr txBox="1"/>
-          <p:nvPr/>
-        </p:nvSpPr>
-        <p:spPr>
-          <a:xfrm rot="19966124">
-            <a:off x="2197611" y="2969708"/>
-            <a:ext cx="7465326" cy="1446550"/>
-          </a:xfrm>
-          <a:prstGeom prst="rect">
-            <a:avLst/>
-          </a:prstGeom>
-          <a:noFill/>
-        </p:spPr>
-        <p:txBody>
-          <a:bodyPr wrap="square" rtlCol="0">
-            <a:spAutoFit/>
-          </a:bodyPr>
-          <a:lstStyle/>
-          <a:p>
-            <a:pPr algn="ctr"/>
-            <a:r>
-              <a:rPr lang="en-US" sz="8800" dirty="0">
-                <a:solidFill>
-                  <a:schemeClr val="tx1">
-                    <a:lumMod val="50000"/>
-                  </a:schemeClr>
-                </a:solidFill>
-              </a:rPr>
-              <a:t>to be updated</a:t>
-            </a:r>
-          </a:p>
-        </p:txBody>
-      </p:sp>
     </p:spTree>
     <p:extLst>
       <p:ext uri="{BB962C8B-B14F-4D97-AF65-F5344CB8AC3E}">
-        <p14:creationId xmlns:p14="http://schemas.microsoft.com/office/powerpoint/2010/main" val="183727650"/>
+        <p14:creationId xmlns:p14="http://schemas.microsoft.com/office/powerpoint/2010/main" val="2973634916"/>
       </p:ext>
     </p:extLst>
   </p:cSld>

--- a/presentation.pptx
+++ b/presentation.pptx
@@ -15,13 +15,16 @@
     <p:sldId id="259" r:id="rId9"/>
     <p:sldId id="271" r:id="rId10"/>
     <p:sldId id="272" r:id="rId11"/>
-    <p:sldId id="273" r:id="rId12"/>
-    <p:sldId id="260" r:id="rId13"/>
-    <p:sldId id="261" r:id="rId14"/>
-    <p:sldId id="270" r:id="rId15"/>
-    <p:sldId id="274" r:id="rId16"/>
-    <p:sldId id="269" r:id="rId17"/>
-    <p:sldId id="262" r:id="rId18"/>
+    <p:sldId id="277" r:id="rId12"/>
+    <p:sldId id="273" r:id="rId13"/>
+    <p:sldId id="275" r:id="rId14"/>
+    <p:sldId id="276" r:id="rId15"/>
+    <p:sldId id="260" r:id="rId16"/>
+    <p:sldId id="261" r:id="rId17"/>
+    <p:sldId id="270" r:id="rId18"/>
+    <p:sldId id="274" r:id="rId19"/>
+    <p:sldId id="269" r:id="rId20"/>
+    <p:sldId id="262" r:id="rId21"/>
   </p:sldIdLst>
   <p:sldSz cx="12192000" cy="6858000"/>
   <p:notesSz cx="6858000" cy="9144000"/>
@@ -345,7 +348,7 @@
           <a:p>
             <a:fld id="{BA34DE39-8910-D246-A417-9A1ACFC10643}" type="datetimeFigureOut">
               <a:rPr lang="en-US" smtClean="0"/>
-              <a:t>7/27/22</a:t>
+              <a:t>7/28/22</a:t>
             </a:fld>
             <a:endParaRPr lang="en-US"/>
           </a:p>
@@ -639,7 +642,7 @@
           <a:p>
             <a:fld id="{BA34DE39-8910-D246-A417-9A1ACFC10643}" type="datetimeFigureOut">
               <a:rPr lang="en-US" smtClean="0"/>
-              <a:t>7/27/22</a:t>
+              <a:t>7/28/22</a:t>
             </a:fld>
             <a:endParaRPr lang="en-US"/>
           </a:p>
@@ -942,7 +945,7 @@
           <a:p>
             <a:fld id="{BA34DE39-8910-D246-A417-9A1ACFC10643}" type="datetimeFigureOut">
               <a:rPr lang="en-US" smtClean="0"/>
-              <a:t>7/27/22</a:t>
+              <a:t>7/28/22</a:t>
             </a:fld>
             <a:endParaRPr lang="en-US"/>
           </a:p>
@@ -1203,7 +1206,7 @@
           <a:p>
             <a:fld id="{BA34DE39-8910-D246-A417-9A1ACFC10643}" type="datetimeFigureOut">
               <a:rPr lang="en-US" smtClean="0"/>
-              <a:t>7/27/22</a:t>
+              <a:t>7/28/22</a:t>
             </a:fld>
             <a:endParaRPr lang="en-US"/>
           </a:p>
@@ -1570,7 +1573,7 @@
           <a:p>
             <a:fld id="{BA34DE39-8910-D246-A417-9A1ACFC10643}" type="datetimeFigureOut">
               <a:rPr lang="en-US" smtClean="0"/>
-              <a:t>7/27/22</a:t>
+              <a:t>7/28/22</a:t>
             </a:fld>
             <a:endParaRPr lang="en-US"/>
           </a:p>
@@ -1885,7 +1888,7 @@
           <a:p>
             <a:fld id="{BA34DE39-8910-D246-A417-9A1ACFC10643}" type="datetimeFigureOut">
               <a:rPr lang="en-US" smtClean="0"/>
-              <a:t>7/27/22</a:t>
+              <a:t>7/28/22</a:t>
             </a:fld>
             <a:endParaRPr lang="en-US"/>
           </a:p>
@@ -2430,7 +2433,7 @@
           <a:p>
             <a:fld id="{BA34DE39-8910-D246-A417-9A1ACFC10643}" type="datetimeFigureOut">
               <a:rPr lang="en-US" smtClean="0"/>
-              <a:t>7/27/22</a:t>
+              <a:t>7/28/22</a:t>
             </a:fld>
             <a:endParaRPr lang="en-US"/>
           </a:p>
@@ -2626,7 +2629,7 @@
           <a:p>
             <a:fld id="{BA34DE39-8910-D246-A417-9A1ACFC10643}" type="datetimeFigureOut">
               <a:rPr lang="en-US" smtClean="0"/>
-              <a:t>7/27/22</a:t>
+              <a:t>7/28/22</a:t>
             </a:fld>
             <a:endParaRPr lang="en-US"/>
           </a:p>
@@ -2840,7 +2843,7 @@
           <a:p>
             <a:fld id="{BA34DE39-8910-D246-A417-9A1ACFC10643}" type="datetimeFigureOut">
               <a:rPr lang="en-US" smtClean="0"/>
-              <a:t>7/27/22</a:t>
+              <a:t>7/28/22</a:t>
             </a:fld>
             <a:endParaRPr lang="en-US"/>
           </a:p>
@@ -3210,7 +3213,7 @@
           <a:p>
             <a:fld id="{BA34DE39-8910-D246-A417-9A1ACFC10643}" type="datetimeFigureOut">
               <a:rPr lang="en-US" smtClean="0"/>
-              <a:t>7/27/22</a:t>
+              <a:t>7/28/22</a:t>
             </a:fld>
             <a:endParaRPr lang="en-US"/>
           </a:p>
@@ -3614,7 +3617,7 @@
           <a:p>
             <a:fld id="{BA34DE39-8910-D246-A417-9A1ACFC10643}" type="datetimeFigureOut">
               <a:rPr lang="en-US" smtClean="0"/>
-              <a:t>7/27/22</a:t>
+              <a:t>7/28/22</a:t>
             </a:fld>
             <a:endParaRPr lang="en-US"/>
           </a:p>
@@ -3926,7 +3929,7 @@
           <a:p>
             <a:fld id="{BA34DE39-8910-D246-A417-9A1ACFC10643}" type="datetimeFigureOut">
               <a:rPr lang="en-US" smtClean="0"/>
-              <a:t>7/27/22</a:t>
+              <a:t>7/28/22</a:t>
             </a:fld>
             <a:endParaRPr lang="en-US"/>
           </a:p>
@@ -4578,87 +4581,18 @@
           <a:p>
             <a:r>
               <a:rPr lang="en-US" dirty="0"/>
-              <a:t>Results | ERD</a:t>
-            </a:r>
-            <a:br>
-              <a:rPr lang="en-US" dirty="0"/>
-            </a:br>
-            <a:r>
-              <a:rPr lang="en-US" sz="2400" dirty="0"/>
-              <a:t>S1 Hand, Electrode 27</a:t>
-            </a:r>
-          </a:p>
-        </p:txBody>
-      </p:sp>
-      <p:sp>
-        <p:nvSpPr>
-          <p:cNvPr id="7" name="TextBox 6">
+              <a:t>sample</a:t>
+            </a:r>
+            <a:endParaRPr lang="en-US" sz="2400" dirty="0"/>
+          </a:p>
+        </p:txBody>
+      </p:sp>
+      <p:pic>
+        <p:nvPicPr>
+          <p:cNvPr id="3" name="Picture 2">
             <a:extLst>
               <a:ext uri="{FF2B5EF4-FFF2-40B4-BE49-F238E27FC236}">
-                <a16:creationId xmlns:a16="http://schemas.microsoft.com/office/drawing/2014/main" id="{491C672F-5F1C-145B-D2AA-0489F3EE2464}"/>
-              </a:ext>
-            </a:extLst>
-          </p:cNvPr>
-          <p:cNvSpPr txBox="1"/>
-          <p:nvPr/>
-        </p:nvSpPr>
-        <p:spPr>
-          <a:xfrm>
-            <a:off x="1145434" y="5809955"/>
-            <a:ext cx="9901131" cy="923330"/>
-          </a:xfrm>
-          <a:prstGeom prst="rect">
-            <a:avLst/>
-          </a:prstGeom>
-          <a:noFill/>
-        </p:spPr>
-        <p:txBody>
-          <a:bodyPr wrap="square" rtlCol="0">
-            <a:spAutoFit/>
-          </a:bodyPr>
-          <a:lstStyle/>
-          <a:p>
-            <a:pPr algn="ctr"/>
-            <a:r>
-              <a:rPr lang="en-US" dirty="0"/>
-              <a:t>color (light -&gt; dark) indicates time course over epoch windows (-1000 to 3000 </a:t>
-            </a:r>
-            <a:r>
-              <a:rPr lang="en-US" dirty="0" err="1"/>
-              <a:t>ms</a:t>
-            </a:r>
-            <a:r>
-              <a:rPr lang="en-US" dirty="0"/>
-              <a:t>)</a:t>
-            </a:r>
-          </a:p>
-          <a:p>
-            <a:pPr algn="ctr"/>
-            <a:endParaRPr lang="en-US" dirty="0"/>
-          </a:p>
-          <a:p>
-            <a:pPr algn="ctr"/>
-            <a:r>
-              <a:rPr lang="en-US" dirty="0"/>
-              <a:t>vertical marker indicates 250 </a:t>
-            </a:r>
-            <a:r>
-              <a:rPr lang="en-US" dirty="0" err="1"/>
-              <a:t>ms</a:t>
-            </a:r>
-            <a:r>
-              <a:rPr lang="en-US" dirty="0"/>
-              <a:t> after onset of visual stimulus</a:t>
-            </a:r>
-          </a:p>
-        </p:txBody>
-      </p:sp>
-      <p:pic>
-        <p:nvPicPr>
-          <p:cNvPr id="4" name="Picture 3">
-            <a:extLst>
-              <a:ext uri="{FF2B5EF4-FFF2-40B4-BE49-F238E27FC236}">
-                <a16:creationId xmlns:a16="http://schemas.microsoft.com/office/drawing/2014/main" id="{57926E81-4CE1-0E31-149E-C8B96238E5E8}"/>
+                <a16:creationId xmlns:a16="http://schemas.microsoft.com/office/drawing/2014/main" id="{ABA2E817-AEC2-51A4-20EE-227088132B42}"/>
               </a:ext>
             </a:extLst>
           </p:cNvPr>
@@ -4675,8 +4609,8 @@
         </p:blipFill>
         <p:spPr>
           <a:xfrm>
-            <a:off x="3352800" y="1600200"/>
-            <a:ext cx="5486400" cy="3657600"/>
+            <a:off x="2611808" y="1663609"/>
+            <a:ext cx="6567055" cy="4182589"/>
           </a:xfrm>
           <a:prstGeom prst="rect">
             <a:avLst/>
@@ -4736,7 +4670,7 @@
           <a:p>
             <a:r>
               <a:rPr lang="en-US" dirty="0"/>
-              <a:t>Results | ERD</a:t>
+              <a:t>Results | ERD/ERS</a:t>
             </a:r>
             <a:br>
               <a:rPr lang="en-US" dirty="0"/>
@@ -4813,10 +4747,10 @@
       </p:sp>
       <p:pic>
         <p:nvPicPr>
-          <p:cNvPr id="5" name="Picture 4">
+          <p:cNvPr id="4" name="Picture 3">
             <a:extLst>
               <a:ext uri="{FF2B5EF4-FFF2-40B4-BE49-F238E27FC236}">
-                <a16:creationId xmlns:a16="http://schemas.microsoft.com/office/drawing/2014/main" id="{BF3CB207-3173-5F02-F7A8-C4CD65ACD695}"/>
+                <a16:creationId xmlns:a16="http://schemas.microsoft.com/office/drawing/2014/main" id="{57926E81-4CE1-0E31-149E-C8B96238E5E8}"/>
               </a:ext>
             </a:extLst>
           </p:cNvPr>
@@ -4844,7 +4778,7 @@
     </p:spTree>
     <p:extLst>
       <p:ext uri="{BB962C8B-B14F-4D97-AF65-F5344CB8AC3E}">
-        <p14:creationId xmlns:p14="http://schemas.microsoft.com/office/powerpoint/2010/main" val="3787470690"/>
+        <p14:creationId xmlns:p14="http://schemas.microsoft.com/office/powerpoint/2010/main" val="3531477592"/>
       </p:ext>
     </p:extLst>
   </p:cSld>
@@ -4894,56 +4828,24 @@
           <a:p>
             <a:r>
               <a:rPr lang="en-US" dirty="0"/>
-              <a:t>Conclusions</a:t>
-            </a:r>
-          </a:p>
-        </p:txBody>
-      </p:sp>
-      <p:sp>
-        <p:nvSpPr>
-          <p:cNvPr id="3" name="Content Placeholder 2">
+              <a:t>Results | ERD/ERS</a:t>
+            </a:r>
+            <a:br>
+              <a:rPr lang="en-US" dirty="0"/>
+            </a:br>
+            <a:r>
+              <a:rPr lang="en-US" sz="2400" dirty="0"/>
+              <a:t>S1 Hand, Electrode 27</a:t>
+            </a:r>
+          </a:p>
+        </p:txBody>
+      </p:sp>
+      <p:sp>
+        <p:nvSpPr>
+          <p:cNvPr id="7" name="TextBox 6">
             <a:extLst>
               <a:ext uri="{FF2B5EF4-FFF2-40B4-BE49-F238E27FC236}">
-                <a16:creationId xmlns:a16="http://schemas.microsoft.com/office/drawing/2014/main" id="{AA6B1422-D7D4-F653-7016-761FE0442ADA}"/>
-              </a:ext>
-            </a:extLst>
-          </p:cNvPr>
-          <p:cNvSpPr>
-            <a:spLocks noGrp="1"/>
-          </p:cNvSpPr>
-          <p:nvPr>
-            <p:ph idx="1"/>
-          </p:nvPr>
-        </p:nvSpPr>
-        <p:spPr/>
-        <p:txBody>
-          <a:bodyPr/>
-          <a:lstStyle/>
-          <a:p>
-            <a:r>
-              <a:rPr lang="en-US" dirty="0"/>
-              <a:t>which stats to demonstrate similarity between conditions?</a:t>
-            </a:r>
-          </a:p>
-          <a:p>
-            <a:r>
-              <a:rPr lang="en-US" dirty="0"/>
-              <a:t>motor planning? </a:t>
-            </a:r>
-            <a:r>
-              <a:rPr lang="en-US" dirty="0" err="1"/>
-              <a:t>Nakayashiki</a:t>
-            </a:r>
-            <a:endParaRPr lang="en-US" dirty="0"/>
-          </a:p>
-        </p:txBody>
-      </p:sp>
-      <p:sp>
-        <p:nvSpPr>
-          <p:cNvPr id="4" name="TextBox 3">
-            <a:extLst>
-              <a:ext uri="{FF2B5EF4-FFF2-40B4-BE49-F238E27FC236}">
-                <a16:creationId xmlns:a16="http://schemas.microsoft.com/office/drawing/2014/main" id="{83E40CE4-0C54-66F3-10EA-A0B36D205FC8}"/>
+                <a16:creationId xmlns:a16="http://schemas.microsoft.com/office/drawing/2014/main" id="{491C672F-5F1C-145B-D2AA-0489F3EE2464}"/>
               </a:ext>
             </a:extLst>
           </p:cNvPr>
@@ -4951,9 +4853,9 @@
           <p:nvPr/>
         </p:nvSpPr>
         <p:spPr>
-          <a:xfrm rot="19966124">
-            <a:off x="2197611" y="2969708"/>
-            <a:ext cx="7465326" cy="1446550"/>
+          <a:xfrm>
+            <a:off x="1145434" y="5809955"/>
+            <a:ext cx="9901131" cy="923330"/>
           </a:xfrm>
           <a:prstGeom prst="rect">
             <a:avLst/>
@@ -4968,16 +4870,73 @@
           <a:p>
             <a:pPr algn="ctr"/>
             <a:r>
-              <a:rPr lang="en-US" sz="8800" dirty="0"/>
-              <a:t>to be updated</a:t>
-            </a:r>
-          </a:p>
-        </p:txBody>
-      </p:sp>
+              <a:rPr lang="en-US" dirty="0"/>
+              <a:t>color (light -&gt; dark) indicates time course over epoch windows (-1000 to 3000 </a:t>
+            </a:r>
+            <a:r>
+              <a:rPr lang="en-US" dirty="0" err="1"/>
+              <a:t>ms</a:t>
+            </a:r>
+            <a:r>
+              <a:rPr lang="en-US" dirty="0"/>
+              <a:t>)</a:t>
+            </a:r>
+          </a:p>
+          <a:p>
+            <a:pPr algn="ctr"/>
+            <a:endParaRPr lang="en-US" dirty="0"/>
+          </a:p>
+          <a:p>
+            <a:pPr algn="ctr"/>
+            <a:r>
+              <a:rPr lang="en-US" dirty="0"/>
+              <a:t>vertical marker indicates 250 </a:t>
+            </a:r>
+            <a:r>
+              <a:rPr lang="en-US" dirty="0" err="1"/>
+              <a:t>ms</a:t>
+            </a:r>
+            <a:r>
+              <a:rPr lang="en-US" dirty="0"/>
+              <a:t> after onset of visual stimulus</a:t>
+            </a:r>
+          </a:p>
+        </p:txBody>
+      </p:sp>
+      <p:pic>
+        <p:nvPicPr>
+          <p:cNvPr id="5" name="Picture 4">
+            <a:extLst>
+              <a:ext uri="{FF2B5EF4-FFF2-40B4-BE49-F238E27FC236}">
+                <a16:creationId xmlns:a16="http://schemas.microsoft.com/office/drawing/2014/main" id="{BF3CB207-3173-5F02-F7A8-C4CD65ACD695}"/>
+              </a:ext>
+            </a:extLst>
+          </p:cNvPr>
+          <p:cNvPicPr>
+            <a:picLocks noChangeAspect="1"/>
+          </p:cNvPicPr>
+          <p:nvPr/>
+        </p:nvPicPr>
+        <p:blipFill>
+          <a:blip r:embed="rId2"/>
+          <a:stretch>
+            <a:fillRect/>
+          </a:stretch>
+        </p:blipFill>
+        <p:spPr>
+          <a:xfrm>
+            <a:off x="3352800" y="1600200"/>
+            <a:ext cx="5486400" cy="3657600"/>
+          </a:xfrm>
+          <a:prstGeom prst="rect">
+            <a:avLst/>
+          </a:prstGeom>
+        </p:spPr>
+      </p:pic>
     </p:spTree>
     <p:extLst>
       <p:ext uri="{BB962C8B-B14F-4D97-AF65-F5344CB8AC3E}">
-        <p14:creationId xmlns:p14="http://schemas.microsoft.com/office/powerpoint/2010/main" val="1981167294"/>
+        <p14:creationId xmlns:p14="http://schemas.microsoft.com/office/powerpoint/2010/main" val="3787470690"/>
       </p:ext>
     </p:extLst>
   </p:cSld>
@@ -5027,88 +4986,52 @@
           <a:p>
             <a:r>
               <a:rPr lang="en-US" dirty="0"/>
-              <a:t>Limitations</a:t>
-            </a:r>
-          </a:p>
-        </p:txBody>
-      </p:sp>
-      <p:sp>
-        <p:nvSpPr>
-          <p:cNvPr id="3" name="Content Placeholder 2">
+              <a:t>Results | ERD</a:t>
+            </a:r>
+            <a:br>
+              <a:rPr lang="en-US" dirty="0"/>
+            </a:br>
+            <a:r>
+              <a:rPr lang="en-US" sz="2400" dirty="0"/>
+              <a:t>S1 Hand, Electrode 27</a:t>
+            </a:r>
+          </a:p>
+        </p:txBody>
+      </p:sp>
+      <p:pic>
+        <p:nvPicPr>
+          <p:cNvPr id="4" name="Picture 3">
             <a:extLst>
               <a:ext uri="{FF2B5EF4-FFF2-40B4-BE49-F238E27FC236}">
-                <a16:creationId xmlns:a16="http://schemas.microsoft.com/office/drawing/2014/main" id="{AA6B1422-D7D4-F653-7016-761FE0442ADA}"/>
+                <a16:creationId xmlns:a16="http://schemas.microsoft.com/office/drawing/2014/main" id="{7B00BE21-137E-FF77-D0C6-A83486857C02}"/>
               </a:ext>
             </a:extLst>
           </p:cNvPr>
-          <p:cNvSpPr>
-            <a:spLocks noGrp="1"/>
-          </p:cNvSpPr>
-          <p:nvPr>
-            <p:ph idx="1"/>
-          </p:nvPr>
-        </p:nvSpPr>
-        <p:spPr/>
-        <p:txBody>
-          <a:bodyPr>
-            <a:normAutofit lnSpcReduction="10000"/>
-          </a:bodyPr>
-          <a:lstStyle/>
-          <a:p>
-            <a:r>
-              <a:rPr lang="en-US" dirty="0"/>
-              <a:t>specific subject population reduces generalizability of findings</a:t>
-            </a:r>
-          </a:p>
-          <a:p>
-            <a:r>
-              <a:rPr lang="en-US" dirty="0"/>
-              <a:t>project time constraints led us to simplify our preprocessing:</a:t>
-            </a:r>
-          </a:p>
-          <a:p>
-            <a:pPr lvl="1"/>
-            <a:r>
-              <a:rPr lang="en-US" dirty="0"/>
-              <a:t>did not re-reference data to the average</a:t>
-            </a:r>
-          </a:p>
-          <a:p>
-            <a:pPr lvl="1"/>
-            <a:r>
-              <a:rPr lang="en-US" dirty="0"/>
-              <a:t>did not perform ICA or other methods to identify and remove noisy (or epileptic) epochs in the channels we analyzed</a:t>
-            </a:r>
-          </a:p>
-          <a:p>
-            <a:r>
-              <a:rPr lang="en-US" dirty="0"/>
-              <a:t>project time constraints led us to simplify our analyses:</a:t>
-            </a:r>
-          </a:p>
-          <a:p>
-            <a:pPr lvl="1"/>
-            <a:r>
-              <a:rPr lang="en-US" dirty="0"/>
-              <a:t>did not z-score across subjects before classification</a:t>
-            </a:r>
-          </a:p>
-          <a:p>
-            <a:pPr lvl="1"/>
-            <a:r>
-              <a:rPr lang="en-US" dirty="0"/>
-              <a:t>single randomized split for training/test (no thorough cross-validation)</a:t>
-            </a:r>
-          </a:p>
-          <a:p>
-            <a:endParaRPr lang="en-US" dirty="0"/>
-          </a:p>
-        </p:txBody>
-      </p:sp>
+          <p:cNvPicPr>
+            <a:picLocks noChangeAspect="1"/>
+          </p:cNvPicPr>
+          <p:nvPr/>
+        </p:nvPicPr>
+        <p:blipFill>
+          <a:blip r:embed="rId2"/>
+          <a:stretch>
+            <a:fillRect/>
+          </a:stretch>
+        </p:blipFill>
+        <p:spPr>
+          <a:xfrm>
+            <a:off x="2438400" y="1967475"/>
+            <a:ext cx="6456218" cy="4304145"/>
+          </a:xfrm>
+          <a:prstGeom prst="rect">
+            <a:avLst/>
+          </a:prstGeom>
+        </p:spPr>
+      </p:pic>
     </p:spTree>
     <p:extLst>
       <p:ext uri="{BB962C8B-B14F-4D97-AF65-F5344CB8AC3E}">
-        <p14:creationId xmlns:p14="http://schemas.microsoft.com/office/powerpoint/2010/main" val="116570967"/>
+        <p14:creationId xmlns:p14="http://schemas.microsoft.com/office/powerpoint/2010/main" val="1939491694"/>
       </p:ext>
     </p:extLst>
   </p:cSld>
@@ -5158,48 +5081,52 @@
           <a:p>
             <a:r>
               <a:rPr lang="en-US" dirty="0"/>
-              <a:t>Future Directions</a:t>
-            </a:r>
-          </a:p>
-        </p:txBody>
-      </p:sp>
-      <p:sp>
-        <p:nvSpPr>
-          <p:cNvPr id="3" name="Content Placeholder 2">
+              <a:t>Results | ERD</a:t>
+            </a:r>
+            <a:br>
+              <a:rPr lang="en-US" dirty="0"/>
+            </a:br>
+            <a:r>
+              <a:rPr lang="en-US" sz="2400" dirty="0"/>
+              <a:t>S1 Hand, Electrode 27</a:t>
+            </a:r>
+          </a:p>
+        </p:txBody>
+      </p:sp>
+      <p:pic>
+        <p:nvPicPr>
+          <p:cNvPr id="5" name="Picture 4">
             <a:extLst>
               <a:ext uri="{FF2B5EF4-FFF2-40B4-BE49-F238E27FC236}">
-                <a16:creationId xmlns:a16="http://schemas.microsoft.com/office/drawing/2014/main" id="{AA6B1422-D7D4-F653-7016-761FE0442ADA}"/>
+                <a16:creationId xmlns:a16="http://schemas.microsoft.com/office/drawing/2014/main" id="{02094110-3322-1FA2-42F8-007CF23E7CAE}"/>
               </a:ext>
             </a:extLst>
           </p:cNvPr>
-          <p:cNvSpPr>
-            <a:spLocks noGrp="1"/>
-          </p:cNvSpPr>
-          <p:nvPr>
-            <p:ph idx="1"/>
-          </p:nvPr>
-        </p:nvSpPr>
-        <p:spPr/>
-        <p:txBody>
-          <a:bodyPr>
-            <a:normAutofit/>
-          </a:bodyPr>
-          <a:lstStyle/>
-          <a:p>
-            <a:r>
-              <a:rPr lang="en-US" dirty="0"/>
-              <a:t>what else would we do if we had more time?</a:t>
-            </a:r>
-          </a:p>
-          <a:p>
-            <a:endParaRPr lang="en-US" dirty="0"/>
-          </a:p>
-        </p:txBody>
-      </p:sp>
+          <p:cNvPicPr>
+            <a:picLocks noChangeAspect="1"/>
+          </p:cNvPicPr>
+          <p:nvPr/>
+        </p:nvPicPr>
+        <p:blipFill>
+          <a:blip r:embed="rId2"/>
+          <a:stretch>
+            <a:fillRect/>
+          </a:stretch>
+        </p:blipFill>
+        <p:spPr>
+          <a:xfrm>
+            <a:off x="2355272" y="1891144"/>
+            <a:ext cx="6570713" cy="4380475"/>
+          </a:xfrm>
+          <a:prstGeom prst="rect">
+            <a:avLst/>
+          </a:prstGeom>
+        </p:spPr>
+      </p:pic>
     </p:spTree>
     <p:extLst>
       <p:ext uri="{BB962C8B-B14F-4D97-AF65-F5344CB8AC3E}">
-        <p14:creationId xmlns:p14="http://schemas.microsoft.com/office/powerpoint/2010/main" val="283554576"/>
+        <p14:creationId xmlns:p14="http://schemas.microsoft.com/office/powerpoint/2010/main" val="3406378373"/>
       </p:ext>
     </p:extLst>
   </p:cSld>
@@ -5249,7 +5176,7 @@
           <a:p>
             <a:r>
               <a:rPr lang="en-US" dirty="0"/>
-              <a:t>Code Availability</a:t>
+              <a:t>Conclusions</a:t>
             </a:r>
           </a:p>
         </p:txBody>
@@ -5270,45 +5197,69 @@
             <p:ph idx="1"/>
           </p:nvPr>
         </p:nvSpPr>
-        <p:spPr>
-          <a:xfrm>
-            <a:off x="1498980" y="1751818"/>
-            <a:ext cx="9487467" cy="3997828"/>
-          </a:xfrm>
-        </p:spPr>
-        <p:txBody>
-          <a:bodyPr>
-            <a:normAutofit/>
+        <p:spPr/>
+        <p:txBody>
+          <a:bodyPr/>
+          <a:lstStyle/>
+          <a:p>
+            <a:r>
+              <a:rPr lang="en-US" dirty="0"/>
+              <a:t>which stats to demonstrate similarity between conditions?</a:t>
+            </a:r>
+          </a:p>
+          <a:p>
+            <a:r>
+              <a:rPr lang="en-US" dirty="0"/>
+              <a:t>motor planning? </a:t>
+            </a:r>
+            <a:r>
+              <a:rPr lang="en-US" dirty="0" err="1"/>
+              <a:t>Nakayashiki</a:t>
+            </a:r>
+            <a:endParaRPr lang="en-US" dirty="0"/>
+          </a:p>
+        </p:txBody>
+      </p:sp>
+      <p:sp>
+        <p:nvSpPr>
+          <p:cNvPr id="4" name="TextBox 3">
+            <a:extLst>
+              <a:ext uri="{FF2B5EF4-FFF2-40B4-BE49-F238E27FC236}">
+                <a16:creationId xmlns:a16="http://schemas.microsoft.com/office/drawing/2014/main" id="{83E40CE4-0C54-66F3-10EA-A0B36D205FC8}"/>
+              </a:ext>
+            </a:extLst>
+          </p:cNvPr>
+          <p:cNvSpPr txBox="1"/>
+          <p:nvPr/>
+        </p:nvSpPr>
+        <p:spPr>
+          <a:xfrm rot="19966124">
+            <a:off x="2197611" y="2969708"/>
+            <a:ext cx="7465326" cy="1446550"/>
+          </a:xfrm>
+          <a:prstGeom prst="rect">
+            <a:avLst/>
+          </a:prstGeom>
+          <a:noFill/>
+        </p:spPr>
+        <p:txBody>
+          <a:bodyPr wrap="square" rtlCol="0">
+            <a:spAutoFit/>
           </a:bodyPr>
           <a:lstStyle/>
           <a:p>
-            <a:pPr marL="0" indent="0" algn="ctr">
-              <a:buNone/>
-            </a:pPr>
-            <a:r>
-              <a:rPr lang="en-US" sz="4000" dirty="0"/>
-              <a:t>https://</a:t>
-            </a:r>
-            <a:r>
-              <a:rPr lang="en-US" sz="4000" dirty="0" err="1"/>
-              <a:t>github.com</a:t>
-            </a:r>
-            <a:r>
-              <a:rPr lang="en-US" sz="4000" dirty="0"/>
-              <a:t>/jessb0t/</a:t>
-            </a:r>
-            <a:r>
-              <a:rPr lang="en-US" sz="4000" dirty="0" err="1"/>
-              <a:t>motorImagery</a:t>
-            </a:r>
-            <a:endParaRPr lang="en-US" sz="4000" dirty="0"/>
+            <a:pPr algn="ctr"/>
+            <a:r>
+              <a:rPr lang="en-US" sz="8800" dirty="0"/>
+              <a:t>to be updated</a:t>
+            </a:r>
           </a:p>
         </p:txBody>
       </p:sp>
     </p:spTree>
     <p:extLst>
       <p:ext uri="{BB962C8B-B14F-4D97-AF65-F5344CB8AC3E}">
-        <p14:creationId xmlns:p14="http://schemas.microsoft.com/office/powerpoint/2010/main" val="279706596"/>
+        <p14:creationId xmlns:p14="http://schemas.microsoft.com/office/powerpoint/2010/main" val="1981167294"/>
       </p:ext>
     </p:extLst>
   </p:cSld>
@@ -5358,6 +5309,337 @@
           <a:p>
             <a:r>
               <a:rPr lang="en-US" dirty="0"/>
+              <a:t>Limitations</a:t>
+            </a:r>
+          </a:p>
+        </p:txBody>
+      </p:sp>
+      <p:sp>
+        <p:nvSpPr>
+          <p:cNvPr id="3" name="Content Placeholder 2">
+            <a:extLst>
+              <a:ext uri="{FF2B5EF4-FFF2-40B4-BE49-F238E27FC236}">
+                <a16:creationId xmlns:a16="http://schemas.microsoft.com/office/drawing/2014/main" id="{AA6B1422-D7D4-F653-7016-761FE0442ADA}"/>
+              </a:ext>
+            </a:extLst>
+          </p:cNvPr>
+          <p:cNvSpPr>
+            <a:spLocks noGrp="1"/>
+          </p:cNvSpPr>
+          <p:nvPr>
+            <p:ph idx="1"/>
+          </p:nvPr>
+        </p:nvSpPr>
+        <p:spPr/>
+        <p:txBody>
+          <a:bodyPr>
+            <a:normAutofit lnSpcReduction="10000"/>
+          </a:bodyPr>
+          <a:lstStyle/>
+          <a:p>
+            <a:r>
+              <a:rPr lang="en-US" dirty="0"/>
+              <a:t>specific subject population reduces generalizability of findings</a:t>
+            </a:r>
+          </a:p>
+          <a:p>
+            <a:r>
+              <a:rPr lang="en-US" dirty="0"/>
+              <a:t>project time constraints led us to simplify our preprocessing:</a:t>
+            </a:r>
+          </a:p>
+          <a:p>
+            <a:pPr lvl="1"/>
+            <a:r>
+              <a:rPr lang="en-US" dirty="0"/>
+              <a:t>did not re-reference data to the average</a:t>
+            </a:r>
+          </a:p>
+          <a:p>
+            <a:pPr lvl="1"/>
+            <a:r>
+              <a:rPr lang="en-US" dirty="0"/>
+              <a:t>did not perform ICA or other methods to identify and remove noisy (or epileptic) epochs in the channels we analyzed</a:t>
+            </a:r>
+          </a:p>
+          <a:p>
+            <a:r>
+              <a:rPr lang="en-US" dirty="0"/>
+              <a:t>project time constraints led us to simplify our analyses:</a:t>
+            </a:r>
+          </a:p>
+          <a:p>
+            <a:pPr lvl="1"/>
+            <a:r>
+              <a:rPr lang="en-US" dirty="0"/>
+              <a:t>did not z-score across subjects before classification</a:t>
+            </a:r>
+          </a:p>
+          <a:p>
+            <a:pPr lvl="1"/>
+            <a:r>
+              <a:rPr lang="en-US" dirty="0"/>
+              <a:t>single randomized split for training/test (no thorough cross-validation)</a:t>
+            </a:r>
+          </a:p>
+          <a:p>
+            <a:endParaRPr lang="en-US" dirty="0"/>
+          </a:p>
+        </p:txBody>
+      </p:sp>
+    </p:spTree>
+    <p:extLst>
+      <p:ext uri="{BB962C8B-B14F-4D97-AF65-F5344CB8AC3E}">
+        <p14:creationId xmlns:p14="http://schemas.microsoft.com/office/powerpoint/2010/main" val="116570967"/>
+      </p:ext>
+    </p:extLst>
+  </p:cSld>
+  <p:clrMapOvr>
+    <a:masterClrMapping/>
+  </p:clrMapOvr>
+</p:sld>
+</file>
+
+<file path=ppt/slides/slide17.xml><?xml version="1.0" encoding="utf-8"?>
+<p:sld xmlns:a="http://schemas.openxmlformats.org/drawingml/2006/main" xmlns:r="http://schemas.openxmlformats.org/officeDocument/2006/relationships" xmlns:p="http://schemas.openxmlformats.org/presentationml/2006/main">
+  <p:cSld>
+    <p:spTree>
+      <p:nvGrpSpPr>
+        <p:cNvPr id="1" name=""/>
+        <p:cNvGrpSpPr/>
+        <p:nvPr/>
+      </p:nvGrpSpPr>
+      <p:grpSpPr>
+        <a:xfrm>
+          <a:off x="0" y="0"/>
+          <a:ext cx="0" cy="0"/>
+          <a:chOff x="0" y="0"/>
+          <a:chExt cx="0" cy="0"/>
+        </a:xfrm>
+      </p:grpSpPr>
+      <p:sp>
+        <p:nvSpPr>
+          <p:cNvPr id="2" name="Title 1">
+            <a:extLst>
+              <a:ext uri="{FF2B5EF4-FFF2-40B4-BE49-F238E27FC236}">
+                <a16:creationId xmlns:a16="http://schemas.microsoft.com/office/drawing/2014/main" id="{AB229146-3FFE-7BBC-BD99-EA8A1D03F50B}"/>
+              </a:ext>
+            </a:extLst>
+          </p:cNvPr>
+          <p:cNvSpPr>
+            <a:spLocks noGrp="1"/>
+          </p:cNvSpPr>
+          <p:nvPr>
+            <p:ph type="title"/>
+          </p:nvPr>
+        </p:nvSpPr>
+        <p:spPr/>
+        <p:txBody>
+          <a:bodyPr/>
+          <a:lstStyle/>
+          <a:p>
+            <a:r>
+              <a:rPr lang="en-US" dirty="0"/>
+              <a:t>Future Directions</a:t>
+            </a:r>
+          </a:p>
+        </p:txBody>
+      </p:sp>
+      <p:sp>
+        <p:nvSpPr>
+          <p:cNvPr id="3" name="Content Placeholder 2">
+            <a:extLst>
+              <a:ext uri="{FF2B5EF4-FFF2-40B4-BE49-F238E27FC236}">
+                <a16:creationId xmlns:a16="http://schemas.microsoft.com/office/drawing/2014/main" id="{AA6B1422-D7D4-F653-7016-761FE0442ADA}"/>
+              </a:ext>
+            </a:extLst>
+          </p:cNvPr>
+          <p:cNvSpPr>
+            <a:spLocks noGrp="1"/>
+          </p:cNvSpPr>
+          <p:nvPr>
+            <p:ph idx="1"/>
+          </p:nvPr>
+        </p:nvSpPr>
+        <p:spPr/>
+        <p:txBody>
+          <a:bodyPr>
+            <a:normAutofit/>
+          </a:bodyPr>
+          <a:lstStyle/>
+          <a:p>
+            <a:r>
+              <a:rPr lang="en-US" dirty="0"/>
+              <a:t>what else would we do if we had more time?</a:t>
+            </a:r>
+          </a:p>
+          <a:p>
+            <a:endParaRPr lang="en-US" dirty="0"/>
+          </a:p>
+        </p:txBody>
+      </p:sp>
+    </p:spTree>
+    <p:extLst>
+      <p:ext uri="{BB962C8B-B14F-4D97-AF65-F5344CB8AC3E}">
+        <p14:creationId xmlns:p14="http://schemas.microsoft.com/office/powerpoint/2010/main" val="283554576"/>
+      </p:ext>
+    </p:extLst>
+  </p:cSld>
+  <p:clrMapOvr>
+    <a:masterClrMapping/>
+  </p:clrMapOvr>
+</p:sld>
+</file>
+
+<file path=ppt/slides/slide18.xml><?xml version="1.0" encoding="utf-8"?>
+<p:sld xmlns:a="http://schemas.openxmlformats.org/drawingml/2006/main" xmlns:r="http://schemas.openxmlformats.org/officeDocument/2006/relationships" xmlns:p="http://schemas.openxmlformats.org/presentationml/2006/main">
+  <p:cSld>
+    <p:spTree>
+      <p:nvGrpSpPr>
+        <p:cNvPr id="1" name=""/>
+        <p:cNvGrpSpPr/>
+        <p:nvPr/>
+      </p:nvGrpSpPr>
+      <p:grpSpPr>
+        <a:xfrm>
+          <a:off x="0" y="0"/>
+          <a:ext cx="0" cy="0"/>
+          <a:chOff x="0" y="0"/>
+          <a:chExt cx="0" cy="0"/>
+        </a:xfrm>
+      </p:grpSpPr>
+      <p:sp>
+        <p:nvSpPr>
+          <p:cNvPr id="2" name="Title 1">
+            <a:extLst>
+              <a:ext uri="{FF2B5EF4-FFF2-40B4-BE49-F238E27FC236}">
+                <a16:creationId xmlns:a16="http://schemas.microsoft.com/office/drawing/2014/main" id="{AB229146-3FFE-7BBC-BD99-EA8A1D03F50B}"/>
+              </a:ext>
+            </a:extLst>
+          </p:cNvPr>
+          <p:cNvSpPr>
+            <a:spLocks noGrp="1"/>
+          </p:cNvSpPr>
+          <p:nvPr>
+            <p:ph type="title"/>
+          </p:nvPr>
+        </p:nvSpPr>
+        <p:spPr/>
+        <p:txBody>
+          <a:bodyPr/>
+          <a:lstStyle/>
+          <a:p>
+            <a:r>
+              <a:rPr lang="en-US" dirty="0"/>
+              <a:t>Code Availability</a:t>
+            </a:r>
+          </a:p>
+        </p:txBody>
+      </p:sp>
+      <p:sp>
+        <p:nvSpPr>
+          <p:cNvPr id="3" name="Content Placeholder 2">
+            <a:extLst>
+              <a:ext uri="{FF2B5EF4-FFF2-40B4-BE49-F238E27FC236}">
+                <a16:creationId xmlns:a16="http://schemas.microsoft.com/office/drawing/2014/main" id="{AA6B1422-D7D4-F653-7016-761FE0442ADA}"/>
+              </a:ext>
+            </a:extLst>
+          </p:cNvPr>
+          <p:cNvSpPr>
+            <a:spLocks noGrp="1"/>
+          </p:cNvSpPr>
+          <p:nvPr>
+            <p:ph idx="1"/>
+          </p:nvPr>
+        </p:nvSpPr>
+        <p:spPr>
+          <a:xfrm>
+            <a:off x="1498980" y="1751818"/>
+            <a:ext cx="9487467" cy="3997828"/>
+          </a:xfrm>
+        </p:spPr>
+        <p:txBody>
+          <a:bodyPr>
+            <a:normAutofit/>
+          </a:bodyPr>
+          <a:lstStyle/>
+          <a:p>
+            <a:pPr marL="0" indent="0" algn="ctr">
+              <a:buNone/>
+            </a:pPr>
+            <a:r>
+              <a:rPr lang="en-US" sz="4000" dirty="0"/>
+              <a:t>https://</a:t>
+            </a:r>
+            <a:r>
+              <a:rPr lang="en-US" sz="4000" dirty="0" err="1"/>
+              <a:t>github.com</a:t>
+            </a:r>
+            <a:r>
+              <a:rPr lang="en-US" sz="4000" dirty="0"/>
+              <a:t>/jessb0t/</a:t>
+            </a:r>
+            <a:r>
+              <a:rPr lang="en-US" sz="4000" dirty="0" err="1"/>
+              <a:t>motorImagery</a:t>
+            </a:r>
+            <a:endParaRPr lang="en-US" sz="4000" dirty="0"/>
+          </a:p>
+        </p:txBody>
+      </p:sp>
+    </p:spTree>
+    <p:extLst>
+      <p:ext uri="{BB962C8B-B14F-4D97-AF65-F5344CB8AC3E}">
+        <p14:creationId xmlns:p14="http://schemas.microsoft.com/office/powerpoint/2010/main" val="279706596"/>
+      </p:ext>
+    </p:extLst>
+  </p:cSld>
+  <p:clrMapOvr>
+    <a:masterClrMapping/>
+  </p:clrMapOvr>
+</p:sld>
+</file>
+
+<file path=ppt/slides/slide19.xml><?xml version="1.0" encoding="utf-8"?>
+<p:sld xmlns:a="http://schemas.openxmlformats.org/drawingml/2006/main" xmlns:r="http://schemas.openxmlformats.org/officeDocument/2006/relationships" xmlns:p="http://schemas.openxmlformats.org/presentationml/2006/main">
+  <p:cSld>
+    <p:spTree>
+      <p:nvGrpSpPr>
+        <p:cNvPr id="1" name=""/>
+        <p:cNvGrpSpPr/>
+        <p:nvPr/>
+      </p:nvGrpSpPr>
+      <p:grpSpPr>
+        <a:xfrm>
+          <a:off x="0" y="0"/>
+          <a:ext cx="0" cy="0"/>
+          <a:chOff x="0" y="0"/>
+          <a:chExt cx="0" cy="0"/>
+        </a:xfrm>
+      </p:grpSpPr>
+      <p:sp>
+        <p:nvSpPr>
+          <p:cNvPr id="2" name="Title 1">
+            <a:extLst>
+              <a:ext uri="{FF2B5EF4-FFF2-40B4-BE49-F238E27FC236}">
+                <a16:creationId xmlns:a16="http://schemas.microsoft.com/office/drawing/2014/main" id="{AB229146-3FFE-7BBC-BD99-EA8A1D03F50B}"/>
+              </a:ext>
+            </a:extLst>
+          </p:cNvPr>
+          <p:cNvSpPr>
+            <a:spLocks noGrp="1"/>
+          </p:cNvSpPr>
+          <p:nvPr>
+            <p:ph type="title"/>
+          </p:nvPr>
+        </p:nvSpPr>
+        <p:spPr/>
+        <p:txBody>
+          <a:bodyPr/>
+          <a:lstStyle/>
+          <a:p>
+            <a:r>
+              <a:rPr lang="en-US" dirty="0"/>
               <a:t>References</a:t>
             </a:r>
           </a:p>
@@ -5735,7 +6017,441 @@
 </p:sld>
 </file>
 
-<file path=ppt/slides/slide17.xml><?xml version="1.0" encoding="utf-8"?>
+<file path=ppt/slides/slide2.xml><?xml version="1.0" encoding="utf-8"?>
+<p:sld xmlns:a="http://schemas.openxmlformats.org/drawingml/2006/main" xmlns:r="http://schemas.openxmlformats.org/officeDocument/2006/relationships" xmlns:p="http://schemas.openxmlformats.org/presentationml/2006/main">
+  <p:cSld>
+    <p:spTree>
+      <p:nvGrpSpPr>
+        <p:cNvPr id="1" name=""/>
+        <p:cNvGrpSpPr/>
+        <p:nvPr/>
+      </p:nvGrpSpPr>
+      <p:grpSpPr>
+        <a:xfrm>
+          <a:off x="0" y="0"/>
+          <a:ext cx="0" cy="0"/>
+          <a:chOff x="0" y="0"/>
+          <a:chExt cx="0" cy="0"/>
+        </a:xfrm>
+      </p:grpSpPr>
+      <p:sp>
+        <p:nvSpPr>
+          <p:cNvPr id="2" name="Title 1">
+            <a:extLst>
+              <a:ext uri="{FF2B5EF4-FFF2-40B4-BE49-F238E27FC236}">
+                <a16:creationId xmlns:a16="http://schemas.microsoft.com/office/drawing/2014/main" id="{AB229146-3FFE-7BBC-BD99-EA8A1D03F50B}"/>
+              </a:ext>
+            </a:extLst>
+          </p:cNvPr>
+          <p:cNvSpPr>
+            <a:spLocks noGrp="1"/>
+          </p:cNvSpPr>
+          <p:nvPr>
+            <p:ph type="title"/>
+          </p:nvPr>
+        </p:nvSpPr>
+        <p:spPr/>
+        <p:txBody>
+          <a:bodyPr>
+            <a:normAutofit/>
+          </a:bodyPr>
+          <a:lstStyle/>
+          <a:p>
+            <a:r>
+              <a:rPr lang="en-US" sz="3600" dirty="0"/>
+              <a:t>Background</a:t>
+            </a:r>
+          </a:p>
+        </p:txBody>
+      </p:sp>
+      <p:pic>
+        <p:nvPicPr>
+          <p:cNvPr id="4" name="Picture 3">
+            <a:extLst>
+              <a:ext uri="{FF2B5EF4-FFF2-40B4-BE49-F238E27FC236}">
+                <a16:creationId xmlns:a16="http://schemas.microsoft.com/office/drawing/2014/main" id="{334FBF65-2CBB-2A91-A3C4-3843FB1370A0}"/>
+              </a:ext>
+            </a:extLst>
+          </p:cNvPr>
+          <p:cNvPicPr>
+            <a:picLocks noChangeAspect="1"/>
+          </p:cNvPicPr>
+          <p:nvPr/>
+        </p:nvPicPr>
+        <p:blipFill>
+          <a:blip r:embed="rId2"/>
+          <a:stretch>
+            <a:fillRect/>
+          </a:stretch>
+        </p:blipFill>
+        <p:spPr>
+          <a:xfrm>
+            <a:off x="5882186" y="3080022"/>
+            <a:ext cx="4863974" cy="2914599"/>
+          </a:xfrm>
+          <a:prstGeom prst="rect">
+            <a:avLst/>
+          </a:prstGeom>
+        </p:spPr>
+      </p:pic>
+      <p:sp>
+        <p:nvSpPr>
+          <p:cNvPr id="6" name="TextBox 5">
+            <a:extLst>
+              <a:ext uri="{FF2B5EF4-FFF2-40B4-BE49-F238E27FC236}">
+                <a16:creationId xmlns:a16="http://schemas.microsoft.com/office/drawing/2014/main" id="{CE3884D6-3D08-4AC8-8271-4E19D5E764F5}"/>
+              </a:ext>
+            </a:extLst>
+          </p:cNvPr>
+          <p:cNvSpPr txBox="1"/>
+          <p:nvPr/>
+        </p:nvSpPr>
+        <p:spPr>
+          <a:xfrm>
+            <a:off x="9482021" y="5994621"/>
+            <a:ext cx="1414246" cy="276999"/>
+          </a:xfrm>
+          <a:prstGeom prst="rect">
+            <a:avLst/>
+          </a:prstGeom>
+          <a:noFill/>
+        </p:spPr>
+        <p:txBody>
+          <a:bodyPr vert="horz" wrap="square" rtlCol="0">
+            <a:spAutoFit/>
+          </a:bodyPr>
+          <a:lstStyle/>
+          <a:p>
+            <a:r>
+              <a:rPr lang="en-US" sz="1200" dirty="0"/>
+              <a:t>Miller et al. (2010)</a:t>
+            </a:r>
+          </a:p>
+        </p:txBody>
+      </p:sp>
+      <p:sp>
+        <p:nvSpPr>
+          <p:cNvPr id="8" name="Content Placeholder 2">
+            <a:extLst>
+              <a:ext uri="{FF2B5EF4-FFF2-40B4-BE49-F238E27FC236}">
+                <a16:creationId xmlns:a16="http://schemas.microsoft.com/office/drawing/2014/main" id="{45A4FF12-BEF8-3DD4-B8EF-8092B36F3033}"/>
+              </a:ext>
+            </a:extLst>
+          </p:cNvPr>
+          <p:cNvSpPr txBox="1">
+            <a:spLocks/>
+          </p:cNvSpPr>
+          <p:nvPr/>
+        </p:nvSpPr>
+        <p:spPr>
+          <a:xfrm>
+            <a:off x="1498982" y="1751818"/>
+            <a:ext cx="4383204" cy="3997828"/>
+          </a:xfrm>
+          <a:prstGeom prst="rect">
+            <a:avLst/>
+          </a:prstGeom>
+        </p:spPr>
+        <p:txBody>
+          <a:bodyPr vert="horz" lIns="91440" tIns="45720" rIns="91440" bIns="45720" rtlCol="0" anchor="t">
+            <a:normAutofit/>
+          </a:bodyPr>
+          <a:lstStyle>
+            <a:lvl1pPr marL="344488" indent="-344488" algn="l" defTabSz="914400" rtl="0" eaLnBrk="1" latinLnBrk="0" hangingPunct="1">
+              <a:lnSpc>
+                <a:spcPct val="120000"/>
+              </a:lnSpc>
+              <a:spcBef>
+                <a:spcPts val="1000"/>
+              </a:spcBef>
+              <a:spcAft>
+                <a:spcPts val="600"/>
+              </a:spcAft>
+              <a:buClr>
+                <a:schemeClr val="accent6"/>
+              </a:buClr>
+              <a:buSzPct val="90000"/>
+              <a:buFont typeface="Wingdings" panose="05000000000000000000" pitchFamily="2" charset="2"/>
+              <a:buChar char="§"/>
+              <a:defRPr sz="2000" kern="1200">
+                <a:solidFill>
+                  <a:schemeClr val="tx1"/>
+                </a:solidFill>
+                <a:effectLst/>
+                <a:latin typeface="+mn-lt"/>
+                <a:ea typeface="+mn-ea"/>
+                <a:cs typeface="+mn-cs"/>
+              </a:defRPr>
+            </a:lvl1pPr>
+            <a:lvl2pPr marL="795338" indent="-338138" algn="l" defTabSz="914400" rtl="0" eaLnBrk="1" latinLnBrk="0" hangingPunct="1">
+              <a:lnSpc>
+                <a:spcPct val="120000"/>
+              </a:lnSpc>
+              <a:spcBef>
+                <a:spcPts val="500"/>
+              </a:spcBef>
+              <a:spcAft>
+                <a:spcPts val="600"/>
+              </a:spcAft>
+              <a:buClr>
+                <a:schemeClr val="accent6"/>
+              </a:buClr>
+              <a:buSzPct val="90000"/>
+              <a:buFont typeface="Wingdings" panose="05000000000000000000" pitchFamily="2" charset="2"/>
+              <a:buChar char="§"/>
+              <a:defRPr sz="1800" kern="1200">
+                <a:solidFill>
+                  <a:schemeClr val="tx1"/>
+                </a:solidFill>
+                <a:effectLst/>
+                <a:latin typeface="+mn-lt"/>
+                <a:ea typeface="+mn-ea"/>
+                <a:cs typeface="+mn-cs"/>
+              </a:defRPr>
+            </a:lvl2pPr>
+            <a:lvl3pPr marL="1258888" indent="-344488" algn="l" defTabSz="914400" rtl="0" eaLnBrk="1" latinLnBrk="0" hangingPunct="1">
+              <a:lnSpc>
+                <a:spcPct val="120000"/>
+              </a:lnSpc>
+              <a:spcBef>
+                <a:spcPts val="500"/>
+              </a:spcBef>
+              <a:spcAft>
+                <a:spcPts val="600"/>
+              </a:spcAft>
+              <a:buClr>
+                <a:schemeClr val="accent6"/>
+              </a:buClr>
+              <a:buSzPct val="90000"/>
+              <a:buFont typeface="Wingdings" panose="05000000000000000000" pitchFamily="2" charset="2"/>
+              <a:buChar char="§"/>
+              <a:defRPr sz="1600" kern="1200">
+                <a:solidFill>
+                  <a:schemeClr val="tx1"/>
+                </a:solidFill>
+                <a:effectLst/>
+                <a:latin typeface="+mn-lt"/>
+                <a:ea typeface="+mn-ea"/>
+                <a:cs typeface="+mn-cs"/>
+              </a:defRPr>
+            </a:lvl3pPr>
+            <a:lvl4pPr marL="1709738" indent="-338138" algn="l" defTabSz="914400" rtl="0" eaLnBrk="1" latinLnBrk="0" hangingPunct="1">
+              <a:lnSpc>
+                <a:spcPct val="120000"/>
+              </a:lnSpc>
+              <a:spcBef>
+                <a:spcPts val="500"/>
+              </a:spcBef>
+              <a:spcAft>
+                <a:spcPts val="600"/>
+              </a:spcAft>
+              <a:buClr>
+                <a:schemeClr val="accent6"/>
+              </a:buClr>
+              <a:buSzPct val="90000"/>
+              <a:buFont typeface="Wingdings" panose="05000000000000000000" pitchFamily="2" charset="2"/>
+              <a:buChar char="§"/>
+              <a:defRPr sz="1400" kern="1200">
+                <a:solidFill>
+                  <a:schemeClr val="tx1"/>
+                </a:solidFill>
+                <a:effectLst/>
+                <a:latin typeface="+mn-lt"/>
+                <a:ea typeface="+mn-ea"/>
+                <a:cs typeface="+mn-cs"/>
+              </a:defRPr>
+            </a:lvl4pPr>
+            <a:lvl5pPr marL="2173288" indent="-344488" algn="l" defTabSz="914400" rtl="0" eaLnBrk="1" latinLnBrk="0" hangingPunct="1">
+              <a:lnSpc>
+                <a:spcPct val="120000"/>
+              </a:lnSpc>
+              <a:spcBef>
+                <a:spcPts val="500"/>
+              </a:spcBef>
+              <a:spcAft>
+                <a:spcPts val="600"/>
+              </a:spcAft>
+              <a:buClr>
+                <a:schemeClr val="accent6"/>
+              </a:buClr>
+              <a:buSzPct val="90000"/>
+              <a:buFont typeface="Wingdings" panose="05000000000000000000" pitchFamily="2" charset="2"/>
+              <a:buChar char="§"/>
+              <a:defRPr sz="1200" kern="1200">
+                <a:solidFill>
+                  <a:schemeClr val="tx1"/>
+                </a:solidFill>
+                <a:effectLst/>
+                <a:latin typeface="+mn-lt"/>
+                <a:ea typeface="+mn-ea"/>
+                <a:cs typeface="+mn-cs"/>
+              </a:defRPr>
+            </a:lvl5pPr>
+            <a:lvl6pPr marL="2642616" indent="-338328" algn="l" defTabSz="914400" rtl="0" eaLnBrk="1" latinLnBrk="0" hangingPunct="1">
+              <a:lnSpc>
+                <a:spcPct val="120000"/>
+              </a:lnSpc>
+              <a:spcBef>
+                <a:spcPts val="500"/>
+              </a:spcBef>
+              <a:spcAft>
+                <a:spcPts val="600"/>
+              </a:spcAft>
+              <a:buClr>
+                <a:schemeClr val="accent6"/>
+              </a:buClr>
+              <a:buSzPct val="90000"/>
+              <a:buFont typeface="Wingdings" panose="05000000000000000000" pitchFamily="2" charset="2"/>
+              <a:buChar char="§"/>
+              <a:defRPr sz="1200" kern="1200" baseline="0">
+                <a:solidFill>
+                  <a:schemeClr val="tx1"/>
+                </a:solidFill>
+                <a:effectLst/>
+                <a:latin typeface="+mn-lt"/>
+                <a:ea typeface="+mn-ea"/>
+                <a:cs typeface="+mn-cs"/>
+              </a:defRPr>
+            </a:lvl6pPr>
+            <a:lvl7pPr marL="3108960" indent="-338328" algn="l" defTabSz="914400" rtl="0" eaLnBrk="1" latinLnBrk="0" hangingPunct="1">
+              <a:lnSpc>
+                <a:spcPct val="120000"/>
+              </a:lnSpc>
+              <a:spcBef>
+                <a:spcPts val="500"/>
+              </a:spcBef>
+              <a:spcAft>
+                <a:spcPts val="600"/>
+              </a:spcAft>
+              <a:buClr>
+                <a:schemeClr val="accent6"/>
+              </a:buClr>
+              <a:buSzPct val="90000"/>
+              <a:buFont typeface="Wingdings" panose="05000000000000000000" pitchFamily="2" charset="2"/>
+              <a:buChar char="§"/>
+              <a:defRPr sz="1200" kern="1200" baseline="0">
+                <a:solidFill>
+                  <a:schemeClr val="tx1"/>
+                </a:solidFill>
+                <a:effectLst/>
+                <a:latin typeface="+mn-lt"/>
+                <a:ea typeface="+mn-ea"/>
+                <a:cs typeface="+mn-cs"/>
+              </a:defRPr>
+            </a:lvl7pPr>
+            <a:lvl8pPr marL="3575304" indent="-338328" algn="l" defTabSz="914400" rtl="0" eaLnBrk="1" latinLnBrk="0" hangingPunct="1">
+              <a:lnSpc>
+                <a:spcPct val="120000"/>
+              </a:lnSpc>
+              <a:spcBef>
+                <a:spcPts val="500"/>
+              </a:spcBef>
+              <a:spcAft>
+                <a:spcPts val="600"/>
+              </a:spcAft>
+              <a:buClr>
+                <a:schemeClr val="accent6"/>
+              </a:buClr>
+              <a:buSzPct val="90000"/>
+              <a:buFont typeface="Wingdings" panose="05000000000000000000" pitchFamily="2" charset="2"/>
+              <a:buChar char="§"/>
+              <a:defRPr sz="1200" kern="1200" baseline="0">
+                <a:solidFill>
+                  <a:schemeClr val="tx1"/>
+                </a:solidFill>
+                <a:effectLst/>
+                <a:latin typeface="+mn-lt"/>
+                <a:ea typeface="+mn-ea"/>
+                <a:cs typeface="+mn-cs"/>
+              </a:defRPr>
+            </a:lvl8pPr>
+            <a:lvl9pPr marL="4041648" indent="-338328" algn="l" defTabSz="914400" rtl="0" eaLnBrk="1" latinLnBrk="0" hangingPunct="1">
+              <a:lnSpc>
+                <a:spcPct val="120000"/>
+              </a:lnSpc>
+              <a:spcBef>
+                <a:spcPts val="500"/>
+              </a:spcBef>
+              <a:spcAft>
+                <a:spcPts val="600"/>
+              </a:spcAft>
+              <a:buClr>
+                <a:schemeClr val="accent6"/>
+              </a:buClr>
+              <a:buSzPct val="90000"/>
+              <a:buFont typeface="Wingdings" panose="05000000000000000000" pitchFamily="2" charset="2"/>
+              <a:buChar char="§"/>
+              <a:defRPr sz="1200" kern="1200" baseline="0">
+                <a:solidFill>
+                  <a:schemeClr val="tx1"/>
+                </a:solidFill>
+                <a:effectLst/>
+                <a:latin typeface="+mn-lt"/>
+                <a:ea typeface="+mn-ea"/>
+                <a:cs typeface="+mn-cs"/>
+              </a:defRPr>
+            </a:lvl9pPr>
+          </a:lstStyle>
+          <a:p>
+            <a:r>
+              <a:rPr lang="en-US" dirty="0"/>
+              <a:t>relative power in </a:t>
+            </a:r>
+            <a:r>
+              <a:rPr lang="en-US" b="1" dirty="0"/>
+              <a:t>beta</a:t>
+            </a:r>
+            <a:r>
+              <a:rPr lang="en-US" dirty="0"/>
+              <a:t> frequency </a:t>
+            </a:r>
+            <a:r>
+              <a:rPr lang="en-US" u="sng" dirty="0"/>
+              <a:t>decreases</a:t>
+            </a:r>
+            <a:r>
+              <a:rPr lang="en-US" dirty="0"/>
+              <a:t> within motor cortex during movement (event related desynchronization, ERD)</a:t>
+            </a:r>
+          </a:p>
+          <a:p>
+            <a:r>
+              <a:rPr lang="en-US" dirty="0"/>
+              <a:t>relative power in </a:t>
+            </a:r>
+            <a:r>
+              <a:rPr lang="en-US" b="1" dirty="0"/>
+              <a:t>high gamma </a:t>
+            </a:r>
+            <a:r>
+              <a:rPr lang="en-US" dirty="0"/>
+              <a:t>frequency </a:t>
+            </a:r>
+            <a:r>
+              <a:rPr lang="en-US" u="sng" dirty="0"/>
+              <a:t>increases</a:t>
+            </a:r>
+            <a:r>
+              <a:rPr lang="en-US" dirty="0"/>
+              <a:t> during movement (event related synchronization, ERS)</a:t>
+            </a:r>
+          </a:p>
+        </p:txBody>
+      </p:sp>
+    </p:spTree>
+    <p:extLst>
+      <p:ext uri="{BB962C8B-B14F-4D97-AF65-F5344CB8AC3E}">
+        <p14:creationId xmlns:p14="http://schemas.microsoft.com/office/powerpoint/2010/main" val="483844281"/>
+      </p:ext>
+    </p:extLst>
+  </p:cSld>
+  <p:clrMapOvr>
+    <a:masterClrMapping/>
+  </p:clrMapOvr>
+</p:sld>
+</file>
+
+<file path=ppt/slides/slide20.xml><?xml version="1.0" encoding="utf-8"?>
 <p:sld xmlns:a="http://schemas.openxmlformats.org/drawingml/2006/main" xmlns:r="http://schemas.openxmlformats.org/officeDocument/2006/relationships" xmlns:p="http://schemas.openxmlformats.org/presentationml/2006/main">
   <p:cSld>
     <p:spTree>
@@ -6950,440 +7666,6 @@
 </p:sld>
 </file>
 
-<file path=ppt/slides/slide2.xml><?xml version="1.0" encoding="utf-8"?>
-<p:sld xmlns:a="http://schemas.openxmlformats.org/drawingml/2006/main" xmlns:r="http://schemas.openxmlformats.org/officeDocument/2006/relationships" xmlns:p="http://schemas.openxmlformats.org/presentationml/2006/main">
-  <p:cSld>
-    <p:spTree>
-      <p:nvGrpSpPr>
-        <p:cNvPr id="1" name=""/>
-        <p:cNvGrpSpPr/>
-        <p:nvPr/>
-      </p:nvGrpSpPr>
-      <p:grpSpPr>
-        <a:xfrm>
-          <a:off x="0" y="0"/>
-          <a:ext cx="0" cy="0"/>
-          <a:chOff x="0" y="0"/>
-          <a:chExt cx="0" cy="0"/>
-        </a:xfrm>
-      </p:grpSpPr>
-      <p:sp>
-        <p:nvSpPr>
-          <p:cNvPr id="2" name="Title 1">
-            <a:extLst>
-              <a:ext uri="{FF2B5EF4-FFF2-40B4-BE49-F238E27FC236}">
-                <a16:creationId xmlns:a16="http://schemas.microsoft.com/office/drawing/2014/main" id="{AB229146-3FFE-7BBC-BD99-EA8A1D03F50B}"/>
-              </a:ext>
-            </a:extLst>
-          </p:cNvPr>
-          <p:cNvSpPr>
-            <a:spLocks noGrp="1"/>
-          </p:cNvSpPr>
-          <p:nvPr>
-            <p:ph type="title"/>
-          </p:nvPr>
-        </p:nvSpPr>
-        <p:spPr/>
-        <p:txBody>
-          <a:bodyPr>
-            <a:normAutofit/>
-          </a:bodyPr>
-          <a:lstStyle/>
-          <a:p>
-            <a:r>
-              <a:rPr lang="en-US" sz="3600" dirty="0"/>
-              <a:t>Background</a:t>
-            </a:r>
-          </a:p>
-        </p:txBody>
-      </p:sp>
-      <p:pic>
-        <p:nvPicPr>
-          <p:cNvPr id="4" name="Picture 3">
-            <a:extLst>
-              <a:ext uri="{FF2B5EF4-FFF2-40B4-BE49-F238E27FC236}">
-                <a16:creationId xmlns:a16="http://schemas.microsoft.com/office/drawing/2014/main" id="{334FBF65-2CBB-2A91-A3C4-3843FB1370A0}"/>
-              </a:ext>
-            </a:extLst>
-          </p:cNvPr>
-          <p:cNvPicPr>
-            <a:picLocks noChangeAspect="1"/>
-          </p:cNvPicPr>
-          <p:nvPr/>
-        </p:nvPicPr>
-        <p:blipFill>
-          <a:blip r:embed="rId2"/>
-          <a:stretch>
-            <a:fillRect/>
-          </a:stretch>
-        </p:blipFill>
-        <p:spPr>
-          <a:xfrm>
-            <a:off x="5882186" y="3080022"/>
-            <a:ext cx="4863974" cy="2914599"/>
-          </a:xfrm>
-          <a:prstGeom prst="rect">
-            <a:avLst/>
-          </a:prstGeom>
-        </p:spPr>
-      </p:pic>
-      <p:sp>
-        <p:nvSpPr>
-          <p:cNvPr id="6" name="TextBox 5">
-            <a:extLst>
-              <a:ext uri="{FF2B5EF4-FFF2-40B4-BE49-F238E27FC236}">
-                <a16:creationId xmlns:a16="http://schemas.microsoft.com/office/drawing/2014/main" id="{CE3884D6-3D08-4AC8-8271-4E19D5E764F5}"/>
-              </a:ext>
-            </a:extLst>
-          </p:cNvPr>
-          <p:cNvSpPr txBox="1"/>
-          <p:nvPr/>
-        </p:nvSpPr>
-        <p:spPr>
-          <a:xfrm>
-            <a:off x="9482021" y="5994621"/>
-            <a:ext cx="1414246" cy="276999"/>
-          </a:xfrm>
-          <a:prstGeom prst="rect">
-            <a:avLst/>
-          </a:prstGeom>
-          <a:noFill/>
-        </p:spPr>
-        <p:txBody>
-          <a:bodyPr vert="horz" wrap="square" rtlCol="0">
-            <a:spAutoFit/>
-          </a:bodyPr>
-          <a:lstStyle/>
-          <a:p>
-            <a:r>
-              <a:rPr lang="en-US" sz="1200" dirty="0"/>
-              <a:t>Miller et al. (2010)</a:t>
-            </a:r>
-          </a:p>
-        </p:txBody>
-      </p:sp>
-      <p:sp>
-        <p:nvSpPr>
-          <p:cNvPr id="8" name="Content Placeholder 2">
-            <a:extLst>
-              <a:ext uri="{FF2B5EF4-FFF2-40B4-BE49-F238E27FC236}">
-                <a16:creationId xmlns:a16="http://schemas.microsoft.com/office/drawing/2014/main" id="{45A4FF12-BEF8-3DD4-B8EF-8092B36F3033}"/>
-              </a:ext>
-            </a:extLst>
-          </p:cNvPr>
-          <p:cNvSpPr txBox="1">
-            <a:spLocks/>
-          </p:cNvSpPr>
-          <p:nvPr/>
-        </p:nvSpPr>
-        <p:spPr>
-          <a:xfrm>
-            <a:off x="1498982" y="1751818"/>
-            <a:ext cx="4383204" cy="3997828"/>
-          </a:xfrm>
-          <a:prstGeom prst="rect">
-            <a:avLst/>
-          </a:prstGeom>
-        </p:spPr>
-        <p:txBody>
-          <a:bodyPr vert="horz" lIns="91440" tIns="45720" rIns="91440" bIns="45720" rtlCol="0" anchor="t">
-            <a:normAutofit/>
-          </a:bodyPr>
-          <a:lstStyle>
-            <a:lvl1pPr marL="344488" indent="-344488" algn="l" defTabSz="914400" rtl="0" eaLnBrk="1" latinLnBrk="0" hangingPunct="1">
-              <a:lnSpc>
-                <a:spcPct val="120000"/>
-              </a:lnSpc>
-              <a:spcBef>
-                <a:spcPts val="1000"/>
-              </a:spcBef>
-              <a:spcAft>
-                <a:spcPts val="600"/>
-              </a:spcAft>
-              <a:buClr>
-                <a:schemeClr val="accent6"/>
-              </a:buClr>
-              <a:buSzPct val="90000"/>
-              <a:buFont typeface="Wingdings" panose="05000000000000000000" pitchFamily="2" charset="2"/>
-              <a:buChar char="§"/>
-              <a:defRPr sz="2000" kern="1200">
-                <a:solidFill>
-                  <a:schemeClr val="tx1"/>
-                </a:solidFill>
-                <a:effectLst/>
-                <a:latin typeface="+mn-lt"/>
-                <a:ea typeface="+mn-ea"/>
-                <a:cs typeface="+mn-cs"/>
-              </a:defRPr>
-            </a:lvl1pPr>
-            <a:lvl2pPr marL="795338" indent="-338138" algn="l" defTabSz="914400" rtl="0" eaLnBrk="1" latinLnBrk="0" hangingPunct="1">
-              <a:lnSpc>
-                <a:spcPct val="120000"/>
-              </a:lnSpc>
-              <a:spcBef>
-                <a:spcPts val="500"/>
-              </a:spcBef>
-              <a:spcAft>
-                <a:spcPts val="600"/>
-              </a:spcAft>
-              <a:buClr>
-                <a:schemeClr val="accent6"/>
-              </a:buClr>
-              <a:buSzPct val="90000"/>
-              <a:buFont typeface="Wingdings" panose="05000000000000000000" pitchFamily="2" charset="2"/>
-              <a:buChar char="§"/>
-              <a:defRPr sz="1800" kern="1200">
-                <a:solidFill>
-                  <a:schemeClr val="tx1"/>
-                </a:solidFill>
-                <a:effectLst/>
-                <a:latin typeface="+mn-lt"/>
-                <a:ea typeface="+mn-ea"/>
-                <a:cs typeface="+mn-cs"/>
-              </a:defRPr>
-            </a:lvl2pPr>
-            <a:lvl3pPr marL="1258888" indent="-344488" algn="l" defTabSz="914400" rtl="0" eaLnBrk="1" latinLnBrk="0" hangingPunct="1">
-              <a:lnSpc>
-                <a:spcPct val="120000"/>
-              </a:lnSpc>
-              <a:spcBef>
-                <a:spcPts val="500"/>
-              </a:spcBef>
-              <a:spcAft>
-                <a:spcPts val="600"/>
-              </a:spcAft>
-              <a:buClr>
-                <a:schemeClr val="accent6"/>
-              </a:buClr>
-              <a:buSzPct val="90000"/>
-              <a:buFont typeface="Wingdings" panose="05000000000000000000" pitchFamily="2" charset="2"/>
-              <a:buChar char="§"/>
-              <a:defRPr sz="1600" kern="1200">
-                <a:solidFill>
-                  <a:schemeClr val="tx1"/>
-                </a:solidFill>
-                <a:effectLst/>
-                <a:latin typeface="+mn-lt"/>
-                <a:ea typeface="+mn-ea"/>
-                <a:cs typeface="+mn-cs"/>
-              </a:defRPr>
-            </a:lvl3pPr>
-            <a:lvl4pPr marL="1709738" indent="-338138" algn="l" defTabSz="914400" rtl="0" eaLnBrk="1" latinLnBrk="0" hangingPunct="1">
-              <a:lnSpc>
-                <a:spcPct val="120000"/>
-              </a:lnSpc>
-              <a:spcBef>
-                <a:spcPts val="500"/>
-              </a:spcBef>
-              <a:spcAft>
-                <a:spcPts val="600"/>
-              </a:spcAft>
-              <a:buClr>
-                <a:schemeClr val="accent6"/>
-              </a:buClr>
-              <a:buSzPct val="90000"/>
-              <a:buFont typeface="Wingdings" panose="05000000000000000000" pitchFamily="2" charset="2"/>
-              <a:buChar char="§"/>
-              <a:defRPr sz="1400" kern="1200">
-                <a:solidFill>
-                  <a:schemeClr val="tx1"/>
-                </a:solidFill>
-                <a:effectLst/>
-                <a:latin typeface="+mn-lt"/>
-                <a:ea typeface="+mn-ea"/>
-                <a:cs typeface="+mn-cs"/>
-              </a:defRPr>
-            </a:lvl4pPr>
-            <a:lvl5pPr marL="2173288" indent="-344488" algn="l" defTabSz="914400" rtl="0" eaLnBrk="1" latinLnBrk="0" hangingPunct="1">
-              <a:lnSpc>
-                <a:spcPct val="120000"/>
-              </a:lnSpc>
-              <a:spcBef>
-                <a:spcPts val="500"/>
-              </a:spcBef>
-              <a:spcAft>
-                <a:spcPts val="600"/>
-              </a:spcAft>
-              <a:buClr>
-                <a:schemeClr val="accent6"/>
-              </a:buClr>
-              <a:buSzPct val="90000"/>
-              <a:buFont typeface="Wingdings" panose="05000000000000000000" pitchFamily="2" charset="2"/>
-              <a:buChar char="§"/>
-              <a:defRPr sz="1200" kern="1200">
-                <a:solidFill>
-                  <a:schemeClr val="tx1"/>
-                </a:solidFill>
-                <a:effectLst/>
-                <a:latin typeface="+mn-lt"/>
-                <a:ea typeface="+mn-ea"/>
-                <a:cs typeface="+mn-cs"/>
-              </a:defRPr>
-            </a:lvl5pPr>
-            <a:lvl6pPr marL="2642616" indent="-338328" algn="l" defTabSz="914400" rtl="0" eaLnBrk="1" latinLnBrk="0" hangingPunct="1">
-              <a:lnSpc>
-                <a:spcPct val="120000"/>
-              </a:lnSpc>
-              <a:spcBef>
-                <a:spcPts val="500"/>
-              </a:spcBef>
-              <a:spcAft>
-                <a:spcPts val="600"/>
-              </a:spcAft>
-              <a:buClr>
-                <a:schemeClr val="accent6"/>
-              </a:buClr>
-              <a:buSzPct val="90000"/>
-              <a:buFont typeface="Wingdings" panose="05000000000000000000" pitchFamily="2" charset="2"/>
-              <a:buChar char="§"/>
-              <a:defRPr sz="1200" kern="1200" baseline="0">
-                <a:solidFill>
-                  <a:schemeClr val="tx1"/>
-                </a:solidFill>
-                <a:effectLst/>
-                <a:latin typeface="+mn-lt"/>
-                <a:ea typeface="+mn-ea"/>
-                <a:cs typeface="+mn-cs"/>
-              </a:defRPr>
-            </a:lvl6pPr>
-            <a:lvl7pPr marL="3108960" indent="-338328" algn="l" defTabSz="914400" rtl="0" eaLnBrk="1" latinLnBrk="0" hangingPunct="1">
-              <a:lnSpc>
-                <a:spcPct val="120000"/>
-              </a:lnSpc>
-              <a:spcBef>
-                <a:spcPts val="500"/>
-              </a:spcBef>
-              <a:spcAft>
-                <a:spcPts val="600"/>
-              </a:spcAft>
-              <a:buClr>
-                <a:schemeClr val="accent6"/>
-              </a:buClr>
-              <a:buSzPct val="90000"/>
-              <a:buFont typeface="Wingdings" panose="05000000000000000000" pitchFamily="2" charset="2"/>
-              <a:buChar char="§"/>
-              <a:defRPr sz="1200" kern="1200" baseline="0">
-                <a:solidFill>
-                  <a:schemeClr val="tx1"/>
-                </a:solidFill>
-                <a:effectLst/>
-                <a:latin typeface="+mn-lt"/>
-                <a:ea typeface="+mn-ea"/>
-                <a:cs typeface="+mn-cs"/>
-              </a:defRPr>
-            </a:lvl7pPr>
-            <a:lvl8pPr marL="3575304" indent="-338328" algn="l" defTabSz="914400" rtl="0" eaLnBrk="1" latinLnBrk="0" hangingPunct="1">
-              <a:lnSpc>
-                <a:spcPct val="120000"/>
-              </a:lnSpc>
-              <a:spcBef>
-                <a:spcPts val="500"/>
-              </a:spcBef>
-              <a:spcAft>
-                <a:spcPts val="600"/>
-              </a:spcAft>
-              <a:buClr>
-                <a:schemeClr val="accent6"/>
-              </a:buClr>
-              <a:buSzPct val="90000"/>
-              <a:buFont typeface="Wingdings" panose="05000000000000000000" pitchFamily="2" charset="2"/>
-              <a:buChar char="§"/>
-              <a:defRPr sz="1200" kern="1200" baseline="0">
-                <a:solidFill>
-                  <a:schemeClr val="tx1"/>
-                </a:solidFill>
-                <a:effectLst/>
-                <a:latin typeface="+mn-lt"/>
-                <a:ea typeface="+mn-ea"/>
-                <a:cs typeface="+mn-cs"/>
-              </a:defRPr>
-            </a:lvl8pPr>
-            <a:lvl9pPr marL="4041648" indent="-338328" algn="l" defTabSz="914400" rtl="0" eaLnBrk="1" latinLnBrk="0" hangingPunct="1">
-              <a:lnSpc>
-                <a:spcPct val="120000"/>
-              </a:lnSpc>
-              <a:spcBef>
-                <a:spcPts val="500"/>
-              </a:spcBef>
-              <a:spcAft>
-                <a:spcPts val="600"/>
-              </a:spcAft>
-              <a:buClr>
-                <a:schemeClr val="accent6"/>
-              </a:buClr>
-              <a:buSzPct val="90000"/>
-              <a:buFont typeface="Wingdings" panose="05000000000000000000" pitchFamily="2" charset="2"/>
-              <a:buChar char="§"/>
-              <a:defRPr sz="1200" kern="1200" baseline="0">
-                <a:solidFill>
-                  <a:schemeClr val="tx1"/>
-                </a:solidFill>
-                <a:effectLst/>
-                <a:latin typeface="+mn-lt"/>
-                <a:ea typeface="+mn-ea"/>
-                <a:cs typeface="+mn-cs"/>
-              </a:defRPr>
-            </a:lvl9pPr>
-          </a:lstStyle>
-          <a:p>
-            <a:r>
-              <a:rPr lang="en-US" dirty="0"/>
-              <a:t>relative power in </a:t>
-            </a:r>
-            <a:r>
-              <a:rPr lang="en-US" b="1" dirty="0"/>
-              <a:t>beta</a:t>
-            </a:r>
-            <a:r>
-              <a:rPr lang="en-US" dirty="0"/>
-              <a:t> frequency </a:t>
-            </a:r>
-            <a:r>
-              <a:rPr lang="en-US" u="sng" dirty="0"/>
-              <a:t>decreases</a:t>
-            </a:r>
-            <a:r>
-              <a:rPr lang="en-US" dirty="0"/>
-              <a:t> within motor cortex during movement (event related desynchronization, ERD)</a:t>
-            </a:r>
-          </a:p>
-          <a:p>
-            <a:r>
-              <a:rPr lang="en-US" dirty="0"/>
-              <a:t>relative power in </a:t>
-            </a:r>
-            <a:r>
-              <a:rPr lang="en-US" b="1" dirty="0"/>
-              <a:t>high gamma </a:t>
-            </a:r>
-            <a:r>
-              <a:rPr lang="en-US" dirty="0"/>
-              <a:t>frequency </a:t>
-            </a:r>
-            <a:r>
-              <a:rPr lang="en-US" u="sng" dirty="0"/>
-              <a:t>increases</a:t>
-            </a:r>
-            <a:r>
-              <a:rPr lang="en-US" dirty="0"/>
-              <a:t> during movement (event related synchronization, ERS)</a:t>
-            </a:r>
-          </a:p>
-        </p:txBody>
-      </p:sp>
-    </p:spTree>
-    <p:extLst>
-      <p:ext uri="{BB962C8B-B14F-4D97-AF65-F5344CB8AC3E}">
-        <p14:creationId xmlns:p14="http://schemas.microsoft.com/office/powerpoint/2010/main" val="483844281"/>
-      </p:ext>
-    </p:extLst>
-  </p:cSld>
-  <p:clrMapOvr>
-    <a:masterClrMapping/>
-  </p:clrMapOvr>
-</p:sld>
-</file>
-
 <file path=ppt/slides/slide3.xml><?xml version="1.0" encoding="utf-8"?>
 <p:sld xmlns:a="http://schemas.openxmlformats.org/drawingml/2006/main" xmlns:r="http://schemas.openxmlformats.org/officeDocument/2006/relationships" xmlns:p="http://schemas.openxmlformats.org/presentationml/2006/main">
   <p:cSld>
@@ -8218,7 +8500,7 @@
           <a:p>
             <a:r>
               <a:rPr lang="en-US" dirty="0"/>
-              <a:t>Results | ERD</a:t>
+              <a:t>Results | ERD/ERS</a:t>
             </a:r>
             <a:br>
               <a:rPr lang="en-US" dirty="0"/>
@@ -8415,7 +8697,7 @@
           <a:p>
             <a:r>
               <a:rPr lang="en-US" dirty="0"/>
-              <a:t>Results | ERD</a:t>
+              <a:t>Results | ERD/ERS</a:t>
             </a:r>
             <a:br>
               <a:rPr lang="en-US" dirty="0"/>

--- a/presentation.pptx
+++ b/presentation.pptx
@@ -4,27 +4,29 @@
   <p:sldMasterIdLst>
     <p:sldMasterId id="2147483828" r:id="rId1"/>
   </p:sldMasterIdLst>
+  <p:notesMasterIdLst>
+    <p:notesMasterId r:id="rId21"/>
+  </p:notesMasterIdLst>
   <p:sldIdLst>
     <p:sldId id="256" r:id="rId2"/>
     <p:sldId id="257" r:id="rId3"/>
-    <p:sldId id="265" r:id="rId4"/>
-    <p:sldId id="263" r:id="rId5"/>
-    <p:sldId id="268" r:id="rId6"/>
-    <p:sldId id="264" r:id="rId7"/>
-    <p:sldId id="258" r:id="rId8"/>
-    <p:sldId id="259" r:id="rId9"/>
-    <p:sldId id="271" r:id="rId10"/>
-    <p:sldId id="272" r:id="rId11"/>
-    <p:sldId id="277" r:id="rId12"/>
-    <p:sldId id="273" r:id="rId13"/>
-    <p:sldId id="275" r:id="rId14"/>
-    <p:sldId id="276" r:id="rId15"/>
-    <p:sldId id="260" r:id="rId16"/>
-    <p:sldId id="261" r:id="rId17"/>
-    <p:sldId id="270" r:id="rId18"/>
-    <p:sldId id="274" r:id="rId19"/>
-    <p:sldId id="269" r:id="rId20"/>
-    <p:sldId id="262" r:id="rId21"/>
+    <p:sldId id="263" r:id="rId4"/>
+    <p:sldId id="268" r:id="rId5"/>
+    <p:sldId id="264" r:id="rId6"/>
+    <p:sldId id="258" r:id="rId7"/>
+    <p:sldId id="259" r:id="rId8"/>
+    <p:sldId id="271" r:id="rId9"/>
+    <p:sldId id="272" r:id="rId10"/>
+    <p:sldId id="277" r:id="rId11"/>
+    <p:sldId id="273" r:id="rId12"/>
+    <p:sldId id="275" r:id="rId13"/>
+    <p:sldId id="276" r:id="rId14"/>
+    <p:sldId id="260" r:id="rId15"/>
+    <p:sldId id="261" r:id="rId16"/>
+    <p:sldId id="270" r:id="rId17"/>
+    <p:sldId id="274" r:id="rId18"/>
+    <p:sldId id="269" r:id="rId19"/>
+    <p:sldId id="262" r:id="rId20"/>
   </p:sldIdLst>
   <p:sldSz cx="12192000" cy="6858000"/>
   <p:notesSz cx="6858000" cy="9144000"/>
@@ -129,6 +131,559 @@
     </p:ext>
   </p:extLst>
 </p:presentation>
+</file>
+
+<file path=ppt/notesMasters/notesMaster1.xml><?xml version="1.0" encoding="utf-8"?>
+<p:notesMaster xmlns:a="http://schemas.openxmlformats.org/drawingml/2006/main" xmlns:r="http://schemas.openxmlformats.org/officeDocument/2006/relationships" xmlns:p="http://schemas.openxmlformats.org/presentationml/2006/main">
+  <p:cSld>
+    <p:bg>
+      <p:bgRef idx="1001">
+        <a:schemeClr val="bg1"/>
+      </p:bgRef>
+    </p:bg>
+    <p:spTree>
+      <p:nvGrpSpPr>
+        <p:cNvPr id="1" name=""/>
+        <p:cNvGrpSpPr/>
+        <p:nvPr/>
+      </p:nvGrpSpPr>
+      <p:grpSpPr>
+        <a:xfrm>
+          <a:off x="0" y="0"/>
+          <a:ext cx="0" cy="0"/>
+          <a:chOff x="0" y="0"/>
+          <a:chExt cx="0" cy="0"/>
+        </a:xfrm>
+      </p:grpSpPr>
+      <p:sp>
+        <p:nvSpPr>
+          <p:cNvPr id="2" name="Header Placeholder 1"/>
+          <p:cNvSpPr>
+            <a:spLocks noGrp="1"/>
+          </p:cNvSpPr>
+          <p:nvPr>
+            <p:ph type="hdr" sz="quarter"/>
+          </p:nvPr>
+        </p:nvSpPr>
+        <p:spPr>
+          <a:xfrm>
+            <a:off x="0" y="0"/>
+            <a:ext cx="2971800" cy="458788"/>
+          </a:xfrm>
+          <a:prstGeom prst="rect">
+            <a:avLst/>
+          </a:prstGeom>
+        </p:spPr>
+        <p:txBody>
+          <a:bodyPr vert="horz" lIns="91440" tIns="45720" rIns="91440" bIns="45720" rtlCol="0"/>
+          <a:lstStyle>
+            <a:lvl1pPr algn="l">
+              <a:defRPr sz="1200"/>
+            </a:lvl1pPr>
+          </a:lstStyle>
+          <a:p>
+            <a:endParaRPr lang="en-US"/>
+          </a:p>
+        </p:txBody>
+      </p:sp>
+      <p:sp>
+        <p:nvSpPr>
+          <p:cNvPr id="3" name="Date Placeholder 2"/>
+          <p:cNvSpPr>
+            <a:spLocks noGrp="1"/>
+          </p:cNvSpPr>
+          <p:nvPr>
+            <p:ph type="dt" idx="1"/>
+          </p:nvPr>
+        </p:nvSpPr>
+        <p:spPr>
+          <a:xfrm>
+            <a:off x="3884613" y="0"/>
+            <a:ext cx="2971800" cy="458788"/>
+          </a:xfrm>
+          <a:prstGeom prst="rect">
+            <a:avLst/>
+          </a:prstGeom>
+        </p:spPr>
+        <p:txBody>
+          <a:bodyPr vert="horz" lIns="91440" tIns="45720" rIns="91440" bIns="45720" rtlCol="0"/>
+          <a:lstStyle>
+            <a:lvl1pPr algn="r">
+              <a:defRPr sz="1200"/>
+            </a:lvl1pPr>
+          </a:lstStyle>
+          <a:p>
+            <a:fld id="{9C32196E-C02A-E443-B7E9-38C675B774EA}" type="datetimeFigureOut">
+              <a:rPr lang="en-US" smtClean="0"/>
+              <a:t>7/28/22</a:t>
+            </a:fld>
+            <a:endParaRPr lang="en-US"/>
+          </a:p>
+        </p:txBody>
+      </p:sp>
+      <p:sp>
+        <p:nvSpPr>
+          <p:cNvPr id="4" name="Slide Image Placeholder 3"/>
+          <p:cNvSpPr>
+            <a:spLocks noGrp="1" noRot="1" noChangeAspect="1"/>
+          </p:cNvSpPr>
+          <p:nvPr>
+            <p:ph type="sldImg" idx="2"/>
+          </p:nvPr>
+        </p:nvSpPr>
+        <p:spPr>
+          <a:xfrm>
+            <a:off x="685800" y="1143000"/>
+            <a:ext cx="5486400" cy="3086100"/>
+          </a:xfrm>
+          <a:prstGeom prst="rect">
+            <a:avLst/>
+          </a:prstGeom>
+          <a:noFill/>
+          <a:ln w="12700">
+            <a:solidFill>
+              <a:prstClr val="black"/>
+            </a:solidFill>
+          </a:ln>
+        </p:spPr>
+        <p:txBody>
+          <a:bodyPr vert="horz" lIns="91440" tIns="45720" rIns="91440" bIns="45720" rtlCol="0" anchor="ctr"/>
+          <a:lstStyle/>
+          <a:p>
+            <a:endParaRPr lang="en-US"/>
+          </a:p>
+        </p:txBody>
+      </p:sp>
+      <p:sp>
+        <p:nvSpPr>
+          <p:cNvPr id="5" name="Notes Placeholder 4"/>
+          <p:cNvSpPr>
+            <a:spLocks noGrp="1"/>
+          </p:cNvSpPr>
+          <p:nvPr>
+            <p:ph type="body" sz="quarter" idx="3"/>
+          </p:nvPr>
+        </p:nvSpPr>
+        <p:spPr>
+          <a:xfrm>
+            <a:off x="685800" y="4400550"/>
+            <a:ext cx="5486400" cy="3600450"/>
+          </a:xfrm>
+          <a:prstGeom prst="rect">
+            <a:avLst/>
+          </a:prstGeom>
+        </p:spPr>
+        <p:txBody>
+          <a:bodyPr vert="horz" lIns="91440" tIns="45720" rIns="91440" bIns="45720" rtlCol="0"/>
+          <a:lstStyle/>
+          <a:p>
+            <a:pPr lvl="0"/>
+            <a:r>
+              <a:rPr lang="en-US"/>
+              <a:t>Click to edit Master text styles</a:t>
+            </a:r>
+          </a:p>
+          <a:p>
+            <a:pPr lvl="1"/>
+            <a:r>
+              <a:rPr lang="en-US"/>
+              <a:t>Second level</a:t>
+            </a:r>
+          </a:p>
+          <a:p>
+            <a:pPr lvl="2"/>
+            <a:r>
+              <a:rPr lang="en-US"/>
+              <a:t>Third level</a:t>
+            </a:r>
+          </a:p>
+          <a:p>
+            <a:pPr lvl="3"/>
+            <a:r>
+              <a:rPr lang="en-US"/>
+              <a:t>Fourth level</a:t>
+            </a:r>
+          </a:p>
+          <a:p>
+            <a:pPr lvl="4"/>
+            <a:r>
+              <a:rPr lang="en-US"/>
+              <a:t>Fifth level</a:t>
+            </a:r>
+          </a:p>
+        </p:txBody>
+      </p:sp>
+      <p:sp>
+        <p:nvSpPr>
+          <p:cNvPr id="6" name="Footer Placeholder 5"/>
+          <p:cNvSpPr>
+            <a:spLocks noGrp="1"/>
+          </p:cNvSpPr>
+          <p:nvPr>
+            <p:ph type="ftr" sz="quarter" idx="4"/>
+          </p:nvPr>
+        </p:nvSpPr>
+        <p:spPr>
+          <a:xfrm>
+            <a:off x="0" y="8685213"/>
+            <a:ext cx="2971800" cy="458787"/>
+          </a:xfrm>
+          <a:prstGeom prst="rect">
+            <a:avLst/>
+          </a:prstGeom>
+        </p:spPr>
+        <p:txBody>
+          <a:bodyPr vert="horz" lIns="91440" tIns="45720" rIns="91440" bIns="45720" rtlCol="0" anchor="b"/>
+          <a:lstStyle>
+            <a:lvl1pPr algn="l">
+              <a:defRPr sz="1200"/>
+            </a:lvl1pPr>
+          </a:lstStyle>
+          <a:p>
+            <a:endParaRPr lang="en-US"/>
+          </a:p>
+        </p:txBody>
+      </p:sp>
+      <p:sp>
+        <p:nvSpPr>
+          <p:cNvPr id="7" name="Slide Number Placeholder 6"/>
+          <p:cNvSpPr>
+            <a:spLocks noGrp="1"/>
+          </p:cNvSpPr>
+          <p:nvPr>
+            <p:ph type="sldNum" sz="quarter" idx="5"/>
+          </p:nvPr>
+        </p:nvSpPr>
+        <p:spPr>
+          <a:xfrm>
+            <a:off x="3884613" y="8685213"/>
+            <a:ext cx="2971800" cy="458787"/>
+          </a:xfrm>
+          <a:prstGeom prst="rect">
+            <a:avLst/>
+          </a:prstGeom>
+        </p:spPr>
+        <p:txBody>
+          <a:bodyPr vert="horz" lIns="91440" tIns="45720" rIns="91440" bIns="45720" rtlCol="0" anchor="b"/>
+          <a:lstStyle>
+            <a:lvl1pPr algn="r">
+              <a:defRPr sz="1200"/>
+            </a:lvl1pPr>
+          </a:lstStyle>
+          <a:p>
+            <a:fld id="{82B4990A-4A1F-C748-A4F9-730867261A9F}" type="slidenum">
+              <a:rPr lang="en-US" smtClean="0"/>
+              <a:t>‹#›</a:t>
+            </a:fld>
+            <a:endParaRPr lang="en-US"/>
+          </a:p>
+        </p:txBody>
+      </p:sp>
+    </p:spTree>
+    <p:extLst>
+      <p:ext uri="{BB962C8B-B14F-4D97-AF65-F5344CB8AC3E}">
+        <p14:creationId xmlns:p14="http://schemas.microsoft.com/office/powerpoint/2010/main" val="2778671774"/>
+      </p:ext>
+    </p:extLst>
+  </p:cSld>
+  <p:clrMap bg1="lt1" tx1="dk1" bg2="lt2" tx2="dk2" accent1="accent1" accent2="accent2" accent3="accent3" accent4="accent4" accent5="accent5" accent6="accent6" hlink="hlink" folHlink="folHlink"/>
+  <p:notesStyle>
+    <a:lvl1pPr marL="0" algn="l" defTabSz="914400" rtl="0" eaLnBrk="1" latinLnBrk="0" hangingPunct="1">
+      <a:defRPr sz="1200" kern="1200">
+        <a:solidFill>
+          <a:schemeClr val="tx1"/>
+        </a:solidFill>
+        <a:latin typeface="+mn-lt"/>
+        <a:ea typeface="+mn-ea"/>
+        <a:cs typeface="+mn-cs"/>
+      </a:defRPr>
+    </a:lvl1pPr>
+    <a:lvl2pPr marL="457200" algn="l" defTabSz="914400" rtl="0" eaLnBrk="1" latinLnBrk="0" hangingPunct="1">
+      <a:defRPr sz="1200" kern="1200">
+        <a:solidFill>
+          <a:schemeClr val="tx1"/>
+        </a:solidFill>
+        <a:latin typeface="+mn-lt"/>
+        <a:ea typeface="+mn-ea"/>
+        <a:cs typeface="+mn-cs"/>
+      </a:defRPr>
+    </a:lvl2pPr>
+    <a:lvl3pPr marL="914400" algn="l" defTabSz="914400" rtl="0" eaLnBrk="1" latinLnBrk="0" hangingPunct="1">
+      <a:defRPr sz="1200" kern="1200">
+        <a:solidFill>
+          <a:schemeClr val="tx1"/>
+        </a:solidFill>
+        <a:latin typeface="+mn-lt"/>
+        <a:ea typeface="+mn-ea"/>
+        <a:cs typeface="+mn-cs"/>
+      </a:defRPr>
+    </a:lvl3pPr>
+    <a:lvl4pPr marL="1371600" algn="l" defTabSz="914400" rtl="0" eaLnBrk="1" latinLnBrk="0" hangingPunct="1">
+      <a:defRPr sz="1200" kern="1200">
+        <a:solidFill>
+          <a:schemeClr val="tx1"/>
+        </a:solidFill>
+        <a:latin typeface="+mn-lt"/>
+        <a:ea typeface="+mn-ea"/>
+        <a:cs typeface="+mn-cs"/>
+      </a:defRPr>
+    </a:lvl4pPr>
+    <a:lvl5pPr marL="1828800" algn="l" defTabSz="914400" rtl="0" eaLnBrk="1" latinLnBrk="0" hangingPunct="1">
+      <a:defRPr sz="1200" kern="1200">
+        <a:solidFill>
+          <a:schemeClr val="tx1"/>
+        </a:solidFill>
+        <a:latin typeface="+mn-lt"/>
+        <a:ea typeface="+mn-ea"/>
+        <a:cs typeface="+mn-cs"/>
+      </a:defRPr>
+    </a:lvl5pPr>
+    <a:lvl6pPr marL="2286000" algn="l" defTabSz="914400" rtl="0" eaLnBrk="1" latinLnBrk="0" hangingPunct="1">
+      <a:defRPr sz="1200" kern="1200">
+        <a:solidFill>
+          <a:schemeClr val="tx1"/>
+        </a:solidFill>
+        <a:latin typeface="+mn-lt"/>
+        <a:ea typeface="+mn-ea"/>
+        <a:cs typeface="+mn-cs"/>
+      </a:defRPr>
+    </a:lvl6pPr>
+    <a:lvl7pPr marL="2743200" algn="l" defTabSz="914400" rtl="0" eaLnBrk="1" latinLnBrk="0" hangingPunct="1">
+      <a:defRPr sz="1200" kern="1200">
+        <a:solidFill>
+          <a:schemeClr val="tx1"/>
+        </a:solidFill>
+        <a:latin typeface="+mn-lt"/>
+        <a:ea typeface="+mn-ea"/>
+        <a:cs typeface="+mn-cs"/>
+      </a:defRPr>
+    </a:lvl7pPr>
+    <a:lvl8pPr marL="3200400" algn="l" defTabSz="914400" rtl="0" eaLnBrk="1" latinLnBrk="0" hangingPunct="1">
+      <a:defRPr sz="1200" kern="1200">
+        <a:solidFill>
+          <a:schemeClr val="tx1"/>
+        </a:solidFill>
+        <a:latin typeface="+mn-lt"/>
+        <a:ea typeface="+mn-ea"/>
+        <a:cs typeface="+mn-cs"/>
+      </a:defRPr>
+    </a:lvl8pPr>
+    <a:lvl9pPr marL="3657600" algn="l" defTabSz="914400" rtl="0" eaLnBrk="1" latinLnBrk="0" hangingPunct="1">
+      <a:defRPr sz="1200" kern="1200">
+        <a:solidFill>
+          <a:schemeClr val="tx1"/>
+        </a:solidFill>
+        <a:latin typeface="+mn-lt"/>
+        <a:ea typeface="+mn-ea"/>
+        <a:cs typeface="+mn-cs"/>
+      </a:defRPr>
+    </a:lvl9pPr>
+  </p:notesStyle>
+</p:notesMaster>
+</file>
+
+<file path=ppt/notesSlides/notesSlide1.xml><?xml version="1.0" encoding="utf-8"?>
+<p:notes xmlns:a="http://schemas.openxmlformats.org/drawingml/2006/main" xmlns:r="http://schemas.openxmlformats.org/officeDocument/2006/relationships" xmlns:p="http://schemas.openxmlformats.org/presentationml/2006/main">
+  <p:cSld>
+    <p:spTree>
+      <p:nvGrpSpPr>
+        <p:cNvPr id="1" name=""/>
+        <p:cNvGrpSpPr/>
+        <p:nvPr/>
+      </p:nvGrpSpPr>
+      <p:grpSpPr>
+        <a:xfrm>
+          <a:off x="0" y="0"/>
+          <a:ext cx="0" cy="0"/>
+          <a:chOff x="0" y="0"/>
+          <a:chExt cx="0" cy="0"/>
+        </a:xfrm>
+      </p:grpSpPr>
+      <p:sp>
+        <p:nvSpPr>
+          <p:cNvPr id="2" name="Slide Image Placeholder 1"/>
+          <p:cNvSpPr>
+            <a:spLocks noGrp="1" noRot="1" noChangeAspect="1"/>
+          </p:cNvSpPr>
+          <p:nvPr>
+            <p:ph type="sldImg"/>
+          </p:nvPr>
+        </p:nvSpPr>
+        <p:spPr/>
+      </p:sp>
+      <p:sp>
+        <p:nvSpPr>
+          <p:cNvPr id="3" name="Notes Placeholder 2"/>
+          <p:cNvSpPr>
+            <a:spLocks noGrp="1"/>
+          </p:cNvSpPr>
+          <p:nvPr>
+            <p:ph type="body" idx="1"/>
+          </p:nvPr>
+        </p:nvSpPr>
+        <p:spPr/>
+        <p:txBody>
+          <a:bodyPr/>
+          <a:lstStyle/>
+          <a:p>
+            <a:pPr marL="0" indent="0">
+              <a:buNone/>
+            </a:pPr>
+            <a:r>
+              <a:rPr lang="en-US" b="1" u="sng" dirty="0"/>
+              <a:t>Hypotheses</a:t>
+            </a:r>
+          </a:p>
+          <a:p>
+            <a:pPr marL="457200" indent="-457200">
+              <a:buFont typeface="+mj-lt"/>
+              <a:buAutoNum type="alphaUcPeriod"/>
+            </a:pPr>
+            <a:r>
+              <a:rPr lang="en-US" dirty="0"/>
+              <a:t>Similar ERD in beta frequency between actual and imagined</a:t>
+            </a:r>
+          </a:p>
+          <a:p>
+            <a:pPr marL="457200" indent="-457200">
+              <a:buFont typeface="+mj-lt"/>
+              <a:buAutoNum type="alphaUcPeriod"/>
+            </a:pPr>
+            <a:r>
+              <a:rPr lang="en-US" dirty="0"/>
+              <a:t>Attenuated changes in high gamma frequency for imagined movements in comparison with actual movements</a:t>
+            </a:r>
+          </a:p>
+          <a:p>
+            <a:pPr marL="457200" indent="-457200">
+              <a:buFont typeface="+mj-lt"/>
+              <a:buAutoNum type="alphaUcPeriod"/>
+            </a:pPr>
+            <a:r>
+              <a:rPr lang="en-US" dirty="0"/>
+              <a:t>Beta only models will significantly underperform in the discrimination task</a:t>
+            </a:r>
+          </a:p>
+        </p:txBody>
+      </p:sp>
+      <p:sp>
+        <p:nvSpPr>
+          <p:cNvPr id="4" name="Slide Number Placeholder 3"/>
+          <p:cNvSpPr>
+            <a:spLocks noGrp="1"/>
+          </p:cNvSpPr>
+          <p:nvPr>
+            <p:ph type="sldNum" sz="quarter" idx="5"/>
+          </p:nvPr>
+        </p:nvSpPr>
+        <p:spPr/>
+        <p:txBody>
+          <a:bodyPr/>
+          <a:lstStyle/>
+          <a:p>
+            <a:fld id="{82B4990A-4A1F-C748-A4F9-730867261A9F}" type="slidenum">
+              <a:rPr lang="en-US" smtClean="0"/>
+              <a:t>3</a:t>
+            </a:fld>
+            <a:endParaRPr lang="en-US"/>
+          </a:p>
+        </p:txBody>
+      </p:sp>
+    </p:spTree>
+    <p:extLst>
+      <p:ext uri="{BB962C8B-B14F-4D97-AF65-F5344CB8AC3E}">
+        <p14:creationId xmlns:p14="http://schemas.microsoft.com/office/powerpoint/2010/main" val="2401526002"/>
+      </p:ext>
+    </p:extLst>
+  </p:cSld>
+  <p:clrMapOvr>
+    <a:masterClrMapping/>
+  </p:clrMapOvr>
+</p:notes>
+</file>
+
+<file path=ppt/notesSlides/notesSlide2.xml><?xml version="1.0" encoding="utf-8"?>
+<p:notes xmlns:a="http://schemas.openxmlformats.org/drawingml/2006/main" xmlns:r="http://schemas.openxmlformats.org/officeDocument/2006/relationships" xmlns:p="http://schemas.openxmlformats.org/presentationml/2006/main">
+  <p:cSld>
+    <p:spTree>
+      <p:nvGrpSpPr>
+        <p:cNvPr id="1" name=""/>
+        <p:cNvGrpSpPr/>
+        <p:nvPr/>
+      </p:nvGrpSpPr>
+      <p:grpSpPr>
+        <a:xfrm>
+          <a:off x="0" y="0"/>
+          <a:ext cx="0" cy="0"/>
+          <a:chOff x="0" y="0"/>
+          <a:chExt cx="0" cy="0"/>
+        </a:xfrm>
+      </p:grpSpPr>
+      <p:sp>
+        <p:nvSpPr>
+          <p:cNvPr id="2" name="Slide Image Placeholder 1"/>
+          <p:cNvSpPr>
+            <a:spLocks noGrp="1" noRot="1" noChangeAspect="1"/>
+          </p:cNvSpPr>
+          <p:nvPr>
+            <p:ph type="sldImg"/>
+          </p:nvPr>
+        </p:nvSpPr>
+        <p:spPr/>
+      </p:sp>
+      <p:sp>
+        <p:nvSpPr>
+          <p:cNvPr id="3" name="Notes Placeholder 2"/>
+          <p:cNvSpPr>
+            <a:spLocks noGrp="1"/>
+          </p:cNvSpPr>
+          <p:nvPr>
+            <p:ph type="body" idx="1"/>
+          </p:nvPr>
+        </p:nvSpPr>
+        <p:spPr/>
+        <p:txBody>
+          <a:bodyPr/>
+          <a:lstStyle/>
+          <a:p>
+            <a:endParaRPr lang="en-US"/>
+          </a:p>
+        </p:txBody>
+      </p:sp>
+      <p:sp>
+        <p:nvSpPr>
+          <p:cNvPr id="4" name="Slide Number Placeholder 3"/>
+          <p:cNvSpPr>
+            <a:spLocks noGrp="1"/>
+          </p:cNvSpPr>
+          <p:nvPr>
+            <p:ph type="sldNum" sz="quarter" idx="5"/>
+          </p:nvPr>
+        </p:nvSpPr>
+        <p:spPr/>
+        <p:txBody>
+          <a:bodyPr/>
+          <a:lstStyle/>
+          <a:p>
+            <a:fld id="{82B4990A-4A1F-C748-A4F9-730867261A9F}" type="slidenum">
+              <a:rPr lang="en-US" smtClean="0"/>
+              <a:t>6</a:t>
+            </a:fld>
+            <a:endParaRPr lang="en-US"/>
+          </a:p>
+        </p:txBody>
+      </p:sp>
+    </p:spTree>
+    <p:extLst>
+      <p:ext uri="{BB962C8B-B14F-4D97-AF65-F5344CB8AC3E}">
+        <p14:creationId xmlns:p14="http://schemas.microsoft.com/office/powerpoint/2010/main" val="164245717"/>
+      </p:ext>
+    </p:extLst>
+  </p:cSld>
+  <p:clrMapOvr>
+    <a:masterClrMapping/>
+  </p:clrMapOvr>
+</p:notes>
 </file>
 
 <file path=ppt/slideLayouts/slideLayout1.xml><?xml version="1.0" encoding="utf-8"?>
@@ -4581,18 +5136,87 @@
           <a:p>
             <a:r>
               <a:rPr lang="en-US" dirty="0"/>
-              <a:t>sample</a:t>
-            </a:r>
-            <a:endParaRPr lang="en-US" sz="2400" dirty="0"/>
+              <a:t>Results | ERD/ERS</a:t>
+            </a:r>
+            <a:br>
+              <a:rPr lang="en-US" dirty="0"/>
+            </a:br>
+            <a:r>
+              <a:rPr lang="en-US" sz="2400" dirty="0"/>
+              <a:t>S1 Hand, Electrode 27</a:t>
+            </a:r>
+          </a:p>
+        </p:txBody>
+      </p:sp>
+      <p:sp>
+        <p:nvSpPr>
+          <p:cNvPr id="7" name="TextBox 6">
+            <a:extLst>
+              <a:ext uri="{FF2B5EF4-FFF2-40B4-BE49-F238E27FC236}">
+                <a16:creationId xmlns:a16="http://schemas.microsoft.com/office/drawing/2014/main" id="{491C672F-5F1C-145B-D2AA-0489F3EE2464}"/>
+              </a:ext>
+            </a:extLst>
+          </p:cNvPr>
+          <p:cNvSpPr txBox="1"/>
+          <p:nvPr/>
+        </p:nvSpPr>
+        <p:spPr>
+          <a:xfrm>
+            <a:off x="1145434" y="5809955"/>
+            <a:ext cx="9901131" cy="923330"/>
+          </a:xfrm>
+          <a:prstGeom prst="rect">
+            <a:avLst/>
+          </a:prstGeom>
+          <a:noFill/>
+        </p:spPr>
+        <p:txBody>
+          <a:bodyPr wrap="square" rtlCol="0">
+            <a:spAutoFit/>
+          </a:bodyPr>
+          <a:lstStyle/>
+          <a:p>
+            <a:pPr algn="ctr"/>
+            <a:r>
+              <a:rPr lang="en-US" dirty="0"/>
+              <a:t>color (light -&gt; dark) indicates time course over epoch windows (-1000 to 3000 </a:t>
+            </a:r>
+            <a:r>
+              <a:rPr lang="en-US" dirty="0" err="1"/>
+              <a:t>ms</a:t>
+            </a:r>
+            <a:r>
+              <a:rPr lang="en-US" dirty="0"/>
+              <a:t>)</a:t>
+            </a:r>
+          </a:p>
+          <a:p>
+            <a:pPr algn="ctr"/>
+            <a:endParaRPr lang="en-US" dirty="0"/>
+          </a:p>
+          <a:p>
+            <a:pPr algn="ctr"/>
+            <a:r>
+              <a:rPr lang="en-US" dirty="0"/>
+              <a:t>vertical marker indicates 250 </a:t>
+            </a:r>
+            <a:r>
+              <a:rPr lang="en-US" dirty="0" err="1"/>
+              <a:t>ms</a:t>
+            </a:r>
+            <a:r>
+              <a:rPr lang="en-US" dirty="0"/>
+              <a:t> after onset of visual stimulus</a:t>
+            </a:r>
           </a:p>
         </p:txBody>
       </p:sp>
       <p:pic>
         <p:nvPicPr>
-          <p:cNvPr id="3" name="Picture 2">
+          <p:cNvPr id="4" name="Picture 3">
             <a:extLst>
               <a:ext uri="{FF2B5EF4-FFF2-40B4-BE49-F238E27FC236}">
-                <a16:creationId xmlns:a16="http://schemas.microsoft.com/office/drawing/2014/main" id="{ABA2E817-AEC2-51A4-20EE-227088132B42}"/>
+                <a16:creationId xmlns:a16="http://schemas.microsoft.com/office/drawing/2014/main" id="{57926E81-4CE1-0E31-149E-C8B96238E5E8}"/>
               </a:ext>
             </a:extLst>
           </p:cNvPr>
@@ -4609,8 +5233,8 @@
         </p:blipFill>
         <p:spPr>
           <a:xfrm>
-            <a:off x="2611808" y="1663609"/>
-            <a:ext cx="6567055" cy="4182589"/>
+            <a:off x="3352800" y="1600200"/>
+            <a:ext cx="5486400" cy="3657600"/>
           </a:xfrm>
           <a:prstGeom prst="rect">
             <a:avLst/>
@@ -4620,7 +5244,7 @@
     </p:spTree>
     <p:extLst>
       <p:ext uri="{BB962C8B-B14F-4D97-AF65-F5344CB8AC3E}">
-        <p14:creationId xmlns:p14="http://schemas.microsoft.com/office/powerpoint/2010/main" val="1549780105"/>
+        <p14:creationId xmlns:p14="http://schemas.microsoft.com/office/powerpoint/2010/main" val="3531477592"/>
       </p:ext>
     </p:extLst>
   </p:cSld>
@@ -4747,10 +5371,10 @@
       </p:sp>
       <p:pic>
         <p:nvPicPr>
-          <p:cNvPr id="4" name="Picture 3">
+          <p:cNvPr id="5" name="Picture 4">
             <a:extLst>
               <a:ext uri="{FF2B5EF4-FFF2-40B4-BE49-F238E27FC236}">
-                <a16:creationId xmlns:a16="http://schemas.microsoft.com/office/drawing/2014/main" id="{57926E81-4CE1-0E31-149E-C8B96238E5E8}"/>
+                <a16:creationId xmlns:a16="http://schemas.microsoft.com/office/drawing/2014/main" id="{BF3CB207-3173-5F02-F7A8-C4CD65ACD695}"/>
               </a:ext>
             </a:extLst>
           </p:cNvPr>
@@ -4778,7 +5402,7 @@
     </p:spTree>
     <p:extLst>
       <p:ext uri="{BB962C8B-B14F-4D97-AF65-F5344CB8AC3E}">
-        <p14:creationId xmlns:p14="http://schemas.microsoft.com/office/powerpoint/2010/main" val="3531477592"/>
+        <p14:creationId xmlns:p14="http://schemas.microsoft.com/office/powerpoint/2010/main" val="3787470690"/>
       </p:ext>
     </p:extLst>
   </p:cSld>
@@ -4828,7 +5452,7 @@
           <a:p>
             <a:r>
               <a:rPr lang="en-US" dirty="0"/>
-              <a:t>Results | ERD/ERS</a:t>
+              <a:t>Results | ERD</a:t>
             </a:r>
             <a:br>
               <a:rPr lang="en-US" dirty="0"/>
@@ -4840,75 +5464,12 @@
           </a:p>
         </p:txBody>
       </p:sp>
-      <p:sp>
-        <p:nvSpPr>
-          <p:cNvPr id="7" name="TextBox 6">
+      <p:pic>
+        <p:nvPicPr>
+          <p:cNvPr id="4" name="Picture 3">
             <a:extLst>
               <a:ext uri="{FF2B5EF4-FFF2-40B4-BE49-F238E27FC236}">
-                <a16:creationId xmlns:a16="http://schemas.microsoft.com/office/drawing/2014/main" id="{491C672F-5F1C-145B-D2AA-0489F3EE2464}"/>
-              </a:ext>
-            </a:extLst>
-          </p:cNvPr>
-          <p:cNvSpPr txBox="1"/>
-          <p:nvPr/>
-        </p:nvSpPr>
-        <p:spPr>
-          <a:xfrm>
-            <a:off x="1145434" y="5809955"/>
-            <a:ext cx="9901131" cy="923330"/>
-          </a:xfrm>
-          <a:prstGeom prst="rect">
-            <a:avLst/>
-          </a:prstGeom>
-          <a:noFill/>
-        </p:spPr>
-        <p:txBody>
-          <a:bodyPr wrap="square" rtlCol="0">
-            <a:spAutoFit/>
-          </a:bodyPr>
-          <a:lstStyle/>
-          <a:p>
-            <a:pPr algn="ctr"/>
-            <a:r>
-              <a:rPr lang="en-US" dirty="0"/>
-              <a:t>color (light -&gt; dark) indicates time course over epoch windows (-1000 to 3000 </a:t>
-            </a:r>
-            <a:r>
-              <a:rPr lang="en-US" dirty="0" err="1"/>
-              <a:t>ms</a:t>
-            </a:r>
-            <a:r>
-              <a:rPr lang="en-US" dirty="0"/>
-              <a:t>)</a:t>
-            </a:r>
-          </a:p>
-          <a:p>
-            <a:pPr algn="ctr"/>
-            <a:endParaRPr lang="en-US" dirty="0"/>
-          </a:p>
-          <a:p>
-            <a:pPr algn="ctr"/>
-            <a:r>
-              <a:rPr lang="en-US" dirty="0"/>
-              <a:t>vertical marker indicates 250 </a:t>
-            </a:r>
-            <a:r>
-              <a:rPr lang="en-US" dirty="0" err="1"/>
-              <a:t>ms</a:t>
-            </a:r>
-            <a:r>
-              <a:rPr lang="en-US" dirty="0"/>
-              <a:t> after onset of visual stimulus</a:t>
-            </a:r>
-          </a:p>
-        </p:txBody>
-      </p:sp>
-      <p:pic>
-        <p:nvPicPr>
-          <p:cNvPr id="5" name="Picture 4">
-            <a:extLst>
-              <a:ext uri="{FF2B5EF4-FFF2-40B4-BE49-F238E27FC236}">
-                <a16:creationId xmlns:a16="http://schemas.microsoft.com/office/drawing/2014/main" id="{BF3CB207-3173-5F02-F7A8-C4CD65ACD695}"/>
+                <a16:creationId xmlns:a16="http://schemas.microsoft.com/office/drawing/2014/main" id="{7B00BE21-137E-FF77-D0C6-A83486857C02}"/>
               </a:ext>
             </a:extLst>
           </p:cNvPr>
@@ -4925,8 +5486,8 @@
         </p:blipFill>
         <p:spPr>
           <a:xfrm>
-            <a:off x="3352800" y="1600200"/>
-            <a:ext cx="5486400" cy="3657600"/>
+            <a:off x="2438400" y="1967475"/>
+            <a:ext cx="6456218" cy="4304145"/>
           </a:xfrm>
           <a:prstGeom prst="rect">
             <a:avLst/>
@@ -4936,7 +5497,7 @@
     </p:spTree>
     <p:extLst>
       <p:ext uri="{BB962C8B-B14F-4D97-AF65-F5344CB8AC3E}">
-        <p14:creationId xmlns:p14="http://schemas.microsoft.com/office/powerpoint/2010/main" val="3787470690"/>
+        <p14:creationId xmlns:p14="http://schemas.microsoft.com/office/powerpoint/2010/main" val="1939491694"/>
       </p:ext>
     </p:extLst>
   </p:cSld>
@@ -5000,10 +5561,10 @@
       </p:sp>
       <p:pic>
         <p:nvPicPr>
-          <p:cNvPr id="4" name="Picture 3">
+          <p:cNvPr id="5" name="Picture 4">
             <a:extLst>
               <a:ext uri="{FF2B5EF4-FFF2-40B4-BE49-F238E27FC236}">
-                <a16:creationId xmlns:a16="http://schemas.microsoft.com/office/drawing/2014/main" id="{7B00BE21-137E-FF77-D0C6-A83486857C02}"/>
+                <a16:creationId xmlns:a16="http://schemas.microsoft.com/office/drawing/2014/main" id="{02094110-3322-1FA2-42F8-007CF23E7CAE}"/>
               </a:ext>
             </a:extLst>
           </p:cNvPr>
@@ -5020,8 +5581,8 @@
         </p:blipFill>
         <p:spPr>
           <a:xfrm>
-            <a:off x="2438400" y="1967475"/>
-            <a:ext cx="6456218" cy="4304145"/>
+            <a:off x="2355272" y="1891144"/>
+            <a:ext cx="6570713" cy="4380475"/>
           </a:xfrm>
           <a:prstGeom prst="rect">
             <a:avLst/>
@@ -5031,7 +5592,7 @@
     </p:spTree>
     <p:extLst>
       <p:ext uri="{BB962C8B-B14F-4D97-AF65-F5344CB8AC3E}">
-        <p14:creationId xmlns:p14="http://schemas.microsoft.com/office/powerpoint/2010/main" val="1939491694"/>
+        <p14:creationId xmlns:p14="http://schemas.microsoft.com/office/powerpoint/2010/main" val="3406378373"/>
       </p:ext>
     </p:extLst>
   </p:cSld>
@@ -5081,52 +5642,90 @@
           <a:p>
             <a:r>
               <a:rPr lang="en-US" dirty="0"/>
-              <a:t>Results | ERD</a:t>
-            </a:r>
-            <a:br>
-              <a:rPr lang="en-US" dirty="0"/>
-            </a:br>
-            <a:r>
-              <a:rPr lang="en-US" sz="2400" dirty="0"/>
-              <a:t>S1 Hand, Electrode 27</a:t>
-            </a:r>
-          </a:p>
-        </p:txBody>
-      </p:sp>
-      <p:pic>
-        <p:nvPicPr>
-          <p:cNvPr id="5" name="Picture 4">
+              <a:t>Conclusions</a:t>
+            </a:r>
+          </a:p>
+        </p:txBody>
+      </p:sp>
+      <p:sp>
+        <p:nvSpPr>
+          <p:cNvPr id="3" name="Content Placeholder 2">
             <a:extLst>
               <a:ext uri="{FF2B5EF4-FFF2-40B4-BE49-F238E27FC236}">
-                <a16:creationId xmlns:a16="http://schemas.microsoft.com/office/drawing/2014/main" id="{02094110-3322-1FA2-42F8-007CF23E7CAE}"/>
+                <a16:creationId xmlns:a16="http://schemas.microsoft.com/office/drawing/2014/main" id="{AA6B1422-D7D4-F653-7016-761FE0442ADA}"/>
               </a:ext>
             </a:extLst>
           </p:cNvPr>
-          <p:cNvPicPr>
-            <a:picLocks noChangeAspect="1"/>
-          </p:cNvPicPr>
+          <p:cNvSpPr>
+            <a:spLocks noGrp="1"/>
+          </p:cNvSpPr>
+          <p:nvPr>
+            <p:ph idx="1"/>
+          </p:nvPr>
+        </p:nvSpPr>
+        <p:spPr/>
+        <p:txBody>
+          <a:bodyPr/>
+          <a:lstStyle/>
+          <a:p>
+            <a:r>
+              <a:rPr lang="en-US" dirty="0"/>
+              <a:t>which stats to demonstrate similarity between conditions?</a:t>
+            </a:r>
+          </a:p>
+          <a:p>
+            <a:r>
+              <a:rPr lang="en-US" dirty="0"/>
+              <a:t>motor planning? </a:t>
+            </a:r>
+            <a:r>
+              <a:rPr lang="en-US" dirty="0" err="1"/>
+              <a:t>Nakayashiki</a:t>
+            </a:r>
+            <a:endParaRPr lang="en-US" dirty="0"/>
+          </a:p>
+        </p:txBody>
+      </p:sp>
+      <p:sp>
+        <p:nvSpPr>
+          <p:cNvPr id="4" name="TextBox 3">
+            <a:extLst>
+              <a:ext uri="{FF2B5EF4-FFF2-40B4-BE49-F238E27FC236}">
+                <a16:creationId xmlns:a16="http://schemas.microsoft.com/office/drawing/2014/main" id="{83E40CE4-0C54-66F3-10EA-A0B36D205FC8}"/>
+              </a:ext>
+            </a:extLst>
+          </p:cNvPr>
+          <p:cNvSpPr txBox="1"/>
           <p:nvPr/>
-        </p:nvPicPr>
-        <p:blipFill>
-          <a:blip r:embed="rId2"/>
-          <a:stretch>
-            <a:fillRect/>
-          </a:stretch>
-        </p:blipFill>
-        <p:spPr>
-          <a:xfrm>
-            <a:off x="2355272" y="1891144"/>
-            <a:ext cx="6570713" cy="4380475"/>
+        </p:nvSpPr>
+        <p:spPr>
+          <a:xfrm rot="19966124">
+            <a:off x="2197611" y="2969708"/>
+            <a:ext cx="7465326" cy="1446550"/>
           </a:xfrm>
           <a:prstGeom prst="rect">
             <a:avLst/>
           </a:prstGeom>
-        </p:spPr>
-      </p:pic>
+          <a:noFill/>
+        </p:spPr>
+        <p:txBody>
+          <a:bodyPr wrap="square" rtlCol="0">
+            <a:spAutoFit/>
+          </a:bodyPr>
+          <a:lstStyle/>
+          <a:p>
+            <a:pPr algn="ctr"/>
+            <a:r>
+              <a:rPr lang="en-US" sz="8800" dirty="0"/>
+              <a:t>to be updated</a:t>
+            </a:r>
+          </a:p>
+        </p:txBody>
+      </p:sp>
     </p:spTree>
     <p:extLst>
       <p:ext uri="{BB962C8B-B14F-4D97-AF65-F5344CB8AC3E}">
-        <p14:creationId xmlns:p14="http://schemas.microsoft.com/office/powerpoint/2010/main" val="3406378373"/>
+        <p14:creationId xmlns:p14="http://schemas.microsoft.com/office/powerpoint/2010/main" val="1981167294"/>
       </p:ext>
     </p:extLst>
   </p:cSld>
@@ -5176,7 +5775,7 @@
           <a:p>
             <a:r>
               <a:rPr lang="en-US" dirty="0"/>
-              <a:t>Conclusions</a:t>
+              <a:t>Limitations</a:t>
             </a:r>
           </a:p>
         </p:txBody>
@@ -5199,67 +5798,65 @@
         </p:nvSpPr>
         <p:spPr/>
         <p:txBody>
-          <a:bodyPr/>
+          <a:bodyPr>
+            <a:normAutofit lnSpcReduction="10000"/>
+          </a:bodyPr>
           <a:lstStyle/>
           <a:p>
             <a:r>
               <a:rPr lang="en-US" dirty="0"/>
-              <a:t>which stats to demonstrate similarity between conditions?</a:t>
+              <a:t>specific subject population reduces generalizability of findings</a:t>
             </a:r>
           </a:p>
           <a:p>
             <a:r>
               <a:rPr lang="en-US" dirty="0"/>
-              <a:t>motor planning? </a:t>
-            </a:r>
-            <a:r>
-              <a:rPr lang="en-US" dirty="0" err="1"/>
-              <a:t>Nakayashiki</a:t>
-            </a:r>
+              <a:t>project time constraints led us to simplify our preprocessing:</a:t>
+            </a:r>
+          </a:p>
+          <a:p>
+            <a:pPr lvl="1"/>
+            <a:r>
+              <a:rPr lang="en-US" dirty="0"/>
+              <a:t>did not re-reference data to the average</a:t>
+            </a:r>
+          </a:p>
+          <a:p>
+            <a:pPr lvl="1"/>
+            <a:r>
+              <a:rPr lang="en-US" dirty="0"/>
+              <a:t>did not perform ICA or other methods to identify and remove noisy (or epileptic) epochs in the channels we analyzed</a:t>
+            </a:r>
+          </a:p>
+          <a:p>
+            <a:r>
+              <a:rPr lang="en-US" dirty="0"/>
+              <a:t>project time constraints led us to simplify our analyses:</a:t>
+            </a:r>
+          </a:p>
+          <a:p>
+            <a:pPr lvl="1"/>
+            <a:r>
+              <a:rPr lang="en-US" dirty="0"/>
+              <a:t>did not z-score across subjects before classification</a:t>
+            </a:r>
+          </a:p>
+          <a:p>
+            <a:pPr lvl="1"/>
+            <a:r>
+              <a:rPr lang="en-US" dirty="0"/>
+              <a:t>single randomized split for training/test (no thorough cross-validation)</a:t>
+            </a:r>
+          </a:p>
+          <a:p>
             <a:endParaRPr lang="en-US" dirty="0"/>
-          </a:p>
-        </p:txBody>
-      </p:sp>
-      <p:sp>
-        <p:nvSpPr>
-          <p:cNvPr id="4" name="TextBox 3">
-            <a:extLst>
-              <a:ext uri="{FF2B5EF4-FFF2-40B4-BE49-F238E27FC236}">
-                <a16:creationId xmlns:a16="http://schemas.microsoft.com/office/drawing/2014/main" id="{83E40CE4-0C54-66F3-10EA-A0B36D205FC8}"/>
-              </a:ext>
-            </a:extLst>
-          </p:cNvPr>
-          <p:cNvSpPr txBox="1"/>
-          <p:nvPr/>
-        </p:nvSpPr>
-        <p:spPr>
-          <a:xfrm rot="19966124">
-            <a:off x="2197611" y="2969708"/>
-            <a:ext cx="7465326" cy="1446550"/>
-          </a:xfrm>
-          <a:prstGeom prst="rect">
-            <a:avLst/>
-          </a:prstGeom>
-          <a:noFill/>
-        </p:spPr>
-        <p:txBody>
-          <a:bodyPr wrap="square" rtlCol="0">
-            <a:spAutoFit/>
-          </a:bodyPr>
-          <a:lstStyle/>
-          <a:p>
-            <a:pPr algn="ctr"/>
-            <a:r>
-              <a:rPr lang="en-US" sz="8800" dirty="0"/>
-              <a:t>to be updated</a:t>
-            </a:r>
           </a:p>
         </p:txBody>
       </p:sp>
     </p:spTree>
     <p:extLst>
       <p:ext uri="{BB962C8B-B14F-4D97-AF65-F5344CB8AC3E}">
-        <p14:creationId xmlns:p14="http://schemas.microsoft.com/office/powerpoint/2010/main" val="1981167294"/>
+        <p14:creationId xmlns:p14="http://schemas.microsoft.com/office/powerpoint/2010/main" val="116570967"/>
       </p:ext>
     </p:extLst>
   </p:cSld>
@@ -5309,7 +5906,7 @@
           <a:p>
             <a:r>
               <a:rPr lang="en-US" dirty="0"/>
-              <a:t>Limitations</a:t>
+              <a:t>Future Directions</a:t>
             </a:r>
           </a:p>
         </p:txBody>
@@ -5333,53 +5930,13 @@
         <p:spPr/>
         <p:txBody>
           <a:bodyPr>
-            <a:normAutofit lnSpcReduction="10000"/>
+            <a:normAutofit/>
           </a:bodyPr>
           <a:lstStyle/>
           <a:p>
             <a:r>
               <a:rPr lang="en-US" dirty="0"/>
-              <a:t>specific subject population reduces generalizability of findings</a:t>
-            </a:r>
-          </a:p>
-          <a:p>
-            <a:r>
-              <a:rPr lang="en-US" dirty="0"/>
-              <a:t>project time constraints led us to simplify our preprocessing:</a:t>
-            </a:r>
-          </a:p>
-          <a:p>
-            <a:pPr lvl="1"/>
-            <a:r>
-              <a:rPr lang="en-US" dirty="0"/>
-              <a:t>did not re-reference data to the average</a:t>
-            </a:r>
-          </a:p>
-          <a:p>
-            <a:pPr lvl="1"/>
-            <a:r>
-              <a:rPr lang="en-US" dirty="0"/>
-              <a:t>did not perform ICA or other methods to identify and remove noisy (or epileptic) epochs in the channels we analyzed</a:t>
-            </a:r>
-          </a:p>
-          <a:p>
-            <a:r>
-              <a:rPr lang="en-US" dirty="0"/>
-              <a:t>project time constraints led us to simplify our analyses:</a:t>
-            </a:r>
-          </a:p>
-          <a:p>
-            <a:pPr lvl="1"/>
-            <a:r>
-              <a:rPr lang="en-US" dirty="0"/>
-              <a:t>did not z-score across subjects before classification</a:t>
-            </a:r>
-          </a:p>
-          <a:p>
-            <a:pPr lvl="1"/>
-            <a:r>
-              <a:rPr lang="en-US" dirty="0"/>
-              <a:t>single randomized split for training/test (no thorough cross-validation)</a:t>
+              <a:t>what else would we do if we had more time?</a:t>
             </a:r>
           </a:p>
           <a:p>
@@ -5390,7 +5947,7 @@
     </p:spTree>
     <p:extLst>
       <p:ext uri="{BB962C8B-B14F-4D97-AF65-F5344CB8AC3E}">
-        <p14:creationId xmlns:p14="http://schemas.microsoft.com/office/powerpoint/2010/main" val="116570967"/>
+        <p14:creationId xmlns:p14="http://schemas.microsoft.com/office/powerpoint/2010/main" val="283554576"/>
       </p:ext>
     </p:extLst>
   </p:cSld>
@@ -5440,7 +5997,7 @@
           <a:p>
             <a:r>
               <a:rPr lang="en-US" dirty="0"/>
-              <a:t>Future Directions</a:t>
+              <a:t>Code Availability</a:t>
             </a:r>
           </a:p>
         </p:txBody>
@@ -5461,27 +6018,45 @@
             <p:ph idx="1"/>
           </p:nvPr>
         </p:nvSpPr>
-        <p:spPr/>
+        <p:spPr>
+          <a:xfrm>
+            <a:off x="1498980" y="1751818"/>
+            <a:ext cx="9487467" cy="3997828"/>
+          </a:xfrm>
+        </p:spPr>
         <p:txBody>
           <a:bodyPr>
             <a:normAutofit/>
           </a:bodyPr>
           <a:lstStyle/>
           <a:p>
-            <a:r>
-              <a:rPr lang="en-US" dirty="0"/>
-              <a:t>what else would we do if we had more time?</a:t>
-            </a:r>
-          </a:p>
-          <a:p>
-            <a:endParaRPr lang="en-US" dirty="0"/>
+            <a:pPr marL="0" indent="0" algn="ctr">
+              <a:buNone/>
+            </a:pPr>
+            <a:r>
+              <a:rPr lang="en-US" sz="4000" dirty="0"/>
+              <a:t>https://</a:t>
+            </a:r>
+            <a:r>
+              <a:rPr lang="en-US" sz="4000" dirty="0" err="1"/>
+              <a:t>github.com</a:t>
+            </a:r>
+            <a:r>
+              <a:rPr lang="en-US" sz="4000" dirty="0"/>
+              <a:t>/jessb0t/</a:t>
+            </a:r>
+            <a:r>
+              <a:rPr lang="en-US" sz="4000" dirty="0" err="1"/>
+              <a:t>motorImagery</a:t>
+            </a:r>
+            <a:endParaRPr lang="en-US" sz="4000" dirty="0"/>
           </a:p>
         </p:txBody>
       </p:sp>
     </p:spTree>
     <p:extLst>
       <p:ext uri="{BB962C8B-B14F-4D97-AF65-F5344CB8AC3E}">
-        <p14:creationId xmlns:p14="http://schemas.microsoft.com/office/powerpoint/2010/main" val="283554576"/>
+        <p14:creationId xmlns:p14="http://schemas.microsoft.com/office/powerpoint/2010/main" val="279706596"/>
       </p:ext>
     </p:extLst>
   </p:cSld>
@@ -5531,115 +6106,6 @@
           <a:p>
             <a:r>
               <a:rPr lang="en-US" dirty="0"/>
-              <a:t>Code Availability</a:t>
-            </a:r>
-          </a:p>
-        </p:txBody>
-      </p:sp>
-      <p:sp>
-        <p:nvSpPr>
-          <p:cNvPr id="3" name="Content Placeholder 2">
-            <a:extLst>
-              <a:ext uri="{FF2B5EF4-FFF2-40B4-BE49-F238E27FC236}">
-                <a16:creationId xmlns:a16="http://schemas.microsoft.com/office/drawing/2014/main" id="{AA6B1422-D7D4-F653-7016-761FE0442ADA}"/>
-              </a:ext>
-            </a:extLst>
-          </p:cNvPr>
-          <p:cNvSpPr>
-            <a:spLocks noGrp="1"/>
-          </p:cNvSpPr>
-          <p:nvPr>
-            <p:ph idx="1"/>
-          </p:nvPr>
-        </p:nvSpPr>
-        <p:spPr>
-          <a:xfrm>
-            <a:off x="1498980" y="1751818"/>
-            <a:ext cx="9487467" cy="3997828"/>
-          </a:xfrm>
-        </p:spPr>
-        <p:txBody>
-          <a:bodyPr>
-            <a:normAutofit/>
-          </a:bodyPr>
-          <a:lstStyle/>
-          <a:p>
-            <a:pPr marL="0" indent="0" algn="ctr">
-              <a:buNone/>
-            </a:pPr>
-            <a:r>
-              <a:rPr lang="en-US" sz="4000" dirty="0"/>
-              <a:t>https://</a:t>
-            </a:r>
-            <a:r>
-              <a:rPr lang="en-US" sz="4000" dirty="0" err="1"/>
-              <a:t>github.com</a:t>
-            </a:r>
-            <a:r>
-              <a:rPr lang="en-US" sz="4000" dirty="0"/>
-              <a:t>/jessb0t/</a:t>
-            </a:r>
-            <a:r>
-              <a:rPr lang="en-US" sz="4000" dirty="0" err="1"/>
-              <a:t>motorImagery</a:t>
-            </a:r>
-            <a:endParaRPr lang="en-US" sz="4000" dirty="0"/>
-          </a:p>
-        </p:txBody>
-      </p:sp>
-    </p:spTree>
-    <p:extLst>
-      <p:ext uri="{BB962C8B-B14F-4D97-AF65-F5344CB8AC3E}">
-        <p14:creationId xmlns:p14="http://schemas.microsoft.com/office/powerpoint/2010/main" val="279706596"/>
-      </p:ext>
-    </p:extLst>
-  </p:cSld>
-  <p:clrMapOvr>
-    <a:masterClrMapping/>
-  </p:clrMapOvr>
-</p:sld>
-</file>
-
-<file path=ppt/slides/slide19.xml><?xml version="1.0" encoding="utf-8"?>
-<p:sld xmlns:a="http://schemas.openxmlformats.org/drawingml/2006/main" xmlns:r="http://schemas.openxmlformats.org/officeDocument/2006/relationships" xmlns:p="http://schemas.openxmlformats.org/presentationml/2006/main">
-  <p:cSld>
-    <p:spTree>
-      <p:nvGrpSpPr>
-        <p:cNvPr id="1" name=""/>
-        <p:cNvGrpSpPr/>
-        <p:nvPr/>
-      </p:nvGrpSpPr>
-      <p:grpSpPr>
-        <a:xfrm>
-          <a:off x="0" y="0"/>
-          <a:ext cx="0" cy="0"/>
-          <a:chOff x="0" y="0"/>
-          <a:chExt cx="0" cy="0"/>
-        </a:xfrm>
-      </p:grpSpPr>
-      <p:sp>
-        <p:nvSpPr>
-          <p:cNvPr id="2" name="Title 1">
-            <a:extLst>
-              <a:ext uri="{FF2B5EF4-FFF2-40B4-BE49-F238E27FC236}">
-                <a16:creationId xmlns:a16="http://schemas.microsoft.com/office/drawing/2014/main" id="{AB229146-3FFE-7BBC-BD99-EA8A1D03F50B}"/>
-              </a:ext>
-            </a:extLst>
-          </p:cNvPr>
-          <p:cNvSpPr>
-            <a:spLocks noGrp="1"/>
-          </p:cNvSpPr>
-          <p:nvPr>
-            <p:ph type="title"/>
-          </p:nvPr>
-        </p:nvSpPr>
-        <p:spPr/>
-        <p:txBody>
-          <a:bodyPr/>
-          <a:lstStyle/>
-          <a:p>
-            <a:r>
-              <a:rPr lang="en-US" dirty="0"/>
               <a:t>References</a:t>
             </a:r>
           </a:p>
@@ -6017,441 +6483,7 @@
 </p:sld>
 </file>
 
-<file path=ppt/slides/slide2.xml><?xml version="1.0" encoding="utf-8"?>
-<p:sld xmlns:a="http://schemas.openxmlformats.org/drawingml/2006/main" xmlns:r="http://schemas.openxmlformats.org/officeDocument/2006/relationships" xmlns:p="http://schemas.openxmlformats.org/presentationml/2006/main">
-  <p:cSld>
-    <p:spTree>
-      <p:nvGrpSpPr>
-        <p:cNvPr id="1" name=""/>
-        <p:cNvGrpSpPr/>
-        <p:nvPr/>
-      </p:nvGrpSpPr>
-      <p:grpSpPr>
-        <a:xfrm>
-          <a:off x="0" y="0"/>
-          <a:ext cx="0" cy="0"/>
-          <a:chOff x="0" y="0"/>
-          <a:chExt cx="0" cy="0"/>
-        </a:xfrm>
-      </p:grpSpPr>
-      <p:sp>
-        <p:nvSpPr>
-          <p:cNvPr id="2" name="Title 1">
-            <a:extLst>
-              <a:ext uri="{FF2B5EF4-FFF2-40B4-BE49-F238E27FC236}">
-                <a16:creationId xmlns:a16="http://schemas.microsoft.com/office/drawing/2014/main" id="{AB229146-3FFE-7BBC-BD99-EA8A1D03F50B}"/>
-              </a:ext>
-            </a:extLst>
-          </p:cNvPr>
-          <p:cNvSpPr>
-            <a:spLocks noGrp="1"/>
-          </p:cNvSpPr>
-          <p:nvPr>
-            <p:ph type="title"/>
-          </p:nvPr>
-        </p:nvSpPr>
-        <p:spPr/>
-        <p:txBody>
-          <a:bodyPr>
-            <a:normAutofit/>
-          </a:bodyPr>
-          <a:lstStyle/>
-          <a:p>
-            <a:r>
-              <a:rPr lang="en-US" sz="3600" dirty="0"/>
-              <a:t>Background</a:t>
-            </a:r>
-          </a:p>
-        </p:txBody>
-      </p:sp>
-      <p:pic>
-        <p:nvPicPr>
-          <p:cNvPr id="4" name="Picture 3">
-            <a:extLst>
-              <a:ext uri="{FF2B5EF4-FFF2-40B4-BE49-F238E27FC236}">
-                <a16:creationId xmlns:a16="http://schemas.microsoft.com/office/drawing/2014/main" id="{334FBF65-2CBB-2A91-A3C4-3843FB1370A0}"/>
-              </a:ext>
-            </a:extLst>
-          </p:cNvPr>
-          <p:cNvPicPr>
-            <a:picLocks noChangeAspect="1"/>
-          </p:cNvPicPr>
-          <p:nvPr/>
-        </p:nvPicPr>
-        <p:blipFill>
-          <a:blip r:embed="rId2"/>
-          <a:stretch>
-            <a:fillRect/>
-          </a:stretch>
-        </p:blipFill>
-        <p:spPr>
-          <a:xfrm>
-            <a:off x="5882186" y="3080022"/>
-            <a:ext cx="4863974" cy="2914599"/>
-          </a:xfrm>
-          <a:prstGeom prst="rect">
-            <a:avLst/>
-          </a:prstGeom>
-        </p:spPr>
-      </p:pic>
-      <p:sp>
-        <p:nvSpPr>
-          <p:cNvPr id="6" name="TextBox 5">
-            <a:extLst>
-              <a:ext uri="{FF2B5EF4-FFF2-40B4-BE49-F238E27FC236}">
-                <a16:creationId xmlns:a16="http://schemas.microsoft.com/office/drawing/2014/main" id="{CE3884D6-3D08-4AC8-8271-4E19D5E764F5}"/>
-              </a:ext>
-            </a:extLst>
-          </p:cNvPr>
-          <p:cNvSpPr txBox="1"/>
-          <p:nvPr/>
-        </p:nvSpPr>
-        <p:spPr>
-          <a:xfrm>
-            <a:off x="9482021" y="5994621"/>
-            <a:ext cx="1414246" cy="276999"/>
-          </a:xfrm>
-          <a:prstGeom prst="rect">
-            <a:avLst/>
-          </a:prstGeom>
-          <a:noFill/>
-        </p:spPr>
-        <p:txBody>
-          <a:bodyPr vert="horz" wrap="square" rtlCol="0">
-            <a:spAutoFit/>
-          </a:bodyPr>
-          <a:lstStyle/>
-          <a:p>
-            <a:r>
-              <a:rPr lang="en-US" sz="1200" dirty="0"/>
-              <a:t>Miller et al. (2010)</a:t>
-            </a:r>
-          </a:p>
-        </p:txBody>
-      </p:sp>
-      <p:sp>
-        <p:nvSpPr>
-          <p:cNvPr id="8" name="Content Placeholder 2">
-            <a:extLst>
-              <a:ext uri="{FF2B5EF4-FFF2-40B4-BE49-F238E27FC236}">
-                <a16:creationId xmlns:a16="http://schemas.microsoft.com/office/drawing/2014/main" id="{45A4FF12-BEF8-3DD4-B8EF-8092B36F3033}"/>
-              </a:ext>
-            </a:extLst>
-          </p:cNvPr>
-          <p:cNvSpPr txBox="1">
-            <a:spLocks/>
-          </p:cNvSpPr>
-          <p:nvPr/>
-        </p:nvSpPr>
-        <p:spPr>
-          <a:xfrm>
-            <a:off x="1498982" y="1751818"/>
-            <a:ext cx="4383204" cy="3997828"/>
-          </a:xfrm>
-          <a:prstGeom prst="rect">
-            <a:avLst/>
-          </a:prstGeom>
-        </p:spPr>
-        <p:txBody>
-          <a:bodyPr vert="horz" lIns="91440" tIns="45720" rIns="91440" bIns="45720" rtlCol="0" anchor="t">
-            <a:normAutofit/>
-          </a:bodyPr>
-          <a:lstStyle>
-            <a:lvl1pPr marL="344488" indent="-344488" algn="l" defTabSz="914400" rtl="0" eaLnBrk="1" latinLnBrk="0" hangingPunct="1">
-              <a:lnSpc>
-                <a:spcPct val="120000"/>
-              </a:lnSpc>
-              <a:spcBef>
-                <a:spcPts val="1000"/>
-              </a:spcBef>
-              <a:spcAft>
-                <a:spcPts val="600"/>
-              </a:spcAft>
-              <a:buClr>
-                <a:schemeClr val="accent6"/>
-              </a:buClr>
-              <a:buSzPct val="90000"/>
-              <a:buFont typeface="Wingdings" panose="05000000000000000000" pitchFamily="2" charset="2"/>
-              <a:buChar char="§"/>
-              <a:defRPr sz="2000" kern="1200">
-                <a:solidFill>
-                  <a:schemeClr val="tx1"/>
-                </a:solidFill>
-                <a:effectLst/>
-                <a:latin typeface="+mn-lt"/>
-                <a:ea typeface="+mn-ea"/>
-                <a:cs typeface="+mn-cs"/>
-              </a:defRPr>
-            </a:lvl1pPr>
-            <a:lvl2pPr marL="795338" indent="-338138" algn="l" defTabSz="914400" rtl="0" eaLnBrk="1" latinLnBrk="0" hangingPunct="1">
-              <a:lnSpc>
-                <a:spcPct val="120000"/>
-              </a:lnSpc>
-              <a:spcBef>
-                <a:spcPts val="500"/>
-              </a:spcBef>
-              <a:spcAft>
-                <a:spcPts val="600"/>
-              </a:spcAft>
-              <a:buClr>
-                <a:schemeClr val="accent6"/>
-              </a:buClr>
-              <a:buSzPct val="90000"/>
-              <a:buFont typeface="Wingdings" panose="05000000000000000000" pitchFamily="2" charset="2"/>
-              <a:buChar char="§"/>
-              <a:defRPr sz="1800" kern="1200">
-                <a:solidFill>
-                  <a:schemeClr val="tx1"/>
-                </a:solidFill>
-                <a:effectLst/>
-                <a:latin typeface="+mn-lt"/>
-                <a:ea typeface="+mn-ea"/>
-                <a:cs typeface="+mn-cs"/>
-              </a:defRPr>
-            </a:lvl2pPr>
-            <a:lvl3pPr marL="1258888" indent="-344488" algn="l" defTabSz="914400" rtl="0" eaLnBrk="1" latinLnBrk="0" hangingPunct="1">
-              <a:lnSpc>
-                <a:spcPct val="120000"/>
-              </a:lnSpc>
-              <a:spcBef>
-                <a:spcPts val="500"/>
-              </a:spcBef>
-              <a:spcAft>
-                <a:spcPts val="600"/>
-              </a:spcAft>
-              <a:buClr>
-                <a:schemeClr val="accent6"/>
-              </a:buClr>
-              <a:buSzPct val="90000"/>
-              <a:buFont typeface="Wingdings" panose="05000000000000000000" pitchFamily="2" charset="2"/>
-              <a:buChar char="§"/>
-              <a:defRPr sz="1600" kern="1200">
-                <a:solidFill>
-                  <a:schemeClr val="tx1"/>
-                </a:solidFill>
-                <a:effectLst/>
-                <a:latin typeface="+mn-lt"/>
-                <a:ea typeface="+mn-ea"/>
-                <a:cs typeface="+mn-cs"/>
-              </a:defRPr>
-            </a:lvl3pPr>
-            <a:lvl4pPr marL="1709738" indent="-338138" algn="l" defTabSz="914400" rtl="0" eaLnBrk="1" latinLnBrk="0" hangingPunct="1">
-              <a:lnSpc>
-                <a:spcPct val="120000"/>
-              </a:lnSpc>
-              <a:spcBef>
-                <a:spcPts val="500"/>
-              </a:spcBef>
-              <a:spcAft>
-                <a:spcPts val="600"/>
-              </a:spcAft>
-              <a:buClr>
-                <a:schemeClr val="accent6"/>
-              </a:buClr>
-              <a:buSzPct val="90000"/>
-              <a:buFont typeface="Wingdings" panose="05000000000000000000" pitchFamily="2" charset="2"/>
-              <a:buChar char="§"/>
-              <a:defRPr sz="1400" kern="1200">
-                <a:solidFill>
-                  <a:schemeClr val="tx1"/>
-                </a:solidFill>
-                <a:effectLst/>
-                <a:latin typeface="+mn-lt"/>
-                <a:ea typeface="+mn-ea"/>
-                <a:cs typeface="+mn-cs"/>
-              </a:defRPr>
-            </a:lvl4pPr>
-            <a:lvl5pPr marL="2173288" indent="-344488" algn="l" defTabSz="914400" rtl="0" eaLnBrk="1" latinLnBrk="0" hangingPunct="1">
-              <a:lnSpc>
-                <a:spcPct val="120000"/>
-              </a:lnSpc>
-              <a:spcBef>
-                <a:spcPts val="500"/>
-              </a:spcBef>
-              <a:spcAft>
-                <a:spcPts val="600"/>
-              </a:spcAft>
-              <a:buClr>
-                <a:schemeClr val="accent6"/>
-              </a:buClr>
-              <a:buSzPct val="90000"/>
-              <a:buFont typeface="Wingdings" panose="05000000000000000000" pitchFamily="2" charset="2"/>
-              <a:buChar char="§"/>
-              <a:defRPr sz="1200" kern="1200">
-                <a:solidFill>
-                  <a:schemeClr val="tx1"/>
-                </a:solidFill>
-                <a:effectLst/>
-                <a:latin typeface="+mn-lt"/>
-                <a:ea typeface="+mn-ea"/>
-                <a:cs typeface="+mn-cs"/>
-              </a:defRPr>
-            </a:lvl5pPr>
-            <a:lvl6pPr marL="2642616" indent="-338328" algn="l" defTabSz="914400" rtl="0" eaLnBrk="1" latinLnBrk="0" hangingPunct="1">
-              <a:lnSpc>
-                <a:spcPct val="120000"/>
-              </a:lnSpc>
-              <a:spcBef>
-                <a:spcPts val="500"/>
-              </a:spcBef>
-              <a:spcAft>
-                <a:spcPts val="600"/>
-              </a:spcAft>
-              <a:buClr>
-                <a:schemeClr val="accent6"/>
-              </a:buClr>
-              <a:buSzPct val="90000"/>
-              <a:buFont typeface="Wingdings" panose="05000000000000000000" pitchFamily="2" charset="2"/>
-              <a:buChar char="§"/>
-              <a:defRPr sz="1200" kern="1200" baseline="0">
-                <a:solidFill>
-                  <a:schemeClr val="tx1"/>
-                </a:solidFill>
-                <a:effectLst/>
-                <a:latin typeface="+mn-lt"/>
-                <a:ea typeface="+mn-ea"/>
-                <a:cs typeface="+mn-cs"/>
-              </a:defRPr>
-            </a:lvl6pPr>
-            <a:lvl7pPr marL="3108960" indent="-338328" algn="l" defTabSz="914400" rtl="0" eaLnBrk="1" latinLnBrk="0" hangingPunct="1">
-              <a:lnSpc>
-                <a:spcPct val="120000"/>
-              </a:lnSpc>
-              <a:spcBef>
-                <a:spcPts val="500"/>
-              </a:spcBef>
-              <a:spcAft>
-                <a:spcPts val="600"/>
-              </a:spcAft>
-              <a:buClr>
-                <a:schemeClr val="accent6"/>
-              </a:buClr>
-              <a:buSzPct val="90000"/>
-              <a:buFont typeface="Wingdings" panose="05000000000000000000" pitchFamily="2" charset="2"/>
-              <a:buChar char="§"/>
-              <a:defRPr sz="1200" kern="1200" baseline="0">
-                <a:solidFill>
-                  <a:schemeClr val="tx1"/>
-                </a:solidFill>
-                <a:effectLst/>
-                <a:latin typeface="+mn-lt"/>
-                <a:ea typeface="+mn-ea"/>
-                <a:cs typeface="+mn-cs"/>
-              </a:defRPr>
-            </a:lvl7pPr>
-            <a:lvl8pPr marL="3575304" indent="-338328" algn="l" defTabSz="914400" rtl="0" eaLnBrk="1" latinLnBrk="0" hangingPunct="1">
-              <a:lnSpc>
-                <a:spcPct val="120000"/>
-              </a:lnSpc>
-              <a:spcBef>
-                <a:spcPts val="500"/>
-              </a:spcBef>
-              <a:spcAft>
-                <a:spcPts val="600"/>
-              </a:spcAft>
-              <a:buClr>
-                <a:schemeClr val="accent6"/>
-              </a:buClr>
-              <a:buSzPct val="90000"/>
-              <a:buFont typeface="Wingdings" panose="05000000000000000000" pitchFamily="2" charset="2"/>
-              <a:buChar char="§"/>
-              <a:defRPr sz="1200" kern="1200" baseline="0">
-                <a:solidFill>
-                  <a:schemeClr val="tx1"/>
-                </a:solidFill>
-                <a:effectLst/>
-                <a:latin typeface="+mn-lt"/>
-                <a:ea typeface="+mn-ea"/>
-                <a:cs typeface="+mn-cs"/>
-              </a:defRPr>
-            </a:lvl8pPr>
-            <a:lvl9pPr marL="4041648" indent="-338328" algn="l" defTabSz="914400" rtl="0" eaLnBrk="1" latinLnBrk="0" hangingPunct="1">
-              <a:lnSpc>
-                <a:spcPct val="120000"/>
-              </a:lnSpc>
-              <a:spcBef>
-                <a:spcPts val="500"/>
-              </a:spcBef>
-              <a:spcAft>
-                <a:spcPts val="600"/>
-              </a:spcAft>
-              <a:buClr>
-                <a:schemeClr val="accent6"/>
-              </a:buClr>
-              <a:buSzPct val="90000"/>
-              <a:buFont typeface="Wingdings" panose="05000000000000000000" pitchFamily="2" charset="2"/>
-              <a:buChar char="§"/>
-              <a:defRPr sz="1200" kern="1200" baseline="0">
-                <a:solidFill>
-                  <a:schemeClr val="tx1"/>
-                </a:solidFill>
-                <a:effectLst/>
-                <a:latin typeface="+mn-lt"/>
-                <a:ea typeface="+mn-ea"/>
-                <a:cs typeface="+mn-cs"/>
-              </a:defRPr>
-            </a:lvl9pPr>
-          </a:lstStyle>
-          <a:p>
-            <a:r>
-              <a:rPr lang="en-US" dirty="0"/>
-              <a:t>relative power in </a:t>
-            </a:r>
-            <a:r>
-              <a:rPr lang="en-US" b="1" dirty="0"/>
-              <a:t>beta</a:t>
-            </a:r>
-            <a:r>
-              <a:rPr lang="en-US" dirty="0"/>
-              <a:t> frequency </a:t>
-            </a:r>
-            <a:r>
-              <a:rPr lang="en-US" u="sng" dirty="0"/>
-              <a:t>decreases</a:t>
-            </a:r>
-            <a:r>
-              <a:rPr lang="en-US" dirty="0"/>
-              <a:t> within motor cortex during movement (event related desynchronization, ERD)</a:t>
-            </a:r>
-          </a:p>
-          <a:p>
-            <a:r>
-              <a:rPr lang="en-US" dirty="0"/>
-              <a:t>relative power in </a:t>
-            </a:r>
-            <a:r>
-              <a:rPr lang="en-US" b="1" dirty="0"/>
-              <a:t>high gamma </a:t>
-            </a:r>
-            <a:r>
-              <a:rPr lang="en-US" dirty="0"/>
-              <a:t>frequency </a:t>
-            </a:r>
-            <a:r>
-              <a:rPr lang="en-US" u="sng" dirty="0"/>
-              <a:t>increases</a:t>
-            </a:r>
-            <a:r>
-              <a:rPr lang="en-US" dirty="0"/>
-              <a:t> during movement (event related synchronization, ERS)</a:t>
-            </a:r>
-          </a:p>
-        </p:txBody>
-      </p:sp>
-    </p:spTree>
-    <p:extLst>
-      <p:ext uri="{BB962C8B-B14F-4D97-AF65-F5344CB8AC3E}">
-        <p14:creationId xmlns:p14="http://schemas.microsoft.com/office/powerpoint/2010/main" val="483844281"/>
-      </p:ext>
-    </p:extLst>
-  </p:cSld>
-  <p:clrMapOvr>
-    <a:masterClrMapping/>
-  </p:clrMapOvr>
-</p:sld>
-</file>
-
-<file path=ppt/slides/slide20.xml><?xml version="1.0" encoding="utf-8"?>
+<file path=ppt/slides/slide19.xml><?xml version="1.0" encoding="utf-8"?>
 <p:sld xmlns:a="http://schemas.openxmlformats.org/drawingml/2006/main" xmlns:r="http://schemas.openxmlformats.org/officeDocument/2006/relationships" xmlns:p="http://schemas.openxmlformats.org/presentationml/2006/main">
   <p:cSld>
     <p:spTree>
@@ -7666,6 +7698,440 @@
 </p:sld>
 </file>
 
+<file path=ppt/slides/slide2.xml><?xml version="1.0" encoding="utf-8"?>
+<p:sld xmlns:a="http://schemas.openxmlformats.org/drawingml/2006/main" xmlns:r="http://schemas.openxmlformats.org/officeDocument/2006/relationships" xmlns:p="http://schemas.openxmlformats.org/presentationml/2006/main">
+  <p:cSld>
+    <p:spTree>
+      <p:nvGrpSpPr>
+        <p:cNvPr id="1" name=""/>
+        <p:cNvGrpSpPr/>
+        <p:nvPr/>
+      </p:nvGrpSpPr>
+      <p:grpSpPr>
+        <a:xfrm>
+          <a:off x="0" y="0"/>
+          <a:ext cx="0" cy="0"/>
+          <a:chOff x="0" y="0"/>
+          <a:chExt cx="0" cy="0"/>
+        </a:xfrm>
+      </p:grpSpPr>
+      <p:sp>
+        <p:nvSpPr>
+          <p:cNvPr id="2" name="Title 1">
+            <a:extLst>
+              <a:ext uri="{FF2B5EF4-FFF2-40B4-BE49-F238E27FC236}">
+                <a16:creationId xmlns:a16="http://schemas.microsoft.com/office/drawing/2014/main" id="{AB229146-3FFE-7BBC-BD99-EA8A1D03F50B}"/>
+              </a:ext>
+            </a:extLst>
+          </p:cNvPr>
+          <p:cNvSpPr>
+            <a:spLocks noGrp="1"/>
+          </p:cNvSpPr>
+          <p:nvPr>
+            <p:ph type="title"/>
+          </p:nvPr>
+        </p:nvSpPr>
+        <p:spPr/>
+        <p:txBody>
+          <a:bodyPr>
+            <a:normAutofit/>
+          </a:bodyPr>
+          <a:lstStyle/>
+          <a:p>
+            <a:r>
+              <a:rPr lang="en-US" sz="3600" dirty="0"/>
+              <a:t>Background</a:t>
+            </a:r>
+          </a:p>
+        </p:txBody>
+      </p:sp>
+      <p:pic>
+        <p:nvPicPr>
+          <p:cNvPr id="4" name="Picture 3">
+            <a:extLst>
+              <a:ext uri="{FF2B5EF4-FFF2-40B4-BE49-F238E27FC236}">
+                <a16:creationId xmlns:a16="http://schemas.microsoft.com/office/drawing/2014/main" id="{334FBF65-2CBB-2A91-A3C4-3843FB1370A0}"/>
+              </a:ext>
+            </a:extLst>
+          </p:cNvPr>
+          <p:cNvPicPr>
+            <a:picLocks noChangeAspect="1"/>
+          </p:cNvPicPr>
+          <p:nvPr/>
+        </p:nvPicPr>
+        <p:blipFill>
+          <a:blip r:embed="rId2"/>
+          <a:stretch>
+            <a:fillRect/>
+          </a:stretch>
+        </p:blipFill>
+        <p:spPr>
+          <a:xfrm>
+            <a:off x="5882186" y="3080022"/>
+            <a:ext cx="4863974" cy="2914599"/>
+          </a:xfrm>
+          <a:prstGeom prst="rect">
+            <a:avLst/>
+          </a:prstGeom>
+        </p:spPr>
+      </p:pic>
+      <p:sp>
+        <p:nvSpPr>
+          <p:cNvPr id="6" name="TextBox 5">
+            <a:extLst>
+              <a:ext uri="{FF2B5EF4-FFF2-40B4-BE49-F238E27FC236}">
+                <a16:creationId xmlns:a16="http://schemas.microsoft.com/office/drawing/2014/main" id="{CE3884D6-3D08-4AC8-8271-4E19D5E764F5}"/>
+              </a:ext>
+            </a:extLst>
+          </p:cNvPr>
+          <p:cNvSpPr txBox="1"/>
+          <p:nvPr/>
+        </p:nvSpPr>
+        <p:spPr>
+          <a:xfrm>
+            <a:off x="9482021" y="5994621"/>
+            <a:ext cx="1414246" cy="276999"/>
+          </a:xfrm>
+          <a:prstGeom prst="rect">
+            <a:avLst/>
+          </a:prstGeom>
+          <a:noFill/>
+        </p:spPr>
+        <p:txBody>
+          <a:bodyPr vert="horz" wrap="square" rtlCol="0">
+            <a:spAutoFit/>
+          </a:bodyPr>
+          <a:lstStyle/>
+          <a:p>
+            <a:r>
+              <a:rPr lang="en-US" sz="1200" dirty="0"/>
+              <a:t>Miller et al. (2010)</a:t>
+            </a:r>
+          </a:p>
+        </p:txBody>
+      </p:sp>
+      <p:sp>
+        <p:nvSpPr>
+          <p:cNvPr id="8" name="Content Placeholder 2">
+            <a:extLst>
+              <a:ext uri="{FF2B5EF4-FFF2-40B4-BE49-F238E27FC236}">
+                <a16:creationId xmlns:a16="http://schemas.microsoft.com/office/drawing/2014/main" id="{45A4FF12-BEF8-3DD4-B8EF-8092B36F3033}"/>
+              </a:ext>
+            </a:extLst>
+          </p:cNvPr>
+          <p:cNvSpPr txBox="1">
+            <a:spLocks/>
+          </p:cNvSpPr>
+          <p:nvPr/>
+        </p:nvSpPr>
+        <p:spPr>
+          <a:xfrm>
+            <a:off x="1498982" y="1751818"/>
+            <a:ext cx="4383204" cy="3997828"/>
+          </a:xfrm>
+          <a:prstGeom prst="rect">
+            <a:avLst/>
+          </a:prstGeom>
+        </p:spPr>
+        <p:txBody>
+          <a:bodyPr vert="horz" lIns="91440" tIns="45720" rIns="91440" bIns="45720" rtlCol="0" anchor="t">
+            <a:normAutofit/>
+          </a:bodyPr>
+          <a:lstStyle>
+            <a:lvl1pPr marL="344488" indent="-344488" algn="l" defTabSz="914400" rtl="0" eaLnBrk="1" latinLnBrk="0" hangingPunct="1">
+              <a:lnSpc>
+                <a:spcPct val="120000"/>
+              </a:lnSpc>
+              <a:spcBef>
+                <a:spcPts val="1000"/>
+              </a:spcBef>
+              <a:spcAft>
+                <a:spcPts val="600"/>
+              </a:spcAft>
+              <a:buClr>
+                <a:schemeClr val="accent6"/>
+              </a:buClr>
+              <a:buSzPct val="90000"/>
+              <a:buFont typeface="Wingdings" panose="05000000000000000000" pitchFamily="2" charset="2"/>
+              <a:buChar char="§"/>
+              <a:defRPr sz="2000" kern="1200">
+                <a:solidFill>
+                  <a:schemeClr val="tx1"/>
+                </a:solidFill>
+                <a:effectLst/>
+                <a:latin typeface="+mn-lt"/>
+                <a:ea typeface="+mn-ea"/>
+                <a:cs typeface="+mn-cs"/>
+              </a:defRPr>
+            </a:lvl1pPr>
+            <a:lvl2pPr marL="795338" indent="-338138" algn="l" defTabSz="914400" rtl="0" eaLnBrk="1" latinLnBrk="0" hangingPunct="1">
+              <a:lnSpc>
+                <a:spcPct val="120000"/>
+              </a:lnSpc>
+              <a:spcBef>
+                <a:spcPts val="500"/>
+              </a:spcBef>
+              <a:spcAft>
+                <a:spcPts val="600"/>
+              </a:spcAft>
+              <a:buClr>
+                <a:schemeClr val="accent6"/>
+              </a:buClr>
+              <a:buSzPct val="90000"/>
+              <a:buFont typeface="Wingdings" panose="05000000000000000000" pitchFamily="2" charset="2"/>
+              <a:buChar char="§"/>
+              <a:defRPr sz="1800" kern="1200">
+                <a:solidFill>
+                  <a:schemeClr val="tx1"/>
+                </a:solidFill>
+                <a:effectLst/>
+                <a:latin typeface="+mn-lt"/>
+                <a:ea typeface="+mn-ea"/>
+                <a:cs typeface="+mn-cs"/>
+              </a:defRPr>
+            </a:lvl2pPr>
+            <a:lvl3pPr marL="1258888" indent="-344488" algn="l" defTabSz="914400" rtl="0" eaLnBrk="1" latinLnBrk="0" hangingPunct="1">
+              <a:lnSpc>
+                <a:spcPct val="120000"/>
+              </a:lnSpc>
+              <a:spcBef>
+                <a:spcPts val="500"/>
+              </a:spcBef>
+              <a:spcAft>
+                <a:spcPts val="600"/>
+              </a:spcAft>
+              <a:buClr>
+                <a:schemeClr val="accent6"/>
+              </a:buClr>
+              <a:buSzPct val="90000"/>
+              <a:buFont typeface="Wingdings" panose="05000000000000000000" pitchFamily="2" charset="2"/>
+              <a:buChar char="§"/>
+              <a:defRPr sz="1600" kern="1200">
+                <a:solidFill>
+                  <a:schemeClr val="tx1"/>
+                </a:solidFill>
+                <a:effectLst/>
+                <a:latin typeface="+mn-lt"/>
+                <a:ea typeface="+mn-ea"/>
+                <a:cs typeface="+mn-cs"/>
+              </a:defRPr>
+            </a:lvl3pPr>
+            <a:lvl4pPr marL="1709738" indent="-338138" algn="l" defTabSz="914400" rtl="0" eaLnBrk="1" latinLnBrk="0" hangingPunct="1">
+              <a:lnSpc>
+                <a:spcPct val="120000"/>
+              </a:lnSpc>
+              <a:spcBef>
+                <a:spcPts val="500"/>
+              </a:spcBef>
+              <a:spcAft>
+                <a:spcPts val="600"/>
+              </a:spcAft>
+              <a:buClr>
+                <a:schemeClr val="accent6"/>
+              </a:buClr>
+              <a:buSzPct val="90000"/>
+              <a:buFont typeface="Wingdings" panose="05000000000000000000" pitchFamily="2" charset="2"/>
+              <a:buChar char="§"/>
+              <a:defRPr sz="1400" kern="1200">
+                <a:solidFill>
+                  <a:schemeClr val="tx1"/>
+                </a:solidFill>
+                <a:effectLst/>
+                <a:latin typeface="+mn-lt"/>
+                <a:ea typeface="+mn-ea"/>
+                <a:cs typeface="+mn-cs"/>
+              </a:defRPr>
+            </a:lvl4pPr>
+            <a:lvl5pPr marL="2173288" indent="-344488" algn="l" defTabSz="914400" rtl="0" eaLnBrk="1" latinLnBrk="0" hangingPunct="1">
+              <a:lnSpc>
+                <a:spcPct val="120000"/>
+              </a:lnSpc>
+              <a:spcBef>
+                <a:spcPts val="500"/>
+              </a:spcBef>
+              <a:spcAft>
+                <a:spcPts val="600"/>
+              </a:spcAft>
+              <a:buClr>
+                <a:schemeClr val="accent6"/>
+              </a:buClr>
+              <a:buSzPct val="90000"/>
+              <a:buFont typeface="Wingdings" panose="05000000000000000000" pitchFamily="2" charset="2"/>
+              <a:buChar char="§"/>
+              <a:defRPr sz="1200" kern="1200">
+                <a:solidFill>
+                  <a:schemeClr val="tx1"/>
+                </a:solidFill>
+                <a:effectLst/>
+                <a:latin typeface="+mn-lt"/>
+                <a:ea typeface="+mn-ea"/>
+                <a:cs typeface="+mn-cs"/>
+              </a:defRPr>
+            </a:lvl5pPr>
+            <a:lvl6pPr marL="2642616" indent="-338328" algn="l" defTabSz="914400" rtl="0" eaLnBrk="1" latinLnBrk="0" hangingPunct="1">
+              <a:lnSpc>
+                <a:spcPct val="120000"/>
+              </a:lnSpc>
+              <a:spcBef>
+                <a:spcPts val="500"/>
+              </a:spcBef>
+              <a:spcAft>
+                <a:spcPts val="600"/>
+              </a:spcAft>
+              <a:buClr>
+                <a:schemeClr val="accent6"/>
+              </a:buClr>
+              <a:buSzPct val="90000"/>
+              <a:buFont typeface="Wingdings" panose="05000000000000000000" pitchFamily="2" charset="2"/>
+              <a:buChar char="§"/>
+              <a:defRPr sz="1200" kern="1200" baseline="0">
+                <a:solidFill>
+                  <a:schemeClr val="tx1"/>
+                </a:solidFill>
+                <a:effectLst/>
+                <a:latin typeface="+mn-lt"/>
+                <a:ea typeface="+mn-ea"/>
+                <a:cs typeface="+mn-cs"/>
+              </a:defRPr>
+            </a:lvl6pPr>
+            <a:lvl7pPr marL="3108960" indent="-338328" algn="l" defTabSz="914400" rtl="0" eaLnBrk="1" latinLnBrk="0" hangingPunct="1">
+              <a:lnSpc>
+                <a:spcPct val="120000"/>
+              </a:lnSpc>
+              <a:spcBef>
+                <a:spcPts val="500"/>
+              </a:spcBef>
+              <a:spcAft>
+                <a:spcPts val="600"/>
+              </a:spcAft>
+              <a:buClr>
+                <a:schemeClr val="accent6"/>
+              </a:buClr>
+              <a:buSzPct val="90000"/>
+              <a:buFont typeface="Wingdings" panose="05000000000000000000" pitchFamily="2" charset="2"/>
+              <a:buChar char="§"/>
+              <a:defRPr sz="1200" kern="1200" baseline="0">
+                <a:solidFill>
+                  <a:schemeClr val="tx1"/>
+                </a:solidFill>
+                <a:effectLst/>
+                <a:latin typeface="+mn-lt"/>
+                <a:ea typeface="+mn-ea"/>
+                <a:cs typeface="+mn-cs"/>
+              </a:defRPr>
+            </a:lvl7pPr>
+            <a:lvl8pPr marL="3575304" indent="-338328" algn="l" defTabSz="914400" rtl="0" eaLnBrk="1" latinLnBrk="0" hangingPunct="1">
+              <a:lnSpc>
+                <a:spcPct val="120000"/>
+              </a:lnSpc>
+              <a:spcBef>
+                <a:spcPts val="500"/>
+              </a:spcBef>
+              <a:spcAft>
+                <a:spcPts val="600"/>
+              </a:spcAft>
+              <a:buClr>
+                <a:schemeClr val="accent6"/>
+              </a:buClr>
+              <a:buSzPct val="90000"/>
+              <a:buFont typeface="Wingdings" panose="05000000000000000000" pitchFamily="2" charset="2"/>
+              <a:buChar char="§"/>
+              <a:defRPr sz="1200" kern="1200" baseline="0">
+                <a:solidFill>
+                  <a:schemeClr val="tx1"/>
+                </a:solidFill>
+                <a:effectLst/>
+                <a:latin typeface="+mn-lt"/>
+                <a:ea typeface="+mn-ea"/>
+                <a:cs typeface="+mn-cs"/>
+              </a:defRPr>
+            </a:lvl8pPr>
+            <a:lvl9pPr marL="4041648" indent="-338328" algn="l" defTabSz="914400" rtl="0" eaLnBrk="1" latinLnBrk="0" hangingPunct="1">
+              <a:lnSpc>
+                <a:spcPct val="120000"/>
+              </a:lnSpc>
+              <a:spcBef>
+                <a:spcPts val="500"/>
+              </a:spcBef>
+              <a:spcAft>
+                <a:spcPts val="600"/>
+              </a:spcAft>
+              <a:buClr>
+                <a:schemeClr val="accent6"/>
+              </a:buClr>
+              <a:buSzPct val="90000"/>
+              <a:buFont typeface="Wingdings" panose="05000000000000000000" pitchFamily="2" charset="2"/>
+              <a:buChar char="§"/>
+              <a:defRPr sz="1200" kern="1200" baseline="0">
+                <a:solidFill>
+                  <a:schemeClr val="tx1"/>
+                </a:solidFill>
+                <a:effectLst/>
+                <a:latin typeface="+mn-lt"/>
+                <a:ea typeface="+mn-ea"/>
+                <a:cs typeface="+mn-cs"/>
+              </a:defRPr>
+            </a:lvl9pPr>
+          </a:lstStyle>
+          <a:p>
+            <a:r>
+              <a:rPr lang="en-US" dirty="0"/>
+              <a:t>relative power in </a:t>
+            </a:r>
+            <a:r>
+              <a:rPr lang="en-US" b="1" dirty="0"/>
+              <a:t>beta</a:t>
+            </a:r>
+            <a:r>
+              <a:rPr lang="en-US" dirty="0"/>
+              <a:t> frequency </a:t>
+            </a:r>
+            <a:r>
+              <a:rPr lang="en-US" u="sng" dirty="0"/>
+              <a:t>decreases</a:t>
+            </a:r>
+            <a:r>
+              <a:rPr lang="en-US" dirty="0"/>
+              <a:t> within motor cortex during movement (event related desynchronization, ERD)</a:t>
+            </a:r>
+          </a:p>
+          <a:p>
+            <a:r>
+              <a:rPr lang="en-US" dirty="0"/>
+              <a:t>relative power in </a:t>
+            </a:r>
+            <a:r>
+              <a:rPr lang="en-US" b="1" dirty="0"/>
+              <a:t>high gamma </a:t>
+            </a:r>
+            <a:r>
+              <a:rPr lang="en-US" dirty="0"/>
+              <a:t>frequency </a:t>
+            </a:r>
+            <a:r>
+              <a:rPr lang="en-US" u="sng" dirty="0"/>
+              <a:t>increases</a:t>
+            </a:r>
+            <a:r>
+              <a:rPr lang="en-US" dirty="0"/>
+              <a:t> during movement (event related synchronization, ERS)</a:t>
+            </a:r>
+          </a:p>
+        </p:txBody>
+      </p:sp>
+    </p:spTree>
+    <p:extLst>
+      <p:ext uri="{BB962C8B-B14F-4D97-AF65-F5344CB8AC3E}">
+        <p14:creationId xmlns:p14="http://schemas.microsoft.com/office/powerpoint/2010/main" val="483844281"/>
+      </p:ext>
+    </p:extLst>
+  </p:cSld>
+  <p:clrMapOvr>
+    <a:masterClrMapping/>
+  </p:clrMapOvr>
+</p:sld>
+</file>
+
 <file path=ppt/slides/slide3.xml><?xml version="1.0" encoding="utf-8"?>
 <p:sld xmlns:a="http://schemas.openxmlformats.org/drawingml/2006/main" xmlns:r="http://schemas.openxmlformats.org/officeDocument/2006/relationships" xmlns:p="http://schemas.openxmlformats.org/presentationml/2006/main">
   <p:cSld>
@@ -7701,14 +8167,12 @@
         </p:nvSpPr>
         <p:spPr/>
         <p:txBody>
-          <a:bodyPr>
-            <a:normAutofit/>
-          </a:bodyPr>
-          <a:lstStyle/>
-          <a:p>
-            <a:r>
-              <a:rPr lang="en-US" sz="3600" dirty="0"/>
-              <a:t>Background</a:t>
+          <a:bodyPr/>
+          <a:lstStyle/>
+          <a:p>
+            <a:r>
+              <a:rPr lang="en-US" dirty="0"/>
+              <a:t>Aims</a:t>
             </a:r>
           </a:p>
         </p:txBody>
@@ -7731,8 +8195,8 @@
         </p:nvSpPr>
         <p:spPr>
           <a:xfrm>
-            <a:off x="1272082" y="1571952"/>
-            <a:ext cx="4404817" cy="5120640"/>
+            <a:off x="1498981" y="1751818"/>
+            <a:ext cx="8477532" cy="4519802"/>
           </a:xfrm>
         </p:spPr>
         <p:txBody>
@@ -7741,101 +8205,64 @@
           </a:bodyPr>
           <a:lstStyle/>
           <a:p>
-            <a:r>
-              <a:rPr lang="en-US" dirty="0"/>
-              <a:t>power </a:t>
-            </a:r>
-            <a:r>
-              <a:rPr lang="en-US" u="sng" dirty="0"/>
-              <a:t>increases</a:t>
-            </a:r>
-            <a:r>
-              <a:rPr lang="en-US" dirty="0"/>
-              <a:t> in </a:t>
-            </a:r>
-            <a:r>
-              <a:rPr lang="en-US" b="1" dirty="0"/>
-              <a:t>high gamma </a:t>
-            </a:r>
-            <a:r>
-              <a:rPr lang="en-US" dirty="0"/>
-              <a:t>correlate with dynamic movement features (movement related amplitude modulation, MAM)</a:t>
-            </a:r>
-          </a:p>
-          <a:p>
+            <a:pPr marL="457200" indent="-457200">
+              <a:buFont typeface="+mj-lt"/>
+              <a:buAutoNum type="arabicPeriod"/>
+            </a:pPr>
+            <a:r>
+              <a:rPr lang="en-US" sz="2400" dirty="0"/>
+              <a:t>Replicate prior ERD/ERS findings with the Miller dataset</a:t>
+            </a:r>
+          </a:p>
+          <a:p>
+            <a:pPr marL="457200" indent="-457200">
+              <a:buFont typeface="+mj-lt"/>
+              <a:buAutoNum type="arabicPeriod"/>
+            </a:pPr>
+            <a:r>
+              <a:rPr lang="en-US" sz="2400" dirty="0"/>
+              <a:t>Investigate how power profiles across frequency bands during </a:t>
+            </a:r>
+            <a:r>
+              <a:rPr lang="en-US" sz="2400" u="sng" dirty="0"/>
+              <a:t>imagined</a:t>
+            </a:r>
+            <a:r>
+              <a:rPr lang="en-US" sz="2400" dirty="0"/>
+              <a:t> movements differ from prior findings in </a:t>
+            </a:r>
+            <a:r>
+              <a:rPr lang="en-US" sz="2400" u="sng" dirty="0"/>
+              <a:t>actual</a:t>
+            </a:r>
+            <a:r>
+              <a:rPr lang="en-US" sz="2400" dirty="0"/>
+              <a:t> movements</a:t>
+            </a:r>
+          </a:p>
+          <a:p>
+            <a:pPr marL="457200" indent="-457200">
+              <a:buFont typeface="+mj-lt"/>
+              <a:buAutoNum type="arabicPeriod"/>
+            </a:pPr>
+            <a:r>
+              <a:rPr lang="en-US" sz="2400" dirty="0"/>
+              <a:t>Compare ability of K-means and Random Forest classifiers to identify actual and imagined movements when trained on data with and without high gamma</a:t>
+            </a:r>
+          </a:p>
+          <a:p>
+            <a:pPr marL="457200" indent="-457200">
+              <a:buFont typeface="+mj-lt"/>
+              <a:buAutoNum type="arabicPeriod"/>
+            </a:pPr>
             <a:endParaRPr lang="en-US" dirty="0"/>
-          </a:p>
-        </p:txBody>
-      </p:sp>
-      <p:pic>
-        <p:nvPicPr>
-          <p:cNvPr id="8" name="Picture 7">
-            <a:extLst>
-              <a:ext uri="{FF2B5EF4-FFF2-40B4-BE49-F238E27FC236}">
-                <a16:creationId xmlns:a16="http://schemas.microsoft.com/office/drawing/2014/main" id="{D23B0C8B-9172-B745-F068-06E46FFEC575}"/>
-              </a:ext>
-            </a:extLst>
-          </p:cNvPr>
-          <p:cNvPicPr>
-            <a:picLocks noChangeAspect="1"/>
-          </p:cNvPicPr>
-          <p:nvPr/>
-        </p:nvPicPr>
-        <p:blipFill>
-          <a:blip r:embed="rId2"/>
-          <a:stretch>
-            <a:fillRect/>
-          </a:stretch>
-        </p:blipFill>
-        <p:spPr>
-          <a:xfrm>
-            <a:off x="5358201" y="3429000"/>
-            <a:ext cx="5561716" cy="2329094"/>
-          </a:xfrm>
-          <a:prstGeom prst="rect">
-            <a:avLst/>
-          </a:prstGeom>
-        </p:spPr>
-      </p:pic>
-      <p:sp>
-        <p:nvSpPr>
-          <p:cNvPr id="9" name="TextBox 8">
-            <a:extLst>
-              <a:ext uri="{FF2B5EF4-FFF2-40B4-BE49-F238E27FC236}">
-                <a16:creationId xmlns:a16="http://schemas.microsoft.com/office/drawing/2014/main" id="{E0B45C60-0C29-9A19-A4CD-7724D2DEFF44}"/>
-              </a:ext>
-            </a:extLst>
-          </p:cNvPr>
-          <p:cNvSpPr txBox="1"/>
-          <p:nvPr/>
-        </p:nvSpPr>
-        <p:spPr>
-          <a:xfrm>
-            <a:off x="3537568" y="5481095"/>
-            <a:ext cx="1905693" cy="276999"/>
-          </a:xfrm>
-          <a:prstGeom prst="rect">
-            <a:avLst/>
-          </a:prstGeom>
-          <a:noFill/>
-        </p:spPr>
-        <p:txBody>
-          <a:bodyPr vert="horz" wrap="square" rtlCol="0">
-            <a:spAutoFit/>
-          </a:bodyPr>
-          <a:lstStyle/>
-          <a:p>
-            <a:r>
-              <a:rPr lang="en-US" sz="1200" dirty="0"/>
-              <a:t>Unterweger et al. (2020)</a:t>
-            </a:r>
           </a:p>
         </p:txBody>
       </p:sp>
     </p:spTree>
     <p:extLst>
       <p:ext uri="{BB962C8B-B14F-4D97-AF65-F5344CB8AC3E}">
-        <p14:creationId xmlns:p14="http://schemas.microsoft.com/office/powerpoint/2010/main" val="1562230418"/>
+        <p14:creationId xmlns:p14="http://schemas.microsoft.com/office/powerpoint/2010/main" val="1905046160"/>
       </p:ext>
     </p:extLst>
   </p:cSld>
@@ -7885,7 +8312,7 @@
           <a:p>
             <a:r>
               <a:rPr lang="en-US" dirty="0"/>
-              <a:t>Aims</a:t>
+              <a:t>Data</a:t>
             </a:r>
           </a:p>
         </p:txBody>
@@ -7906,112 +8333,67 @@
             <p:ph idx="1"/>
           </p:nvPr>
         </p:nvSpPr>
-        <p:spPr>
-          <a:xfrm>
-            <a:off x="1498981" y="1751818"/>
-            <a:ext cx="8477532" cy="4519802"/>
-          </a:xfrm>
-        </p:spPr>
-        <p:txBody>
-          <a:bodyPr anchor="t">
-            <a:normAutofit fontScale="85000" lnSpcReduction="20000"/>
-          </a:bodyPr>
-          <a:lstStyle/>
-          <a:p>
-            <a:pPr marL="457200" indent="-457200">
-              <a:buFont typeface="+mj-lt"/>
-              <a:buAutoNum type="arabicPeriod"/>
+        <p:spPr/>
+        <p:txBody>
+          <a:bodyPr anchor="t"/>
+          <a:lstStyle/>
+          <a:p>
+            <a:r>
+              <a:rPr lang="en-US" dirty="0" err="1"/>
+              <a:t>ECoG</a:t>
+            </a:r>
+            <a:r>
+              <a:rPr lang="en-US" dirty="0"/>
+              <a:t> recordings from subjects undergoing treatment for medically refractory epilepsy</a:t>
+            </a:r>
+          </a:p>
+          <a:p>
+            <a:pPr>
+              <a:spcAft>
+                <a:spcPts val="0"/>
+              </a:spcAft>
             </a:pPr>
             <a:r>
               <a:rPr lang="en-US" dirty="0"/>
-              <a:t>Replicate prior ERD/ERS findings with the Miller dataset</a:t>
-            </a:r>
-          </a:p>
-          <a:p>
-            <a:pPr marL="457200" indent="-457200">
-              <a:buFont typeface="+mj-lt"/>
-              <a:buAutoNum type="arabicPeriod"/>
+              <a:t>Two interleaved tasks at rate of once per second (1 Hz), alternating between task and rest, on-screen cue:</a:t>
+            </a:r>
+          </a:p>
+          <a:p>
+            <a:pPr lvl="1">
+              <a:spcBef>
+                <a:spcPts val="0"/>
+              </a:spcBef>
             </a:pPr>
             <a:r>
               <a:rPr lang="en-US" dirty="0"/>
-              <a:t>Investigate how power profiles across frequency bands during </a:t>
-            </a:r>
-            <a:r>
-              <a:rPr lang="en-US" u="sng" dirty="0"/>
-              <a:t>imagined</a:t>
-            </a:r>
+              <a:t>hand (synchronous flexion/extension of all fingers)</a:t>
+            </a:r>
+          </a:p>
+          <a:p>
+            <a:pPr lvl="1">
+              <a:spcBef>
+                <a:spcPts val="0"/>
+              </a:spcBef>
+            </a:pPr>
             <a:r>
               <a:rPr lang="en-US" dirty="0"/>
-              <a:t> movements differ from prior findings in </a:t>
-            </a:r>
-            <a:r>
-              <a:rPr lang="en-US" u="sng" dirty="0"/>
-              <a:t>actual</a:t>
-            </a:r>
+              <a:t>tongue (protrusion/retraction of tongue with mouth open)</a:t>
+            </a:r>
+          </a:p>
+          <a:p>
             <a:r>
               <a:rPr lang="en-US" dirty="0"/>
-              <a:t> movements</a:t>
-            </a:r>
-          </a:p>
-          <a:p>
-            <a:pPr marL="457200" indent="-457200">
-              <a:buFont typeface="+mj-lt"/>
-              <a:buAutoNum type="arabicPeriod"/>
-            </a:pPr>
+              <a:t>Two conditions: real movement, imagined movement</a:t>
+            </a:r>
+          </a:p>
+          <a:p>
+            <a:r>
+              <a:rPr lang="en-US" dirty="0" err="1"/>
+              <a:t>Dataglove</a:t>
+            </a:r>
             <a:r>
               <a:rPr lang="en-US" dirty="0"/>
-              <a:t>Compare ability of XXXX classifier to identify actual and imagined movements when trained on beta only, gamma only, and </a:t>
-            </a:r>
-            <a:r>
-              <a:rPr lang="en-US" dirty="0" err="1"/>
-              <a:t>beta+gamma</a:t>
-            </a:r>
-            <a:endParaRPr lang="en-US" dirty="0"/>
-          </a:p>
-          <a:p>
-            <a:pPr marL="457200" indent="-457200">
-              <a:buFont typeface="+mj-lt"/>
-              <a:buAutoNum type="arabicPeriod"/>
-            </a:pPr>
-            <a:endParaRPr lang="en-US" dirty="0"/>
-          </a:p>
-          <a:p>
-            <a:pPr marL="0" indent="0">
-              <a:buNone/>
-            </a:pPr>
-            <a:r>
-              <a:rPr lang="en-US" b="1" u="sng" dirty="0"/>
-              <a:t>Hypotheses</a:t>
-            </a:r>
-          </a:p>
-          <a:p>
-            <a:pPr marL="457200" indent="-457200">
-              <a:buFont typeface="+mj-lt"/>
-              <a:buAutoNum type="alphaUcPeriod"/>
-            </a:pPr>
-            <a:r>
-              <a:rPr lang="en-US" dirty="0"/>
-              <a:t>Similar ERD in beta frequency between actual and imagined</a:t>
-            </a:r>
-          </a:p>
-          <a:p>
-            <a:pPr marL="457200" indent="-457200">
-              <a:buFont typeface="+mj-lt"/>
-              <a:buAutoNum type="alphaUcPeriod"/>
-            </a:pPr>
-            <a:r>
-              <a:rPr lang="en-US" dirty="0"/>
-              <a:t>Attenuated changes in high gamma frequency for imagined movements in comparison with actual movements</a:t>
-            </a:r>
-          </a:p>
-          <a:p>
-            <a:pPr marL="457200" indent="-457200">
-              <a:buFont typeface="+mj-lt"/>
-              <a:buAutoNum type="alphaUcPeriod"/>
-            </a:pPr>
-            <a:r>
-              <a:rPr lang="en-US" dirty="0"/>
-              <a:t>Beta only models will significantly underperform in the discrimination task</a:t>
+              <a:t> or EMG to verify absence of movement during imagined condition</a:t>
             </a:r>
           </a:p>
         </p:txBody>
@@ -8019,7 +8401,7 @@
     </p:spTree>
     <p:extLst>
       <p:ext uri="{BB962C8B-B14F-4D97-AF65-F5344CB8AC3E}">
-        <p14:creationId xmlns:p14="http://schemas.microsoft.com/office/powerpoint/2010/main" val="1905046160"/>
+        <p14:creationId xmlns:p14="http://schemas.microsoft.com/office/powerpoint/2010/main" val="2810920428"/>
       </p:ext>
     </p:extLst>
   </p:cSld>
@@ -8090,67 +8472,96 @@
             <p:ph idx="1"/>
           </p:nvPr>
         </p:nvSpPr>
-        <p:spPr/>
+        <p:spPr>
+          <a:xfrm>
+            <a:off x="1498980" y="1751818"/>
+            <a:ext cx="4597019" cy="3997828"/>
+          </a:xfrm>
+        </p:spPr>
         <p:txBody>
           <a:bodyPr anchor="t"/>
           <a:lstStyle/>
           <a:p>
             <a:r>
-              <a:rPr lang="en-US" dirty="0" err="1"/>
-              <a:t>ECoG</a:t>
-            </a:r>
-            <a:r>
               <a:rPr lang="en-US" dirty="0"/>
-              <a:t> recordings from subjects undergoing treatment for medically refractory epilepsy</a:t>
-            </a:r>
-          </a:p>
-          <a:p>
-            <a:pPr>
-              <a:spcAft>
-                <a:spcPts val="0"/>
-              </a:spcAft>
-            </a:pPr>
+              <a:t>Electrocortical mapping for five participants (for clinical purposes)</a:t>
+            </a:r>
+          </a:p>
+          <a:p>
             <a:r>
               <a:rPr lang="en-US" dirty="0"/>
-              <a:t>Two interleaved tasks at rate of once per second (1 Hz), alternating between task and rest, on-screen cue:</a:t>
-            </a:r>
-          </a:p>
-          <a:p>
-            <a:pPr lvl="1">
-              <a:spcBef>
-                <a:spcPts val="0"/>
-              </a:spcBef>
-            </a:pPr>
+              <a:t>Provides indication of electrodes where stimulation causes movement</a:t>
+            </a:r>
+          </a:p>
+          <a:p>
             <a:r>
               <a:rPr lang="en-US" dirty="0"/>
-              <a:t>hand (synchronous flexion/extension of all fingers)</a:t>
-            </a:r>
-          </a:p>
-          <a:p>
-            <a:pPr lvl="1">
-              <a:spcBef>
-                <a:spcPts val="0"/>
-              </a:spcBef>
-            </a:pPr>
-            <a:r>
-              <a:rPr lang="en-US" dirty="0"/>
-              <a:t>tongue (protrusion/retraction of tongue with mouth open)</a:t>
-            </a:r>
-          </a:p>
-          <a:p>
-            <a:r>
-              <a:rPr lang="en-US" dirty="0"/>
-              <a:t>Two conditions: real movement, imagined movement</a:t>
-            </a:r>
-          </a:p>
-          <a:p>
-            <a:r>
-              <a:rPr lang="en-US" dirty="0" err="1"/>
-              <a:t>Dataglove</a:t>
-            </a:r>
-            <a:r>
-              <a:rPr lang="en-US" dirty="0"/>
-              <a:t> or EMG to verify absence of movement during imagined condition</a:t>
+              <a:t>Analyzed S1, S3, and S4</a:t>
+            </a:r>
+          </a:p>
+        </p:txBody>
+      </p:sp>
+      <p:pic>
+        <p:nvPicPr>
+          <p:cNvPr id="4" name="Picture 3">
+            <a:extLst>
+              <a:ext uri="{FF2B5EF4-FFF2-40B4-BE49-F238E27FC236}">
+                <a16:creationId xmlns:a16="http://schemas.microsoft.com/office/drawing/2014/main" id="{57146172-EBBD-0561-DA82-E165F8390A0F}"/>
+              </a:ext>
+            </a:extLst>
+          </p:cNvPr>
+          <p:cNvPicPr>
+            <a:picLocks noChangeAspect="1"/>
+          </p:cNvPicPr>
+          <p:nvPr/>
+        </p:nvPicPr>
+        <p:blipFill>
+          <a:blip r:embed="rId2"/>
+          <a:stretch>
+            <a:fillRect/>
+          </a:stretch>
+        </p:blipFill>
+        <p:spPr>
+          <a:xfrm>
+            <a:off x="6438519" y="2092046"/>
+            <a:ext cx="4254500" cy="3657600"/>
+          </a:xfrm>
+          <a:prstGeom prst="rect">
+            <a:avLst/>
+          </a:prstGeom>
+        </p:spPr>
+      </p:pic>
+      <p:sp>
+        <p:nvSpPr>
+          <p:cNvPr id="5" name="TextBox 4">
+            <a:extLst>
+              <a:ext uri="{FF2B5EF4-FFF2-40B4-BE49-F238E27FC236}">
+                <a16:creationId xmlns:a16="http://schemas.microsoft.com/office/drawing/2014/main" id="{0AAA59E3-F362-3043-DF83-7647E68FEAB3}"/>
+              </a:ext>
+            </a:extLst>
+          </p:cNvPr>
+          <p:cNvSpPr txBox="1"/>
+          <p:nvPr/>
+        </p:nvSpPr>
+        <p:spPr>
+          <a:xfrm>
+            <a:off x="9278773" y="5745157"/>
+            <a:ext cx="1414246" cy="276999"/>
+          </a:xfrm>
+          <a:prstGeom prst="rect">
+            <a:avLst/>
+          </a:prstGeom>
+          <a:noFill/>
+        </p:spPr>
+        <p:txBody>
+          <a:bodyPr vert="horz" wrap="square" rtlCol="0">
+            <a:spAutoFit/>
+          </a:bodyPr>
+          <a:lstStyle/>
+          <a:p>
+            <a:r>
+              <a:rPr lang="en-US" sz="1200" dirty="0"/>
+              <a:t>Miller et al. (2010)</a:t>
             </a:r>
           </a:p>
         </p:txBody>
@@ -8158,7 +8569,7 @@
     </p:spTree>
     <p:extLst>
       <p:ext uri="{BB962C8B-B14F-4D97-AF65-F5344CB8AC3E}">
-        <p14:creationId xmlns:p14="http://schemas.microsoft.com/office/powerpoint/2010/main" val="2810920428"/>
+        <p14:creationId xmlns:p14="http://schemas.microsoft.com/office/powerpoint/2010/main" val="1953795478"/>
       </p:ext>
     </p:extLst>
   </p:cSld>
@@ -8208,62 +8619,17 @@
           <a:p>
             <a:r>
               <a:rPr lang="en-US" dirty="0"/>
-              <a:t>Data</a:t>
-            </a:r>
-          </a:p>
-        </p:txBody>
-      </p:sp>
-      <p:sp>
-        <p:nvSpPr>
-          <p:cNvPr id="3" name="Content Placeholder 2">
+              <a:t>Methods</a:t>
+            </a:r>
+          </a:p>
+        </p:txBody>
+      </p:sp>
+      <p:pic>
+        <p:nvPicPr>
+          <p:cNvPr id="9" name="Picture 8">
             <a:extLst>
               <a:ext uri="{FF2B5EF4-FFF2-40B4-BE49-F238E27FC236}">
-                <a16:creationId xmlns:a16="http://schemas.microsoft.com/office/drawing/2014/main" id="{AA6B1422-D7D4-F653-7016-761FE0442ADA}"/>
-              </a:ext>
-            </a:extLst>
-          </p:cNvPr>
-          <p:cNvSpPr>
-            <a:spLocks noGrp="1"/>
-          </p:cNvSpPr>
-          <p:nvPr>
-            <p:ph idx="1"/>
-          </p:nvPr>
-        </p:nvSpPr>
-        <p:spPr>
-          <a:xfrm>
-            <a:off x="1498980" y="1751818"/>
-            <a:ext cx="4597019" cy="3997828"/>
-          </a:xfrm>
-        </p:spPr>
-        <p:txBody>
-          <a:bodyPr anchor="t"/>
-          <a:lstStyle/>
-          <a:p>
-            <a:r>
-              <a:rPr lang="en-US" dirty="0"/>
-              <a:t>Electrocortical mapping for five participants (for clinical purposes)</a:t>
-            </a:r>
-          </a:p>
-          <a:p>
-            <a:r>
-              <a:rPr lang="en-US" dirty="0"/>
-              <a:t>Provides indication of electrodes where stimulation causes movement</a:t>
-            </a:r>
-          </a:p>
-          <a:p>
-            <a:r>
-              <a:rPr lang="en-US" dirty="0"/>
-              <a:t>Analyzed S1, S3, and S4</a:t>
-            </a:r>
-          </a:p>
-        </p:txBody>
-      </p:sp>
-      <p:pic>
-        <p:nvPicPr>
-          <p:cNvPr id="4" name="Picture 3">
-            <a:extLst>
-              <a:ext uri="{FF2B5EF4-FFF2-40B4-BE49-F238E27FC236}">
-                <a16:creationId xmlns:a16="http://schemas.microsoft.com/office/drawing/2014/main" id="{57146172-EBBD-0561-DA82-E165F8390A0F}"/>
+                <a16:creationId xmlns:a16="http://schemas.microsoft.com/office/drawing/2014/main" id="{5B0CFF42-5C74-97C5-32CC-CEB19D78277B}"/>
               </a:ext>
             </a:extLst>
           </p:cNvPr>
@@ -8273,15 +8639,15 @@
           <p:nvPr/>
         </p:nvPicPr>
         <p:blipFill>
-          <a:blip r:embed="rId2"/>
+          <a:blip r:embed="rId3"/>
           <a:stretch>
             <a:fillRect/>
           </a:stretch>
         </p:blipFill>
         <p:spPr>
           <a:xfrm>
-            <a:off x="6438519" y="2092046"/>
-            <a:ext cx="4254500" cy="3657600"/>
+            <a:off x="1764973" y="1540681"/>
+            <a:ext cx="8805166" cy="5097728"/>
           </a:xfrm>
           <a:prstGeom prst="rect">
             <a:avLst/>
@@ -8290,10 +8656,10 @@
       </p:pic>
       <p:sp>
         <p:nvSpPr>
-          <p:cNvPr id="5" name="TextBox 4">
+          <p:cNvPr id="10" name="TextBox 9">
             <a:extLst>
               <a:ext uri="{FF2B5EF4-FFF2-40B4-BE49-F238E27FC236}">
-                <a16:creationId xmlns:a16="http://schemas.microsoft.com/office/drawing/2014/main" id="{0AAA59E3-F362-3043-DF83-7647E68FEAB3}"/>
+                <a16:creationId xmlns:a16="http://schemas.microsoft.com/office/drawing/2014/main" id="{BF3916B4-083B-6EC1-E81C-6A242C8968F8}"/>
               </a:ext>
             </a:extLst>
           </p:cNvPr>
@@ -8301,9 +8667,9 @@
           <p:nvPr/>
         </p:nvSpPr>
         <p:spPr>
-          <a:xfrm>
-            <a:off x="9278773" y="5745157"/>
-            <a:ext cx="1414246" cy="276999"/>
+          <a:xfrm rot="19966124">
+            <a:off x="2197611" y="2969708"/>
+            <a:ext cx="7465326" cy="1446550"/>
           </a:xfrm>
           <a:prstGeom prst="rect">
             <a:avLst/>
@@ -8311,14 +8677,15 @@
           <a:noFill/>
         </p:spPr>
         <p:txBody>
-          <a:bodyPr vert="horz" wrap="square" rtlCol="0">
+          <a:bodyPr wrap="square" rtlCol="0">
             <a:spAutoFit/>
           </a:bodyPr>
           <a:lstStyle/>
           <a:p>
-            <a:r>
-              <a:rPr lang="en-US" sz="1200" dirty="0"/>
-              <a:t>Miller et al. (2010)</a:t>
+            <a:pPr algn="ctr"/>
+            <a:r>
+              <a:rPr lang="en-US" sz="8800" dirty="0"/>
+              <a:t>to be updated</a:t>
             </a:r>
           </a:p>
         </p:txBody>
@@ -8326,7 +8693,7 @@
     </p:spTree>
     <p:extLst>
       <p:ext uri="{BB962C8B-B14F-4D97-AF65-F5344CB8AC3E}">
-        <p14:creationId xmlns:p14="http://schemas.microsoft.com/office/powerpoint/2010/main" val="1953795478"/>
+        <p14:creationId xmlns:p14="http://schemas.microsoft.com/office/powerpoint/2010/main" val="352853449"/>
       </p:ext>
     </p:extLst>
   </p:cSld>
@@ -8376,17 +8743,96 @@
           <a:p>
             <a:r>
               <a:rPr lang="en-US" dirty="0"/>
-              <a:t>Methods</a:t>
+              <a:t>Results | ERD/ERS</a:t>
+            </a:r>
+            <a:br>
+              <a:rPr lang="en-US" dirty="0"/>
+            </a:br>
+            <a:r>
+              <a:rPr lang="en-US" sz="2400" dirty="0"/>
+              <a:t>S1 Hand, Electrode 27</a:t>
+            </a:r>
+          </a:p>
+        </p:txBody>
+      </p:sp>
+      <p:sp>
+        <p:nvSpPr>
+          <p:cNvPr id="6" name="TextBox 5">
+            <a:extLst>
+              <a:ext uri="{FF2B5EF4-FFF2-40B4-BE49-F238E27FC236}">
+                <a16:creationId xmlns:a16="http://schemas.microsoft.com/office/drawing/2014/main" id="{398FD5B5-967C-0842-9C32-2FF021B335AF}"/>
+              </a:ext>
+            </a:extLst>
+          </p:cNvPr>
+          <p:cNvSpPr txBox="1"/>
+          <p:nvPr/>
+        </p:nvSpPr>
+        <p:spPr>
+          <a:xfrm>
+            <a:off x="1708727" y="1898073"/>
+            <a:ext cx="4193309" cy="369332"/>
+          </a:xfrm>
+          <a:prstGeom prst="rect">
+            <a:avLst/>
+          </a:prstGeom>
+          <a:noFill/>
+        </p:spPr>
+        <p:txBody>
+          <a:bodyPr wrap="square" rtlCol="0">
+            <a:spAutoFit/>
+          </a:bodyPr>
+          <a:lstStyle/>
+          <a:p>
+            <a:pPr algn="ctr"/>
+            <a:r>
+              <a:rPr lang="en-US" u="sng" dirty="0"/>
+              <a:t>actual movement</a:t>
+            </a:r>
+          </a:p>
+        </p:txBody>
+      </p:sp>
+      <p:sp>
+        <p:nvSpPr>
+          <p:cNvPr id="7" name="TextBox 6">
+            <a:extLst>
+              <a:ext uri="{FF2B5EF4-FFF2-40B4-BE49-F238E27FC236}">
+                <a16:creationId xmlns:a16="http://schemas.microsoft.com/office/drawing/2014/main" id="{491C672F-5F1C-145B-D2AA-0489F3EE2464}"/>
+              </a:ext>
+            </a:extLst>
+          </p:cNvPr>
+          <p:cNvSpPr txBox="1"/>
+          <p:nvPr/>
+        </p:nvSpPr>
+        <p:spPr>
+          <a:xfrm>
+            <a:off x="6696363" y="1898073"/>
+            <a:ext cx="4193309" cy="369332"/>
+          </a:xfrm>
+          <a:prstGeom prst="rect">
+            <a:avLst/>
+          </a:prstGeom>
+          <a:noFill/>
+        </p:spPr>
+        <p:txBody>
+          <a:bodyPr wrap="square" rtlCol="0">
+            <a:spAutoFit/>
+          </a:bodyPr>
+          <a:lstStyle/>
+          <a:p>
+            <a:pPr algn="ctr"/>
+            <a:r>
+              <a:rPr lang="en-US" u="sng" dirty="0"/>
+              <a:t>imagined movement</a:t>
             </a:r>
           </a:p>
         </p:txBody>
       </p:sp>
       <p:pic>
         <p:nvPicPr>
-          <p:cNvPr id="9" name="Picture 8">
+          <p:cNvPr id="3" name="Picture 2">
             <a:extLst>
               <a:ext uri="{FF2B5EF4-FFF2-40B4-BE49-F238E27FC236}">
-                <a16:creationId xmlns:a16="http://schemas.microsoft.com/office/drawing/2014/main" id="{5B0CFF42-5C74-97C5-32CC-CEB19D78277B}"/>
+                <a16:creationId xmlns:a16="http://schemas.microsoft.com/office/drawing/2014/main" id="{7968E5F1-2B9E-2564-DCE2-DDCBF99A481B}"/>
               </a:ext>
             </a:extLst>
           </p:cNvPr>
@@ -8403,54 +8849,48 @@
         </p:blipFill>
         <p:spPr>
           <a:xfrm>
-            <a:off x="1764973" y="1540681"/>
-            <a:ext cx="8805166" cy="5097728"/>
+            <a:off x="1708727" y="2566729"/>
+            <a:ext cx="4357481" cy="2923373"/>
           </a:xfrm>
           <a:prstGeom prst="rect">
             <a:avLst/>
           </a:prstGeom>
         </p:spPr>
       </p:pic>
-      <p:sp>
-        <p:nvSpPr>
-          <p:cNvPr id="10" name="TextBox 9">
+      <p:pic>
+        <p:nvPicPr>
+          <p:cNvPr id="4" name="Picture 3">
             <a:extLst>
               <a:ext uri="{FF2B5EF4-FFF2-40B4-BE49-F238E27FC236}">
-                <a16:creationId xmlns:a16="http://schemas.microsoft.com/office/drawing/2014/main" id="{BF3916B4-083B-6EC1-E81C-6A242C8968F8}"/>
+                <a16:creationId xmlns:a16="http://schemas.microsoft.com/office/drawing/2014/main" id="{D64F9AB2-9563-2816-F34F-F4B0AF056AE5}"/>
               </a:ext>
             </a:extLst>
           </p:cNvPr>
-          <p:cNvSpPr txBox="1"/>
+          <p:cNvPicPr>
+            <a:picLocks noChangeAspect="1"/>
+          </p:cNvPicPr>
           <p:nvPr/>
-        </p:nvSpPr>
-        <p:spPr>
-          <a:xfrm rot="19966124">
-            <a:off x="2197611" y="2969708"/>
-            <a:ext cx="7465326" cy="1446550"/>
+        </p:nvPicPr>
+        <p:blipFill>
+          <a:blip r:embed="rId3"/>
+          <a:stretch>
+            <a:fillRect/>
+          </a:stretch>
+        </p:blipFill>
+        <p:spPr>
+          <a:xfrm>
+            <a:off x="6612259" y="2566729"/>
+            <a:ext cx="4361515" cy="2926080"/>
           </a:xfrm>
           <a:prstGeom prst="rect">
             <a:avLst/>
           </a:prstGeom>
-          <a:noFill/>
-        </p:spPr>
-        <p:txBody>
-          <a:bodyPr wrap="square" rtlCol="0">
-            <a:spAutoFit/>
-          </a:bodyPr>
-          <a:lstStyle/>
-          <a:p>
-            <a:pPr algn="ctr"/>
-            <a:r>
-              <a:rPr lang="en-US" sz="8800" dirty="0"/>
-              <a:t>to be updated</a:t>
-            </a:r>
-          </a:p>
-        </p:txBody>
-      </p:sp>
+        </p:spPr>
+      </p:pic>
     </p:spTree>
     <p:extLst>
       <p:ext uri="{BB962C8B-B14F-4D97-AF65-F5344CB8AC3E}">
-        <p14:creationId xmlns:p14="http://schemas.microsoft.com/office/powerpoint/2010/main" val="352853449"/>
+        <p14:creationId xmlns:p14="http://schemas.microsoft.com/office/powerpoint/2010/main" val="3750689511"/>
       </p:ext>
     </p:extLst>
   </p:cSld>
@@ -8507,7 +8947,7 @@
             </a:br>
             <a:r>
               <a:rPr lang="en-US" sz="2400" dirty="0"/>
-              <a:t>S1 Hand, Electrode 27</a:t>
+              <a:t>S1 Hand, Electrode 35</a:t>
             </a:r>
           </a:p>
         </p:txBody>
@@ -8586,10 +9026,10 @@
       </p:sp>
       <p:pic>
         <p:nvPicPr>
-          <p:cNvPr id="3" name="Picture 2">
+          <p:cNvPr id="5" name="Picture 4">
             <a:extLst>
               <a:ext uri="{FF2B5EF4-FFF2-40B4-BE49-F238E27FC236}">
-                <a16:creationId xmlns:a16="http://schemas.microsoft.com/office/drawing/2014/main" id="{7968E5F1-2B9E-2564-DCE2-DDCBF99A481B}"/>
+                <a16:creationId xmlns:a16="http://schemas.microsoft.com/office/drawing/2014/main" id="{3A76629F-6595-4D55-1F45-69F3ABF73D5C}"/>
               </a:ext>
             </a:extLst>
           </p:cNvPr>
@@ -8607,7 +9047,7 @@
         <p:spPr>
           <a:xfrm>
             <a:off x="1708727" y="2566729"/>
-            <a:ext cx="4357481" cy="2923373"/>
+            <a:ext cx="4416725" cy="2926080"/>
           </a:xfrm>
           <a:prstGeom prst="rect">
             <a:avLst/>
@@ -8616,10 +9056,10 @@
       </p:pic>
       <p:pic>
         <p:nvPicPr>
-          <p:cNvPr id="4" name="Picture 3">
+          <p:cNvPr id="8" name="Picture 7">
             <a:extLst>
               <a:ext uri="{FF2B5EF4-FFF2-40B4-BE49-F238E27FC236}">
-                <a16:creationId xmlns:a16="http://schemas.microsoft.com/office/drawing/2014/main" id="{D64F9AB2-9563-2816-F34F-F4B0AF056AE5}"/>
+                <a16:creationId xmlns:a16="http://schemas.microsoft.com/office/drawing/2014/main" id="{50B4234D-3E81-BD8D-05AA-A0399F8A82E2}"/>
               </a:ext>
             </a:extLst>
           </p:cNvPr>
@@ -8636,8 +9076,8 @@
         </p:blipFill>
         <p:spPr>
           <a:xfrm>
-            <a:off x="6612259" y="2566729"/>
-            <a:ext cx="4361515" cy="2926080"/>
+            <a:off x="6536743" y="2566729"/>
+            <a:ext cx="4416724" cy="2926080"/>
           </a:xfrm>
           <a:prstGeom prst="rect">
             <a:avLst/>
@@ -8647,7 +9087,7 @@
     </p:spTree>
     <p:extLst>
       <p:ext uri="{BB962C8B-B14F-4D97-AF65-F5344CB8AC3E}">
-        <p14:creationId xmlns:p14="http://schemas.microsoft.com/office/powerpoint/2010/main" val="3750689511"/>
+        <p14:creationId xmlns:p14="http://schemas.microsoft.com/office/powerpoint/2010/main" val="2973634916"/>
       </p:ext>
     </p:extLst>
   </p:cSld>
@@ -8697,96 +9137,18 @@
           <a:p>
             <a:r>
               <a:rPr lang="en-US" dirty="0"/>
-              <a:t>Results | ERD/ERS</a:t>
-            </a:r>
-            <a:br>
-              <a:rPr lang="en-US" dirty="0"/>
-            </a:br>
-            <a:r>
-              <a:rPr lang="en-US" sz="2400" dirty="0"/>
-              <a:t>S1 Hand, Electrode 35</a:t>
-            </a:r>
-          </a:p>
-        </p:txBody>
-      </p:sp>
-      <p:sp>
-        <p:nvSpPr>
-          <p:cNvPr id="6" name="TextBox 5">
+              <a:t>sample</a:t>
+            </a:r>
+            <a:endParaRPr lang="en-US" sz="2400" dirty="0"/>
+          </a:p>
+        </p:txBody>
+      </p:sp>
+      <p:pic>
+        <p:nvPicPr>
+          <p:cNvPr id="3" name="Picture 2">
             <a:extLst>
               <a:ext uri="{FF2B5EF4-FFF2-40B4-BE49-F238E27FC236}">
-                <a16:creationId xmlns:a16="http://schemas.microsoft.com/office/drawing/2014/main" id="{398FD5B5-967C-0842-9C32-2FF021B335AF}"/>
-              </a:ext>
-            </a:extLst>
-          </p:cNvPr>
-          <p:cNvSpPr txBox="1"/>
-          <p:nvPr/>
-        </p:nvSpPr>
-        <p:spPr>
-          <a:xfrm>
-            <a:off x="1708727" y="1898073"/>
-            <a:ext cx="4193309" cy="369332"/>
-          </a:xfrm>
-          <a:prstGeom prst="rect">
-            <a:avLst/>
-          </a:prstGeom>
-          <a:noFill/>
-        </p:spPr>
-        <p:txBody>
-          <a:bodyPr wrap="square" rtlCol="0">
-            <a:spAutoFit/>
-          </a:bodyPr>
-          <a:lstStyle/>
-          <a:p>
-            <a:pPr algn="ctr"/>
-            <a:r>
-              <a:rPr lang="en-US" u="sng" dirty="0"/>
-              <a:t>actual movement</a:t>
-            </a:r>
-          </a:p>
-        </p:txBody>
-      </p:sp>
-      <p:sp>
-        <p:nvSpPr>
-          <p:cNvPr id="7" name="TextBox 6">
-            <a:extLst>
-              <a:ext uri="{FF2B5EF4-FFF2-40B4-BE49-F238E27FC236}">
-                <a16:creationId xmlns:a16="http://schemas.microsoft.com/office/drawing/2014/main" id="{491C672F-5F1C-145B-D2AA-0489F3EE2464}"/>
-              </a:ext>
-            </a:extLst>
-          </p:cNvPr>
-          <p:cNvSpPr txBox="1"/>
-          <p:nvPr/>
-        </p:nvSpPr>
-        <p:spPr>
-          <a:xfrm>
-            <a:off x="6696363" y="1898073"/>
-            <a:ext cx="4193309" cy="369332"/>
-          </a:xfrm>
-          <a:prstGeom prst="rect">
-            <a:avLst/>
-          </a:prstGeom>
-          <a:noFill/>
-        </p:spPr>
-        <p:txBody>
-          <a:bodyPr wrap="square" rtlCol="0">
-            <a:spAutoFit/>
-          </a:bodyPr>
-          <a:lstStyle/>
-          <a:p>
-            <a:pPr algn="ctr"/>
-            <a:r>
-              <a:rPr lang="en-US" u="sng" dirty="0"/>
-              <a:t>imagined movement</a:t>
-            </a:r>
-          </a:p>
-        </p:txBody>
-      </p:sp>
-      <p:pic>
-        <p:nvPicPr>
-          <p:cNvPr id="5" name="Picture 4">
-            <a:extLst>
-              <a:ext uri="{FF2B5EF4-FFF2-40B4-BE49-F238E27FC236}">
-                <a16:creationId xmlns:a16="http://schemas.microsoft.com/office/drawing/2014/main" id="{3A76629F-6595-4D55-1F45-69F3ABF73D5C}"/>
+                <a16:creationId xmlns:a16="http://schemas.microsoft.com/office/drawing/2014/main" id="{ABA2E817-AEC2-51A4-20EE-227088132B42}"/>
               </a:ext>
             </a:extLst>
           </p:cNvPr>
@@ -8803,38 +9165,8 @@
         </p:blipFill>
         <p:spPr>
           <a:xfrm>
-            <a:off x="1708727" y="2566729"/>
-            <a:ext cx="4416725" cy="2926080"/>
-          </a:xfrm>
-          <a:prstGeom prst="rect">
-            <a:avLst/>
-          </a:prstGeom>
-        </p:spPr>
-      </p:pic>
-      <p:pic>
-        <p:nvPicPr>
-          <p:cNvPr id="8" name="Picture 7">
-            <a:extLst>
-              <a:ext uri="{FF2B5EF4-FFF2-40B4-BE49-F238E27FC236}">
-                <a16:creationId xmlns:a16="http://schemas.microsoft.com/office/drawing/2014/main" id="{50B4234D-3E81-BD8D-05AA-A0399F8A82E2}"/>
-              </a:ext>
-            </a:extLst>
-          </p:cNvPr>
-          <p:cNvPicPr>
-            <a:picLocks noChangeAspect="1"/>
-          </p:cNvPicPr>
-          <p:nvPr/>
-        </p:nvPicPr>
-        <p:blipFill>
-          <a:blip r:embed="rId3"/>
-          <a:stretch>
-            <a:fillRect/>
-          </a:stretch>
-        </p:blipFill>
-        <p:spPr>
-          <a:xfrm>
-            <a:off x="6536743" y="2566729"/>
-            <a:ext cx="4416724" cy="2926080"/>
+            <a:off x="2611808" y="1663609"/>
+            <a:ext cx="6567055" cy="4182589"/>
           </a:xfrm>
           <a:prstGeom prst="rect">
             <a:avLst/>
@@ -8844,7 +9176,7 @@
     </p:spTree>
     <p:extLst>
       <p:ext uri="{BB962C8B-B14F-4D97-AF65-F5344CB8AC3E}">
-        <p14:creationId xmlns:p14="http://schemas.microsoft.com/office/powerpoint/2010/main" val="2973634916"/>
+        <p14:creationId xmlns:p14="http://schemas.microsoft.com/office/powerpoint/2010/main" val="1549780105"/>
       </p:ext>
     </p:extLst>
   </p:cSld>
@@ -9073,4 +9405,299 @@
     </a:ext>
   </a:extLst>
 </a:theme>
+</file>
+
+<file path=ppt/theme/theme2.xml><?xml version="1.0" encoding="utf-8"?>
+<a:theme xmlns:a="http://schemas.openxmlformats.org/drawingml/2006/main" name="Office Theme">
+  <a:themeElements>
+    <a:clrScheme name="Office">
+      <a:dk1>
+        <a:sysClr val="windowText" lastClr="000000"/>
+      </a:dk1>
+      <a:lt1>
+        <a:sysClr val="window" lastClr="FFFFFF"/>
+      </a:lt1>
+      <a:dk2>
+        <a:srgbClr val="44546A"/>
+      </a:dk2>
+      <a:lt2>
+        <a:srgbClr val="E7E6E6"/>
+      </a:lt2>
+      <a:accent1>
+        <a:srgbClr val="4472C4"/>
+      </a:accent1>
+      <a:accent2>
+        <a:srgbClr val="ED7D31"/>
+      </a:accent2>
+      <a:accent3>
+        <a:srgbClr val="A5A5A5"/>
+      </a:accent3>
+      <a:accent4>
+        <a:srgbClr val="FFC000"/>
+      </a:accent4>
+      <a:accent5>
+        <a:srgbClr val="5B9BD5"/>
+      </a:accent5>
+      <a:accent6>
+        <a:srgbClr val="70AD47"/>
+      </a:accent6>
+      <a:hlink>
+        <a:srgbClr val="0563C1"/>
+      </a:hlink>
+      <a:folHlink>
+        <a:srgbClr val="954F72"/>
+      </a:folHlink>
+    </a:clrScheme>
+    <a:fontScheme name="Office">
+      <a:majorFont>
+        <a:latin typeface="Calibri Light" panose="020F0302020204030204"/>
+        <a:ea typeface=""/>
+        <a:cs typeface=""/>
+        <a:font script="Jpan" typeface="游ゴシック Light"/>
+        <a:font script="Hang" typeface="맑은 고딕"/>
+        <a:font script="Hans" typeface="等线 Light"/>
+        <a:font script="Hant" typeface="新細明體"/>
+        <a:font script="Arab" typeface="Times New Roman"/>
+        <a:font script="Hebr" typeface="Times New Roman"/>
+        <a:font script="Thai" typeface="Angsana New"/>
+        <a:font script="Ethi" typeface="Nyala"/>
+        <a:font script="Beng" typeface="Vrinda"/>
+        <a:font script="Gujr" typeface="Shruti"/>
+        <a:font script="Khmr" typeface="MoolBoran"/>
+        <a:font script="Knda" typeface="Tunga"/>
+        <a:font script="Guru" typeface="Raavi"/>
+        <a:font script="Cans" typeface="Euphemia"/>
+        <a:font script="Cher" typeface="Plantagenet Cherokee"/>
+        <a:font script="Yiii" typeface="Microsoft Yi Baiti"/>
+        <a:font script="Tibt" typeface="Microsoft Himalaya"/>
+        <a:font script="Thaa" typeface="MV Boli"/>
+        <a:font script="Deva" typeface="Mangal"/>
+        <a:font script="Telu" typeface="Gautami"/>
+        <a:font script="Taml" typeface="Latha"/>
+        <a:font script="Syrc" typeface="Estrangelo Edessa"/>
+        <a:font script="Orya" typeface="Kalinga"/>
+        <a:font script="Mlym" typeface="Kartika"/>
+        <a:font script="Laoo" typeface="DokChampa"/>
+        <a:font script="Sinh" typeface="Iskoola Pota"/>
+        <a:font script="Mong" typeface="Mongolian Baiti"/>
+        <a:font script="Viet" typeface="Times New Roman"/>
+        <a:font script="Uigh" typeface="Microsoft Uighur"/>
+        <a:font script="Geor" typeface="Sylfaen"/>
+        <a:font script="Armn" typeface="Arial"/>
+        <a:font script="Bugi" typeface="Leelawadee UI"/>
+        <a:font script="Bopo" typeface="Microsoft JhengHei"/>
+        <a:font script="Java" typeface="Javanese Text"/>
+        <a:font script="Lisu" typeface="Segoe UI"/>
+        <a:font script="Mymr" typeface="Myanmar Text"/>
+        <a:font script="Nkoo" typeface="Ebrima"/>
+        <a:font script="Olck" typeface="Nirmala UI"/>
+        <a:font script="Osma" typeface="Ebrima"/>
+        <a:font script="Phag" typeface="Phagspa"/>
+        <a:font script="Syrn" typeface="Estrangelo Edessa"/>
+        <a:font script="Syrj" typeface="Estrangelo Edessa"/>
+        <a:font script="Syre" typeface="Estrangelo Edessa"/>
+        <a:font script="Sora" typeface="Nirmala UI"/>
+        <a:font script="Tale" typeface="Microsoft Tai Le"/>
+        <a:font script="Talu" typeface="Microsoft New Tai Lue"/>
+        <a:font script="Tfng" typeface="Ebrima"/>
+      </a:majorFont>
+      <a:minorFont>
+        <a:latin typeface="Calibri" panose="020F0502020204030204"/>
+        <a:ea typeface=""/>
+        <a:cs typeface=""/>
+        <a:font script="Jpan" typeface="游ゴシック"/>
+        <a:font script="Hang" typeface="맑은 고딕"/>
+        <a:font script="Hans" typeface="等线"/>
+        <a:font script="Hant" typeface="新細明體"/>
+        <a:font script="Arab" typeface="Arial"/>
+        <a:font script="Hebr" typeface="Arial"/>
+        <a:font script="Thai" typeface="Cordia New"/>
+        <a:font script="Ethi" typeface="Nyala"/>
+        <a:font script="Beng" typeface="Vrinda"/>
+        <a:font script="Gujr" typeface="Shruti"/>
+        <a:font script="Khmr" typeface="DaunPenh"/>
+        <a:font script="Knda" typeface="Tunga"/>
+        <a:font script="Guru" typeface="Raavi"/>
+        <a:font script="Cans" typeface="Euphemia"/>
+        <a:font script="Cher" typeface="Plantagenet Cherokee"/>
+        <a:font script="Yiii" typeface="Microsoft Yi Baiti"/>
+        <a:font script="Tibt" typeface="Microsoft Himalaya"/>
+        <a:font script="Thaa" typeface="MV Boli"/>
+        <a:font script="Deva" typeface="Mangal"/>
+        <a:font script="Telu" typeface="Gautami"/>
+        <a:font script="Taml" typeface="Latha"/>
+        <a:font script="Syrc" typeface="Estrangelo Edessa"/>
+        <a:font script="Orya" typeface="Kalinga"/>
+        <a:font script="Mlym" typeface="Kartika"/>
+        <a:font script="Laoo" typeface="DokChampa"/>
+        <a:font script="Sinh" typeface="Iskoola Pota"/>
+        <a:font script="Mong" typeface="Mongolian Baiti"/>
+        <a:font script="Viet" typeface="Arial"/>
+        <a:font script="Uigh" typeface="Microsoft Uighur"/>
+        <a:font script="Geor" typeface="Sylfaen"/>
+        <a:font script="Armn" typeface="Arial"/>
+        <a:font script="Bugi" typeface="Leelawadee UI"/>
+        <a:font script="Bopo" typeface="Microsoft JhengHei"/>
+        <a:font script="Java" typeface="Javanese Text"/>
+        <a:font script="Lisu" typeface="Segoe UI"/>
+        <a:font script="Mymr" typeface="Myanmar Text"/>
+        <a:font script="Nkoo" typeface="Ebrima"/>
+        <a:font script="Olck" typeface="Nirmala UI"/>
+        <a:font script="Osma" typeface="Ebrima"/>
+        <a:font script="Phag" typeface="Phagspa"/>
+        <a:font script="Syrn" typeface="Estrangelo Edessa"/>
+        <a:font script="Syrj" typeface="Estrangelo Edessa"/>
+        <a:font script="Syre" typeface="Estrangelo Edessa"/>
+        <a:font script="Sora" typeface="Nirmala UI"/>
+        <a:font script="Tale" typeface="Microsoft Tai Le"/>
+        <a:font script="Talu" typeface="Microsoft New Tai Lue"/>
+        <a:font script="Tfng" typeface="Ebrima"/>
+      </a:minorFont>
+    </a:fontScheme>
+    <a:fmtScheme name="Office">
+      <a:fillStyleLst>
+        <a:solidFill>
+          <a:schemeClr val="phClr"/>
+        </a:solidFill>
+        <a:gradFill rotWithShape="1">
+          <a:gsLst>
+            <a:gs pos="0">
+              <a:schemeClr val="phClr">
+                <a:lumMod val="110000"/>
+                <a:satMod val="105000"/>
+                <a:tint val="67000"/>
+              </a:schemeClr>
+            </a:gs>
+            <a:gs pos="50000">
+              <a:schemeClr val="phClr">
+                <a:lumMod val="105000"/>
+                <a:satMod val="103000"/>
+                <a:tint val="73000"/>
+              </a:schemeClr>
+            </a:gs>
+            <a:gs pos="100000">
+              <a:schemeClr val="phClr">
+                <a:lumMod val="105000"/>
+                <a:satMod val="109000"/>
+                <a:tint val="81000"/>
+              </a:schemeClr>
+            </a:gs>
+          </a:gsLst>
+          <a:lin ang="5400000" scaled="0"/>
+        </a:gradFill>
+        <a:gradFill rotWithShape="1">
+          <a:gsLst>
+            <a:gs pos="0">
+              <a:schemeClr val="phClr">
+                <a:satMod val="103000"/>
+                <a:lumMod val="102000"/>
+                <a:tint val="94000"/>
+              </a:schemeClr>
+            </a:gs>
+            <a:gs pos="50000">
+              <a:schemeClr val="phClr">
+                <a:satMod val="110000"/>
+                <a:lumMod val="100000"/>
+                <a:shade val="100000"/>
+              </a:schemeClr>
+            </a:gs>
+            <a:gs pos="100000">
+              <a:schemeClr val="phClr">
+                <a:lumMod val="99000"/>
+                <a:satMod val="120000"/>
+                <a:shade val="78000"/>
+              </a:schemeClr>
+            </a:gs>
+          </a:gsLst>
+          <a:lin ang="5400000" scaled="0"/>
+        </a:gradFill>
+      </a:fillStyleLst>
+      <a:lnStyleLst>
+        <a:ln w="6350" cap="flat" cmpd="sng" algn="ctr">
+          <a:solidFill>
+            <a:schemeClr val="phClr"/>
+          </a:solidFill>
+          <a:prstDash val="solid"/>
+          <a:miter lim="800000"/>
+        </a:ln>
+        <a:ln w="12700" cap="flat" cmpd="sng" algn="ctr">
+          <a:solidFill>
+            <a:schemeClr val="phClr"/>
+          </a:solidFill>
+          <a:prstDash val="solid"/>
+          <a:miter lim="800000"/>
+        </a:ln>
+        <a:ln w="19050" cap="flat" cmpd="sng" algn="ctr">
+          <a:solidFill>
+            <a:schemeClr val="phClr"/>
+          </a:solidFill>
+          <a:prstDash val="solid"/>
+          <a:miter lim="800000"/>
+        </a:ln>
+      </a:lnStyleLst>
+      <a:effectStyleLst>
+        <a:effectStyle>
+          <a:effectLst/>
+        </a:effectStyle>
+        <a:effectStyle>
+          <a:effectLst/>
+        </a:effectStyle>
+        <a:effectStyle>
+          <a:effectLst>
+            <a:outerShdw blurRad="57150" dist="19050" dir="5400000" algn="ctr" rotWithShape="0">
+              <a:srgbClr val="000000">
+                <a:alpha val="63000"/>
+              </a:srgbClr>
+            </a:outerShdw>
+          </a:effectLst>
+        </a:effectStyle>
+      </a:effectStyleLst>
+      <a:bgFillStyleLst>
+        <a:solidFill>
+          <a:schemeClr val="phClr"/>
+        </a:solidFill>
+        <a:solidFill>
+          <a:schemeClr val="phClr">
+            <a:tint val="95000"/>
+            <a:satMod val="170000"/>
+          </a:schemeClr>
+        </a:solidFill>
+        <a:gradFill rotWithShape="1">
+          <a:gsLst>
+            <a:gs pos="0">
+              <a:schemeClr val="phClr">
+                <a:tint val="93000"/>
+                <a:satMod val="150000"/>
+                <a:shade val="98000"/>
+                <a:lumMod val="102000"/>
+              </a:schemeClr>
+            </a:gs>
+            <a:gs pos="50000">
+              <a:schemeClr val="phClr">
+                <a:tint val="98000"/>
+                <a:satMod val="130000"/>
+                <a:shade val="90000"/>
+                <a:lumMod val="103000"/>
+              </a:schemeClr>
+            </a:gs>
+            <a:gs pos="100000">
+              <a:schemeClr val="phClr">
+                <a:shade val="63000"/>
+                <a:satMod val="120000"/>
+              </a:schemeClr>
+            </a:gs>
+          </a:gsLst>
+          <a:lin ang="5400000" scaled="0"/>
+        </a:gradFill>
+      </a:bgFillStyleLst>
+    </a:fmtScheme>
+  </a:themeElements>
+  <a:objectDefaults/>
+  <a:extraClrSchemeLst/>
+  <a:extLst>
+    <a:ext uri="{05A4C25C-085E-4340-85A3-A5531E510DB2}">
+      <thm15:themeFamily xmlns:thm15="http://schemas.microsoft.com/office/thememl/2012/main" name="Office Theme" id="{62F939B6-93AF-4DB8-9C6B-D6C7DFDC589F}" vid="{4A3C46E8-61CC-4603-A589-7422A47A8E4A}"/>
+    </a:ext>
+  </a:extLst>
+</a:theme>
 </file>